--- a/Go Language Sharing.pptx
+++ b/Go Language Sharing.pptx
@@ -20,6 +20,13 @@
     <p:sldId id="268" r:id="rId15"/>
     <p:sldId id="269" r:id="rId16"/>
     <p:sldId id="270" r:id="rId17"/>
+    <p:sldId id="271" r:id="rId18"/>
+    <p:sldId id="272" r:id="rId19"/>
+    <p:sldId id="273" r:id="rId20"/>
+    <p:sldId id="274" r:id="rId21"/>
+    <p:sldId id="275" r:id="rId22"/>
+    <p:sldId id="276" r:id="rId23"/>
+    <p:sldId id="277" r:id="rId24"/>
   </p:sldIdLst>
   <p:sldSz cx="12192000" cy="6858000"/>
   <p:notesSz cx="6858000" cy="9144000"/>
@@ -3777,36 +3784,576 @@
       <p:grpSpPr/>
       <p:sp>
         <p:nvSpPr>
-          <p:cNvPr id="2" name="标题 1"/>
-          <p:cNvSpPr>
-            <a:spLocks noGrp="1"/>
-          </p:cNvSpPr>
-          <p:nvPr>
-            <p:ph type="title"/>
-          </p:nvPr>
-        </p:nvSpPr>
-        <p:spPr/>
-        <p:txBody>
-          <a:bodyPr/>
-          <a:p>
-            <a:endParaRPr lang="zh-CN" altLang="en-US"/>
-          </a:p>
-        </p:txBody>
-      </p:sp>
-      <p:sp>
-        <p:nvSpPr>
-          <p:cNvPr id="3" name="内容占位符 2"/>
-          <p:cNvSpPr>
-            <a:spLocks noGrp="1"/>
-          </p:cNvSpPr>
-          <p:nvPr>
-            <p:ph idx="1"/>
-          </p:nvPr>
-        </p:nvSpPr>
-        <p:spPr/>
-        <p:txBody>
-          <a:bodyPr/>
-          <a:p>
+          <p:cNvPr id="4" name="文本框 3"/>
+          <p:cNvSpPr txBox="1"/>
+          <p:nvPr/>
+        </p:nvSpPr>
+        <p:spPr>
+          <a:xfrm>
+            <a:off x="1634490" y="1073785"/>
+            <a:ext cx="6541770" cy="4206240"/>
+          </a:xfrm>
+          <a:prstGeom prst="rect">
+            <a:avLst/>
+          </a:prstGeom>
+          <a:noFill/>
+        </p:spPr>
+        <p:txBody>
+          <a:bodyPr wrap="square" rtlCol="0" anchor="t">
+            <a:spAutoFit/>
+          </a:bodyPr>
+          <a:p>
+            <a:r>
+              <a:rPr lang="zh-CN" altLang="en-US"/>
+              <a:t>    interface satisfaction</a:t>
+            </a:r>
+            <a:endParaRPr lang="zh-CN" altLang="en-US"/>
+          </a:p>
+          <a:p>
+            <a:r>
+              <a:rPr lang="zh-CN" altLang="en-US"/>
+              <a:t>        A type statisfies an interface if it possesses all the methods the interface requires.</a:t>
+            </a:r>
+            <a:endParaRPr lang="zh-CN" altLang="en-US"/>
+          </a:p>
+          <a:p>
+            <a:endParaRPr lang="zh-CN" altLang="en-US"/>
+          </a:p>
+          <a:p>
+            <a:r>
+              <a:rPr lang="zh-CN" altLang="en-US"/>
+              <a:t>        var w io.Writer</a:t>
+            </a:r>
+            <a:endParaRPr lang="zh-CN" altLang="en-US"/>
+          </a:p>
+          <a:p>
+            <a:r>
+              <a:rPr lang="zh-CN" altLang="en-US"/>
+              <a:t>        w = os.Stdout              // ok</a:t>
+            </a:r>
+            <a:endParaRPr lang="zh-CN" altLang="en-US"/>
+          </a:p>
+          <a:p>
+            <a:r>
+              <a:rPr lang="zh-CN" altLang="en-US"/>
+              <a:t>        w = new(bytes.Buffer)      // ok</a:t>
+            </a:r>
+            <a:endParaRPr lang="zh-CN" altLang="en-US"/>
+          </a:p>
+          <a:p>
+            <a:r>
+              <a:rPr lang="zh-CN" altLang="en-US"/>
+              <a:t>        w = time.Second            // compile error</a:t>
+            </a:r>
+            <a:endParaRPr lang="zh-CN" altLang="en-US"/>
+          </a:p>
+          <a:p>
+            <a:endParaRPr lang="zh-CN" altLang="en-US"/>
+          </a:p>
+          <a:p>
+            <a:r>
+              <a:rPr lang="zh-CN" altLang="en-US"/>
+              <a:t>        var any interface{}</a:t>
+            </a:r>
+            <a:endParaRPr lang="zh-CN" altLang="en-US"/>
+          </a:p>
+          <a:p>
+            <a:r>
+              <a:rPr lang="zh-CN" altLang="en-US"/>
+              <a:t>        any = true</a:t>
+            </a:r>
+            <a:endParaRPr lang="zh-CN" altLang="en-US"/>
+          </a:p>
+          <a:p>
+            <a:r>
+              <a:rPr lang="zh-CN" altLang="en-US"/>
+              <a:t>        any = 12.24</a:t>
+            </a:r>
+            <a:endParaRPr lang="zh-CN" altLang="en-US"/>
+          </a:p>
+          <a:p>
+            <a:r>
+              <a:rPr lang="zh-CN" altLang="en-US"/>
+              <a:t>        any = "hello"</a:t>
+            </a:r>
+            <a:endParaRPr lang="zh-CN" altLang="en-US"/>
+          </a:p>
+          <a:p>
+            <a:r>
+              <a:rPr lang="zh-CN" altLang="en-US"/>
+              <a:t>        any = new(bytes.Buffer)</a:t>
+            </a:r>
+            <a:endParaRPr lang="zh-CN" altLang="en-US"/>
+          </a:p>
+          <a:p>
+            <a:r>
+              <a:rPr lang="zh-CN" altLang="en-US"/>
+              <a:t>        any = time.Second</a:t>
+            </a:r>
+            <a:endParaRPr lang="zh-CN" altLang="en-US"/>
+          </a:p>
+        </p:txBody>
+      </p:sp>
+    </p:spTree>
+  </p:cSld>
+  <p:clrMapOvr>
+    <a:masterClrMapping/>
+  </p:clrMapOvr>
+</p:sld>
+</file>
+
+<file path=ppt/slides/slide16.xml><?xml version="1.0" encoding="utf-8"?>
+<p:sld xmlns:a="http://schemas.openxmlformats.org/drawingml/2006/main" xmlns:r="http://schemas.openxmlformats.org/officeDocument/2006/relationships" xmlns:p="http://schemas.openxmlformats.org/presentationml/2006/main">
+  <p:cSld>
+    <p:spTree>
+      <p:nvGrpSpPr>
+        <p:cNvPr id="1" name=""/>
+        <p:cNvGrpSpPr/>
+        <p:nvPr/>
+      </p:nvGrpSpPr>
+      <p:grpSpPr/>
+      <p:sp>
+        <p:nvSpPr>
+          <p:cNvPr id="4" name="文本框 3"/>
+          <p:cNvSpPr txBox="1"/>
+          <p:nvPr/>
+        </p:nvSpPr>
+        <p:spPr>
+          <a:xfrm>
+            <a:off x="509905" y="311785"/>
+            <a:ext cx="10427335" cy="6126480"/>
+          </a:xfrm>
+          <a:prstGeom prst="rect">
+            <a:avLst/>
+          </a:prstGeom>
+          <a:noFill/>
+        </p:spPr>
+        <p:txBody>
+          <a:bodyPr wrap="square" rtlCol="0" anchor="t">
+            <a:spAutoFit/>
+          </a:bodyPr>
+          <a:p>
+            <a:r>
+              <a:rPr lang="zh-CN" altLang="en-US"/>
+              <a:t>    interface value</a:t>
+            </a:r>
+            <a:endParaRPr lang="zh-CN" altLang="en-US"/>
+          </a:p>
+          <a:p>
+            <a:r>
+              <a:rPr lang="zh-CN" altLang="en-US"/>
+              <a:t>        A value of an interface type has two components, a concrete type and a value of that type.</a:t>
+            </a:r>
+            <a:endParaRPr lang="zh-CN" altLang="en-US"/>
+          </a:p>
+          <a:p>
+            <a:r>
+              <a:rPr lang="zh-CN" altLang="en-US"/>
+              <a:t>        var w io.Writer</a:t>
+            </a:r>
+            <a:endParaRPr lang="zh-CN" altLang="en-US"/>
+          </a:p>
+          <a:p>
+            <a:r>
+              <a:rPr lang="zh-CN" altLang="en-US"/>
+              <a:t>        w = os.Stdout</a:t>
+            </a:r>
+            <a:endParaRPr lang="zh-CN" altLang="en-US"/>
+          </a:p>
+          <a:p>
+            <a:r>
+              <a:rPr lang="zh-CN" altLang="en-US"/>
+              <a:t>        w = new(bytes.Buffer)</a:t>
+            </a:r>
+            <a:endParaRPr lang="zh-CN" altLang="en-US"/>
+          </a:p>
+          <a:p>
+            <a:r>
+              <a:rPr lang="zh-CN" altLang="en-US"/>
+              <a:t>        w = nil</a:t>
+            </a:r>
+            <a:endParaRPr lang="zh-CN" altLang="en-US"/>
+          </a:p>
+          <a:p>
+            <a:endParaRPr lang="zh-CN" altLang="en-US"/>
+          </a:p>
+          <a:p>
+            <a:r>
+              <a:rPr lang="zh-CN" altLang="en-US"/>
+              <a:t>    type assertions</a:t>
+            </a:r>
+            <a:endParaRPr lang="zh-CN" altLang="en-US"/>
+          </a:p>
+          <a:p>
+            <a:r>
+              <a:rPr lang="zh-CN" altLang="en-US"/>
+              <a:t>        A type assertion is an operation applied to an interface value.</a:t>
+            </a:r>
+            <a:endParaRPr lang="zh-CN" altLang="en-US"/>
+          </a:p>
+          <a:p>
+            <a:r>
+              <a:rPr lang="zh-CN" altLang="en-US"/>
+              <a:t>        </a:t>
+            </a:r>
+            <a:endParaRPr lang="zh-CN" altLang="en-US"/>
+          </a:p>
+          <a:p>
+            <a:r>
+              <a:rPr lang="zh-CN" altLang="en-US"/>
+              <a:t>        x.(T)</a:t>
+            </a:r>
+            <a:endParaRPr lang="zh-CN" altLang="en-US"/>
+          </a:p>
+          <a:p>
+            <a:r>
+              <a:rPr lang="zh-CN" altLang="en-US"/>
+              <a:t>    </a:t>
+            </a:r>
+            <a:endParaRPr lang="zh-CN" altLang="en-US"/>
+          </a:p>
+          <a:p>
+            <a:r>
+              <a:rPr lang="zh-CN" altLang="en-US"/>
+              <a:t>    type switchs</a:t>
+            </a:r>
+            <a:endParaRPr lang="zh-CN" altLang="en-US"/>
+          </a:p>
+          <a:p>
+            <a:r>
+              <a:rPr lang="zh-CN" altLang="en-US"/>
+              <a:t>    </a:t>
+            </a:r>
+            <a:endParaRPr lang="zh-CN" altLang="en-US"/>
+          </a:p>
+          <a:p>
+            <a:r>
+              <a:rPr lang="zh-CN" altLang="en-US"/>
+              <a:t>        switch x.(type) {</a:t>
+            </a:r>
+            <a:endParaRPr lang="zh-CN" altLang="en-US"/>
+          </a:p>
+          <a:p>
+            <a:r>
+              <a:rPr lang="zh-CN" altLang="en-US"/>
+              <a:t>        case nil:</a:t>
+            </a:r>
+            <a:endParaRPr lang="zh-CN" altLang="en-US"/>
+          </a:p>
+          <a:p>
+            <a:r>
+              <a:rPr lang="zh-CN" altLang="en-US"/>
+              <a:t>        case int, unint:</a:t>
+            </a:r>
+            <a:endParaRPr lang="zh-CN" altLang="en-US"/>
+          </a:p>
+          <a:p>
+            <a:r>
+              <a:rPr lang="zh-CN" altLang="en-US"/>
+              <a:t>        case bool:</a:t>
+            </a:r>
+            <a:endParaRPr lang="zh-CN" altLang="en-US"/>
+          </a:p>
+          <a:p>
+            <a:r>
+              <a:rPr lang="zh-CN" altLang="en-US"/>
+              <a:t>        case string:</a:t>
+            </a:r>
+            <a:endParaRPr lang="zh-CN" altLang="en-US"/>
+          </a:p>
+          <a:p>
+            <a:r>
+              <a:rPr lang="zh-CN" altLang="en-US"/>
+              <a:t>        default:</a:t>
+            </a:r>
+            <a:endParaRPr lang="zh-CN" altLang="en-US"/>
+          </a:p>
+          <a:p>
+            <a:r>
+              <a:rPr lang="zh-CN" altLang="en-US"/>
+              <a:t>        }</a:t>
+            </a:r>
+            <a:endParaRPr lang="zh-CN" altLang="en-US"/>
+          </a:p>
+        </p:txBody>
+      </p:sp>
+    </p:spTree>
+  </p:cSld>
+  <p:clrMapOvr>
+    <a:masterClrMapping/>
+  </p:clrMapOvr>
+</p:sld>
+</file>
+
+<file path=ppt/slides/slide17.xml><?xml version="1.0" encoding="utf-8"?>
+<p:sld xmlns:a="http://schemas.openxmlformats.org/drawingml/2006/main" xmlns:r="http://schemas.openxmlformats.org/officeDocument/2006/relationships" xmlns:p="http://schemas.openxmlformats.org/presentationml/2006/main">
+  <p:cSld>
+    <p:spTree>
+      <p:nvGrpSpPr>
+        <p:cNvPr id="1" name=""/>
+        <p:cNvGrpSpPr/>
+        <p:nvPr/>
+      </p:nvGrpSpPr>
+      <p:grpSpPr/>
+      <p:sp>
+        <p:nvSpPr>
+          <p:cNvPr id="4" name="文本框 3"/>
+          <p:cNvSpPr txBox="1"/>
+          <p:nvPr/>
+        </p:nvSpPr>
+        <p:spPr>
+          <a:xfrm>
+            <a:off x="143510" y="1414145"/>
+            <a:ext cx="11838305" cy="1737360"/>
+          </a:xfrm>
+          <a:prstGeom prst="rect">
+            <a:avLst/>
+          </a:prstGeom>
+          <a:noFill/>
+        </p:spPr>
+        <p:txBody>
+          <a:bodyPr wrap="square" rtlCol="0" anchor="t">
+            <a:spAutoFit/>
+          </a:bodyPr>
+          <a:p>
+            <a:r>
+              <a:rPr lang="zh-CN" altLang="en-US"/>
+              <a:t>Two stlyes of concurrent programming</a:t>
+            </a:r>
+            <a:endParaRPr lang="zh-CN" altLang="en-US"/>
+          </a:p>
+          <a:p>
+            <a:r>
+              <a:rPr lang="zh-CN" altLang="en-US"/>
+              <a:t>    CSP(communicating sequential process), a model of concurrency in which values are passed between independent activities(goroutines) but variables are for the most part confined to a single activity.</a:t>
+            </a:r>
+            <a:endParaRPr lang="zh-CN" altLang="en-US"/>
+          </a:p>
+          <a:p>
+            <a:r>
+              <a:rPr lang="zh-CN" altLang="en-US"/>
+              <a:t>    Mutual Exclusion, a approach is to allow many goroutines to access the variable, but only one at a time.</a:t>
+            </a:r>
+            <a:endParaRPr lang="zh-CN" altLang="en-US"/>
+          </a:p>
+        </p:txBody>
+      </p:sp>
+    </p:spTree>
+  </p:cSld>
+  <p:clrMapOvr>
+    <a:masterClrMapping/>
+  </p:clrMapOvr>
+</p:sld>
+</file>
+
+<file path=ppt/slides/slide18.xml><?xml version="1.0" encoding="utf-8"?>
+<p:sld xmlns:a="http://schemas.openxmlformats.org/drawingml/2006/main" xmlns:r="http://schemas.openxmlformats.org/officeDocument/2006/relationships" xmlns:p="http://schemas.openxmlformats.org/presentationml/2006/main">
+  <p:cSld>
+    <p:spTree>
+      <p:nvGrpSpPr>
+        <p:cNvPr id="1" name=""/>
+        <p:cNvGrpSpPr/>
+        <p:nvPr/>
+      </p:nvGrpSpPr>
+      <p:grpSpPr/>
+      <p:sp>
+        <p:nvSpPr>
+          <p:cNvPr id="4" name="文本框 3"/>
+          <p:cNvSpPr txBox="1"/>
+          <p:nvPr/>
+        </p:nvSpPr>
+        <p:spPr>
+          <a:xfrm>
+            <a:off x="508635" y="1051560"/>
+            <a:ext cx="10781030" cy="2286000"/>
+          </a:xfrm>
+          <a:prstGeom prst="rect">
+            <a:avLst/>
+          </a:prstGeom>
+          <a:noFill/>
+        </p:spPr>
+        <p:txBody>
+          <a:bodyPr wrap="square" rtlCol="0" anchor="t">
+            <a:spAutoFit/>
+          </a:bodyPr>
+          <a:p>
+            <a:r>
+              <a:rPr lang="zh-CN" altLang="en-US"/>
+              <a:t>Goroutines</a:t>
+            </a:r>
+            <a:endParaRPr lang="zh-CN" altLang="en-US"/>
+          </a:p>
+          <a:p>
+            <a:r>
+              <a:rPr lang="zh-CN" altLang="en-US"/>
+              <a:t>    Each concurrently executing activity is called a goroutine.</a:t>
+            </a:r>
+            <a:endParaRPr lang="zh-CN" altLang="en-US"/>
+          </a:p>
+          <a:p>
+            <a:r>
+              <a:rPr lang="zh-CN" altLang="en-US"/>
+              <a:t>        now can assume a goroutine is similar to a thread.</a:t>
+            </a:r>
+            <a:endParaRPr lang="zh-CN" altLang="en-US"/>
+          </a:p>
+          <a:p>
+            <a:r>
+              <a:rPr lang="zh-CN" altLang="en-US"/>
+              <a:t>        main goroutine</a:t>
+            </a:r>
+            <a:endParaRPr lang="zh-CN" altLang="en-US"/>
+          </a:p>
+          <a:p>
+            <a:r>
+              <a:rPr lang="zh-CN" altLang="en-US"/>
+              <a:t>        created by the go statement</a:t>
+            </a:r>
+            <a:endParaRPr lang="zh-CN" altLang="en-US"/>
+          </a:p>
+          <a:p>
+            <a:r>
+              <a:rPr lang="zh-CN" altLang="en-US"/>
+              <a:t>    </a:t>
+            </a:r>
+            <a:endParaRPr lang="zh-CN" altLang="en-US"/>
+          </a:p>
+          <a:p>
+            <a:r>
+              <a:rPr lang="zh-CN" altLang="en-US"/>
+              <a:t>    f() // call f(); wait for is to return</a:t>
+            </a:r>
+            <a:endParaRPr lang="zh-CN" altLang="en-US"/>
+          </a:p>
+          <a:p>
+            <a:r>
+              <a:rPr lang="zh-CN" altLang="en-US"/>
+              <a:t>    go f() // create a new goroutine that calls f(); don't wait</a:t>
+            </a:r>
+            <a:endParaRPr lang="zh-CN" altLang="en-US"/>
+          </a:p>
+        </p:txBody>
+      </p:sp>
+    </p:spTree>
+  </p:cSld>
+  <p:clrMapOvr>
+    <a:masterClrMapping/>
+  </p:clrMapOvr>
+</p:sld>
+</file>
+
+<file path=ppt/slides/slide19.xml><?xml version="1.0" encoding="utf-8"?>
+<p:sld xmlns:a="http://schemas.openxmlformats.org/drawingml/2006/main" xmlns:r="http://schemas.openxmlformats.org/officeDocument/2006/relationships" xmlns:p="http://schemas.openxmlformats.org/presentationml/2006/main">
+  <p:cSld>
+    <p:spTree>
+      <p:nvGrpSpPr>
+        <p:cNvPr id="1" name=""/>
+        <p:cNvGrpSpPr/>
+        <p:nvPr/>
+      </p:nvGrpSpPr>
+      <p:grpSpPr/>
+      <p:sp>
+        <p:nvSpPr>
+          <p:cNvPr id="4" name="文本框 3"/>
+          <p:cNvSpPr txBox="1"/>
+          <p:nvPr/>
+        </p:nvSpPr>
+        <p:spPr>
+          <a:xfrm>
+            <a:off x="424180" y="319405"/>
+            <a:ext cx="11162665" cy="5029200"/>
+          </a:xfrm>
+          <a:prstGeom prst="rect">
+            <a:avLst/>
+          </a:prstGeom>
+          <a:noFill/>
+        </p:spPr>
+        <p:txBody>
+          <a:bodyPr wrap="square" rtlCol="0" anchor="t">
+            <a:spAutoFit/>
+          </a:bodyPr>
+          <a:p>
+            <a:r>
+              <a:rPr lang="zh-CN" altLang="en-US"/>
+              <a:t>    distinguish threads</a:t>
+            </a:r>
+            <a:endParaRPr lang="zh-CN" altLang="en-US"/>
+          </a:p>
+          <a:p>
+            <a:r>
+              <a:rPr lang="zh-CN" altLang="en-US"/>
+              <a:t>        stack</a:t>
+            </a:r>
+            <a:endParaRPr lang="zh-CN" altLang="en-US"/>
+          </a:p>
+          <a:p>
+            <a:r>
+              <a:rPr lang="zh-CN" altLang="en-US"/>
+              <a:t>            It's a work area where is saves the local variables of function calls that are in progress or temporarily suspended while another function is called.</a:t>
+            </a:r>
+            <a:endParaRPr lang="zh-CN" altLang="en-US"/>
+          </a:p>
+          <a:p>
+            <a:r>
+              <a:rPr lang="zh-CN" altLang="en-US"/>
+              <a:t>        growable stacks</a:t>
+            </a:r>
+            <a:endParaRPr lang="zh-CN" altLang="en-US"/>
+          </a:p>
+          <a:p>
+            <a:r>
+              <a:rPr lang="zh-CN" altLang="en-US"/>
+              <a:t>            OS thread has a fixed-size block of memory(often as large as 2MB) for its stack.</a:t>
+            </a:r>
+            <a:endParaRPr lang="zh-CN" altLang="en-US"/>
+          </a:p>
+          <a:p>
+            <a:r>
+              <a:rPr lang="zh-CN" altLang="en-US"/>
+              <a:t>            A goroutine starts life with a small stack, typically 2KB. Its not fixed, it grows and shrinks as needed.</a:t>
+            </a:r>
+            <a:endParaRPr lang="zh-CN" altLang="en-US"/>
+          </a:p>
+          <a:p>
+            <a:r>
+              <a:rPr lang="zh-CN" altLang="en-US"/>
+              <a:t>        goroutine scheduling</a:t>
+            </a:r>
+            <a:endParaRPr lang="zh-CN" altLang="en-US"/>
+          </a:p>
+          <a:p>
+            <a:r>
+              <a:rPr lang="zh-CN" altLang="en-US"/>
+              <a:t>            OS threads are scheduled by the OS kernel. Every few milliseconds, a hardware timer interrupts the processor, which causes a kernel function called the scheduler to be invoked.</a:t>
+            </a:r>
+            <a:endParaRPr lang="zh-CN" altLang="en-US"/>
+          </a:p>
+          <a:p>
+            <a:r>
+              <a:rPr lang="zh-CN" altLang="en-US"/>
+              <a:t>                a full context switch</a:t>
+            </a:r>
+            <a:endParaRPr lang="zh-CN" altLang="en-US"/>
+          </a:p>
+          <a:p>
+            <a:r>
+              <a:rPr lang="zh-CN" altLang="en-US"/>
+              <a:t>            The Go runtime contains its own scheduler that known as m:n scheduling (it multiplexes m goroutines on n OS threads, is analogous to the kernel scheduler).</a:t>
+            </a:r>
+            <a:endParaRPr lang="zh-CN" altLang="en-US"/>
+          </a:p>
+          <a:p>
+            <a:r>
+              <a:rPr lang="zh-CN" altLang="en-US"/>
+              <a:t>                the Go scheduler is not invoked periodically by a hardware timer, but implicitly by certain Go language constructs.</a:t>
+            </a:r>
+            <a:endParaRPr lang="zh-CN" altLang="en-US"/>
+          </a:p>
+          <a:p>
+            <a:r>
+              <a:rPr lang="zh-CN" altLang="en-US"/>
+              <a:t>                GOMAXPROCS is the n in m:n scheduling. It's default value is the number of CPUs on the machine. </a:t>
+            </a:r>
             <a:endParaRPr lang="zh-CN" altLang="en-US"/>
           </a:p>
         </p:txBody>
@@ -3931,6 +4478,372 @@
             <a:r>
               <a:rPr lang="zh-CN" altLang="en-US"/>
               <a:t>Go 1.7 was released in this year.</a:t>
+            </a:r>
+            <a:endParaRPr lang="zh-CN" altLang="en-US"/>
+          </a:p>
+        </p:txBody>
+      </p:sp>
+    </p:spTree>
+  </p:cSld>
+  <p:clrMapOvr>
+    <a:masterClrMapping/>
+  </p:clrMapOvr>
+</p:sld>
+</file>
+
+<file path=ppt/slides/slide20.xml><?xml version="1.0" encoding="utf-8"?>
+<p:sld xmlns:a="http://schemas.openxmlformats.org/drawingml/2006/main" xmlns:r="http://schemas.openxmlformats.org/officeDocument/2006/relationships" xmlns:p="http://schemas.openxmlformats.org/presentationml/2006/main">
+  <p:cSld>
+    <p:spTree>
+      <p:nvGrpSpPr>
+        <p:cNvPr id="1" name=""/>
+        <p:cNvGrpSpPr/>
+        <p:nvPr/>
+      </p:nvGrpSpPr>
+      <p:grpSpPr/>
+      <p:sp>
+        <p:nvSpPr>
+          <p:cNvPr id="6" name="文本框 5"/>
+          <p:cNvSpPr txBox="1"/>
+          <p:nvPr/>
+        </p:nvSpPr>
+        <p:spPr>
+          <a:xfrm>
+            <a:off x="876300" y="1860550"/>
+            <a:ext cx="11089640" cy="2560320"/>
+          </a:xfrm>
+          <a:prstGeom prst="rect">
+            <a:avLst/>
+          </a:prstGeom>
+          <a:noFill/>
+        </p:spPr>
+        <p:txBody>
+          <a:bodyPr wrap="square" rtlCol="0" anchor="t">
+            <a:spAutoFit/>
+          </a:bodyPr>
+          <a:p>
+            <a:r>
+              <a:rPr lang="zh-CN" altLang="en-US"/>
+              <a:t>Channels</a:t>
+            </a:r>
+            <a:endParaRPr lang="zh-CN" altLang="en-US"/>
+          </a:p>
+          <a:p>
+            <a:r>
+              <a:rPr lang="zh-CN" altLang="en-US"/>
+              <a:t>    A channel is a communication mechanism that lets one goroutine send values to another goroutine.</a:t>
+            </a:r>
+            <a:endParaRPr lang="zh-CN" altLang="en-US"/>
+          </a:p>
+          <a:p>
+            <a:r>
+              <a:rPr lang="zh-CN" altLang="en-US"/>
+              <a:t>    Each channel is a conduit for values of a particular type, called the channel's element type.</a:t>
+            </a:r>
+            <a:endParaRPr lang="zh-CN" altLang="en-US"/>
+          </a:p>
+          <a:p>
+            <a:r>
+              <a:rPr lang="zh-CN" altLang="en-US"/>
+              <a:t>    The type of a channle whose elements have type int is written chan int.</a:t>
+            </a:r>
+            <a:endParaRPr lang="zh-CN" altLang="en-US"/>
+          </a:p>
+          <a:p>
+            <a:endParaRPr lang="zh-CN" altLang="en-US"/>
+          </a:p>
+          <a:p>
+            <a:r>
+              <a:rPr lang="zh-CN" altLang="en-US"/>
+              <a:t>    create a channel</a:t>
+            </a:r>
+            <a:endParaRPr lang="zh-CN" altLang="en-US"/>
+          </a:p>
+          <a:p>
+            <a:r>
+              <a:rPr lang="zh-CN" altLang="en-US"/>
+              <a:t>        ch := make(chan int) // ch has type 'chan int', unbuffered channel</a:t>
+            </a:r>
+            <a:endParaRPr lang="zh-CN" altLang="en-US"/>
+          </a:p>
+          <a:p>
+            <a:r>
+              <a:rPr lang="zh-CN" altLang="en-US"/>
+              <a:t>        ch := make(chan int, 3) // ch has type 'chan int' , buffered channel with capacity 3</a:t>
+            </a:r>
+            <a:endParaRPr lang="zh-CN" altLang="en-US"/>
+          </a:p>
+        </p:txBody>
+      </p:sp>
+    </p:spTree>
+  </p:cSld>
+  <p:clrMapOvr>
+    <a:masterClrMapping/>
+  </p:clrMapOvr>
+</p:sld>
+</file>
+
+<file path=ppt/slides/slide21.xml><?xml version="1.0" encoding="utf-8"?>
+<p:sld xmlns:a="http://schemas.openxmlformats.org/drawingml/2006/main" xmlns:r="http://schemas.openxmlformats.org/officeDocument/2006/relationships" xmlns:p="http://schemas.openxmlformats.org/presentationml/2006/main">
+  <p:cSld>
+    <p:spTree>
+      <p:nvGrpSpPr>
+        <p:cNvPr id="1" name=""/>
+        <p:cNvGrpSpPr/>
+        <p:nvPr/>
+      </p:nvGrpSpPr>
+      <p:grpSpPr/>
+      <p:sp>
+        <p:nvSpPr>
+          <p:cNvPr id="5" name="文本框 4"/>
+          <p:cNvSpPr txBox="1"/>
+          <p:nvPr/>
+        </p:nvSpPr>
+        <p:spPr>
+          <a:xfrm>
+            <a:off x="1073785" y="1416685"/>
+            <a:ext cx="10116185" cy="4206240"/>
+          </a:xfrm>
+          <a:prstGeom prst="rect">
+            <a:avLst/>
+          </a:prstGeom>
+          <a:noFill/>
+        </p:spPr>
+        <p:txBody>
+          <a:bodyPr wrap="square" rtlCol="0" anchor="t">
+            <a:spAutoFit/>
+          </a:bodyPr>
+          <a:p>
+            <a:r>
+              <a:rPr lang="zh-CN" altLang="en-US"/>
+              <a:t>    operations</a:t>
+            </a:r>
+            <a:endParaRPr lang="zh-CN" altLang="en-US"/>
+          </a:p>
+          <a:p>
+            <a:r>
+              <a:rPr lang="zh-CN" altLang="en-US"/>
+              <a:t>        send and receive</a:t>
+            </a:r>
+            <a:endParaRPr lang="zh-CN" altLang="en-US"/>
+          </a:p>
+          <a:p>
+            <a:r>
+              <a:rPr lang="zh-CN" altLang="en-US"/>
+              <a:t>        </a:t>
+            </a:r>
+            <a:endParaRPr lang="zh-CN" altLang="en-US"/>
+          </a:p>
+          <a:p>
+            <a:r>
+              <a:rPr lang="zh-CN" altLang="en-US"/>
+              <a:t>            ch &lt;- x  // a send statement</a:t>
+            </a:r>
+            <a:endParaRPr lang="zh-CN" altLang="en-US"/>
+          </a:p>
+          <a:p>
+            <a:r>
+              <a:rPr lang="zh-CN" altLang="en-US"/>
+              <a:t>            x = &lt;-ch // a receive expression in an assignment statement</a:t>
+            </a:r>
+            <a:endParaRPr lang="zh-CN" altLang="en-US"/>
+          </a:p>
+          <a:p>
+            <a:r>
+              <a:rPr lang="zh-CN" altLang="en-US"/>
+              <a:t>            &lt;-ch</a:t>
+            </a:r>
+            <a:endParaRPr lang="zh-CN" altLang="en-US"/>
+          </a:p>
+          <a:p>
+            <a:endParaRPr lang="zh-CN" altLang="en-US"/>
+          </a:p>
+          <a:p>
+            <a:r>
+              <a:rPr lang="zh-CN" altLang="en-US"/>
+              <a:t>        close</a:t>
+            </a:r>
+            <a:endParaRPr lang="zh-CN" altLang="en-US"/>
+          </a:p>
+          <a:p>
+            <a:endParaRPr lang="zh-CN" altLang="en-US"/>
+          </a:p>
+          <a:p>
+            <a:r>
+              <a:rPr lang="zh-CN" altLang="en-US"/>
+              <a:t>            close(ch)</a:t>
+            </a:r>
+            <a:endParaRPr lang="zh-CN" altLang="en-US"/>
+          </a:p>
+          <a:p>
+            <a:endParaRPr lang="zh-CN" altLang="en-US"/>
+          </a:p>
+          <a:p>
+            <a:r>
+              <a:rPr lang="zh-CN" altLang="en-US"/>
+              <a:t>    A send operation on an unbuffered channel blocks the sending goroutine until another goroutine executes a corresponding receive on the same channel, at which point the value is transmitted and both goroutines may continue.</a:t>
+            </a:r>
+            <a:endParaRPr lang="zh-CN" altLang="en-US"/>
+          </a:p>
+          <a:p>
+            <a:r>
+              <a:rPr lang="zh-CN" altLang="en-US"/>
+              <a:t>        communication causes synchronize</a:t>
+            </a:r>
+            <a:endParaRPr lang="zh-CN" altLang="en-US"/>
+          </a:p>
+        </p:txBody>
+      </p:sp>
+    </p:spTree>
+  </p:cSld>
+  <p:clrMapOvr>
+    <a:masterClrMapping/>
+  </p:clrMapOvr>
+</p:sld>
+</file>
+
+<file path=ppt/slides/slide22.xml><?xml version="1.0" encoding="utf-8"?>
+<p:sld xmlns:a="http://schemas.openxmlformats.org/drawingml/2006/main" xmlns:r="http://schemas.openxmlformats.org/officeDocument/2006/relationships" xmlns:p="http://schemas.openxmlformats.org/presentationml/2006/main">
+  <p:cSld>
+    <p:spTree>
+      <p:nvGrpSpPr>
+        <p:cNvPr id="1" name=""/>
+        <p:cNvGrpSpPr/>
+        <p:nvPr/>
+      </p:nvGrpSpPr>
+      <p:grpSpPr/>
+      <p:sp>
+        <p:nvSpPr>
+          <p:cNvPr id="4" name="文本框 3"/>
+          <p:cNvSpPr txBox="1"/>
+          <p:nvPr/>
+        </p:nvSpPr>
+        <p:spPr>
+          <a:xfrm>
+            <a:off x="889635" y="833755"/>
+            <a:ext cx="10173970" cy="5303520"/>
+          </a:xfrm>
+          <a:prstGeom prst="rect">
+            <a:avLst/>
+          </a:prstGeom>
+          <a:noFill/>
+        </p:spPr>
+        <p:txBody>
+          <a:bodyPr wrap="square" rtlCol="0" anchor="t">
+            <a:spAutoFit/>
+          </a:bodyPr>
+          <a:p>
+            <a:r>
+              <a:rPr lang="zh-CN" altLang="en-US"/>
+              <a:t>    A buffered channel has a queue of elements, a send operation on a buffered channel inserts an element at the back of the queue, and a receive operation removes an element from the front.</a:t>
+            </a:r>
+            <a:endParaRPr lang="zh-CN" altLang="en-US"/>
+          </a:p>
+          <a:p>
+            <a:r>
+              <a:rPr lang="zh-CN" altLang="en-US"/>
+              <a:t>        full will blocks</a:t>
+            </a:r>
+            <a:endParaRPr lang="zh-CN" altLang="en-US"/>
+          </a:p>
+          <a:p>
+            <a:r>
+              <a:rPr lang="zh-CN" altLang="en-US"/>
+              <a:t>    </a:t>
+            </a:r>
+            <a:endParaRPr lang="zh-CN" altLang="en-US"/>
+          </a:p>
+          <a:p>
+            <a:r>
+              <a:rPr lang="zh-CN" altLang="en-US"/>
+              <a:t>    multiplexing with select</a:t>
+            </a:r>
+            <a:endParaRPr lang="zh-CN" altLang="en-US"/>
+          </a:p>
+          <a:p>
+            <a:endParaRPr lang="zh-CN" altLang="en-US"/>
+          </a:p>
+          <a:p>
+            <a:r>
+              <a:rPr lang="zh-CN" altLang="en-US"/>
+              <a:t>        select {</a:t>
+            </a:r>
+            <a:endParaRPr lang="zh-CN" altLang="en-US"/>
+          </a:p>
+          <a:p>
+            <a:r>
+              <a:rPr lang="zh-CN" altLang="en-US"/>
+              <a:t>        case &lt;-ch1:</a:t>
+            </a:r>
+            <a:endParaRPr lang="zh-CN" altLang="en-US"/>
+          </a:p>
+          <a:p>
+            <a:r>
+              <a:rPr lang="zh-CN" altLang="en-US"/>
+              <a:t>            // ...</a:t>
+            </a:r>
+            <a:endParaRPr lang="zh-CN" altLang="en-US"/>
+          </a:p>
+          <a:p>
+            <a:r>
+              <a:rPr lang="zh-CN" altLang="en-US"/>
+              <a:t>        case x := &lt;-ch2:</a:t>
+            </a:r>
+            <a:endParaRPr lang="zh-CN" altLang="en-US"/>
+          </a:p>
+          <a:p>
+            <a:r>
+              <a:rPr lang="zh-CN" altLang="en-US"/>
+              <a:t>            // ...</a:t>
+            </a:r>
+            <a:endParaRPr lang="zh-CN" altLang="en-US"/>
+          </a:p>
+          <a:p>
+            <a:r>
+              <a:rPr lang="zh-CN" altLang="en-US"/>
+              <a:t>        case ch3 &lt;- y:</a:t>
+            </a:r>
+            <a:endParaRPr lang="zh-CN" altLang="en-US"/>
+          </a:p>
+          <a:p>
+            <a:r>
+              <a:rPr lang="zh-CN" altLang="en-US"/>
+              <a:t>            // ...</a:t>
+            </a:r>
+            <a:endParaRPr lang="zh-CN" altLang="en-US"/>
+          </a:p>
+          <a:p>
+            <a:r>
+              <a:rPr lang="zh-CN" altLang="en-US"/>
+              <a:t>        default:</a:t>
+            </a:r>
+            <a:endParaRPr lang="zh-CN" altLang="en-US"/>
+          </a:p>
+          <a:p>
+            <a:r>
+              <a:rPr lang="zh-CN" altLang="en-US"/>
+              <a:t>            // ...</a:t>
+            </a:r>
+            <a:endParaRPr lang="zh-CN" altLang="en-US"/>
+          </a:p>
+          <a:p>
+            <a:r>
+              <a:rPr lang="zh-CN" altLang="en-US"/>
+              <a:t>        }</a:t>
+            </a:r>
+            <a:endParaRPr lang="zh-CN" altLang="en-US"/>
+          </a:p>
+          <a:p>
+            <a:r>
+              <a:rPr lang="zh-CN" altLang="en-US"/>
+              <a:t>    </a:t>
+            </a:r>
+            <a:endParaRPr lang="zh-CN" altLang="en-US"/>
+          </a:p>
+          <a:p>
+            <a:r>
+              <a:rPr lang="zh-CN" altLang="en-US"/>
+              <a:t>    cancellation</a:t>
             </a:r>
             <a:endParaRPr lang="zh-CN" altLang="en-US"/>
           </a:p>

--- a/Go Language Sharing.pptx
+++ b/Go Language Sharing.pptx
@@ -6,27 +6,25 @@
   </p:sldMasterIdLst>
   <p:sldIdLst>
     <p:sldId id="256" r:id="rId3"/>
-    <p:sldId id="257" r:id="rId4"/>
-    <p:sldId id="258" r:id="rId5"/>
-    <p:sldId id="259" r:id="rId6"/>
-    <p:sldId id="260" r:id="rId7"/>
-    <p:sldId id="261" r:id="rId8"/>
-    <p:sldId id="262" r:id="rId9"/>
-    <p:sldId id="263" r:id="rId10"/>
-    <p:sldId id="264" r:id="rId11"/>
-    <p:sldId id="265" r:id="rId12"/>
-    <p:sldId id="266" r:id="rId13"/>
-    <p:sldId id="267" r:id="rId14"/>
-    <p:sldId id="268" r:id="rId15"/>
-    <p:sldId id="269" r:id="rId16"/>
-    <p:sldId id="270" r:id="rId17"/>
-    <p:sldId id="271" r:id="rId18"/>
-    <p:sldId id="272" r:id="rId19"/>
-    <p:sldId id="273" r:id="rId20"/>
-    <p:sldId id="274" r:id="rId21"/>
-    <p:sldId id="275" r:id="rId22"/>
-    <p:sldId id="276" r:id="rId23"/>
-    <p:sldId id="277" r:id="rId24"/>
+    <p:sldId id="286" r:id="rId4"/>
+    <p:sldId id="257" r:id="rId5"/>
+    <p:sldId id="258" r:id="rId6"/>
+    <p:sldId id="279" r:id="rId7"/>
+    <p:sldId id="278" r:id="rId8"/>
+    <p:sldId id="287" r:id="rId9"/>
+    <p:sldId id="269" r:id="rId10"/>
+    <p:sldId id="261" r:id="rId11"/>
+    <p:sldId id="262" r:id="rId12"/>
+    <p:sldId id="265" r:id="rId13"/>
+    <p:sldId id="282" r:id="rId14"/>
+    <p:sldId id="264" r:id="rId15"/>
+    <p:sldId id="266" r:id="rId16"/>
+    <p:sldId id="263" r:id="rId17"/>
+    <p:sldId id="267" r:id="rId18"/>
+    <p:sldId id="268" r:id="rId19"/>
+    <p:sldId id="284" r:id="rId20"/>
+    <p:sldId id="285" r:id="rId21"/>
+    <p:sldId id="304" r:id="rId22"/>
   </p:sldIdLst>
   <p:sldSz cx="12192000" cy="6858000"/>
   <p:notesSz cx="6858000" cy="9144000"/>
@@ -2945,11 +2943,16 @@
           <a:bodyPr/>
           <a:p>
             <a:r>
-              <a:rPr lang="zh-CN" altLang="en-US"/>
+              <a:rPr lang="zh-CN" altLang="en-US">
+                <a:sym typeface="+mn-ea"/>
+              </a:rPr>
               <a:t>Go Language Sharing</a:t>
             </a:r>
             <a:endParaRPr lang="zh-CN" altLang="en-US"/>
           </a:p>
+          <a:p>
+            <a:endParaRPr lang="zh-CN" altLang="en-US"/>
+          </a:p>
         </p:txBody>
       </p:sp>
       <p:sp>
@@ -2967,21 +2970,44 @@
           <a:bodyPr/>
           <a:p>
             <a:r>
-              <a:rPr lang="zh-CN" altLang="en-US"/>
+              <a:rPr lang="zh-CN" altLang="en-US">
+                <a:sym typeface="+mn-ea"/>
+              </a:rPr>
               <a:t>Bowen Chen</a:t>
             </a:r>
             <a:endParaRPr lang="zh-CN" altLang="en-US"/>
           </a:p>
           <a:p>
             <a:r>
-              <a:rPr lang="zh-CN" altLang="en-US"/>
-              <a:t>2016-11-</a:t>
-            </a:r>
-            <a:r>
-              <a:rPr lang="x-none" altLang="zh-CN"/>
-              <a:t>21</a:t>
-            </a:r>
-            <a:endParaRPr lang="x-none" altLang="zh-CN"/>
+              <a:rPr lang="zh-CN" altLang="en-US">
+                <a:sym typeface="+mn-ea"/>
+              </a:rPr>
+              <a:t>2016-1</a:t>
+            </a:r>
+            <a:r>
+              <a:rPr lang="x-none" altLang="zh-CN">
+                <a:sym typeface="+mn-ea"/>
+              </a:rPr>
+              <a:t>2</a:t>
+            </a:r>
+            <a:r>
+              <a:rPr lang="zh-CN" altLang="en-US">
+                <a:sym typeface="+mn-ea"/>
+              </a:rPr>
+              <a:t>-</a:t>
+            </a:r>
+            <a:r>
+              <a:rPr lang="x-none" altLang="zh-CN">
+                <a:sym typeface="+mn-ea"/>
+              </a:rPr>
+              <a:t>23</a:t>
+            </a:r>
+            <a:endParaRPr lang="x-none" altLang="zh-CN">
+              <a:sym typeface="+mn-ea"/>
+            </a:endParaRPr>
+          </a:p>
+          <a:p>
+            <a:endParaRPr lang="zh-CN" altLang="en-US"/>
           </a:p>
         </p:txBody>
       </p:sp>
@@ -3019,98 +3045,114 @@
           <a:p>
             <a:pPr algn="ctr"/>
             <a:r>
-              <a:rPr lang="x-none" altLang="zh-CN"/>
-              <a:t>Go Methods And Interfaces</a:t>
-            </a:r>
-            <a:endParaRPr lang="x-none" altLang="zh-CN"/>
-          </a:p>
-        </p:txBody>
-      </p:sp>
-      <p:sp>
-        <p:nvSpPr>
-          <p:cNvPr id="4" name="文本框 3"/>
-          <p:cNvSpPr txBox="1"/>
-          <p:nvPr/>
+              <a:rPr lang="zh-CN" altLang="en-US">
+                <a:sym typeface="+mn-ea"/>
+              </a:rPr>
+              <a:t>Goroutines </a:t>
+            </a:r>
+            <a:r>
+              <a:rPr lang="x-none" altLang="zh-CN">
+                <a:sym typeface="+mn-ea"/>
+              </a:rPr>
+              <a:t>And Channels</a:t>
+            </a:r>
+            <a:endParaRPr lang="x-none" altLang="zh-CN">
+              <a:sym typeface="+mn-ea"/>
+            </a:endParaRPr>
+          </a:p>
+        </p:txBody>
+      </p:sp>
+      <p:sp>
+        <p:nvSpPr>
+          <p:cNvPr id="3" name="内容占位符 2"/>
+          <p:cNvSpPr>
+            <a:spLocks noGrp="1"/>
+          </p:cNvSpPr>
+          <p:nvPr>
+            <p:ph idx="1"/>
+          </p:nvPr>
         </p:nvSpPr>
         <p:spPr>
           <a:xfrm>
-            <a:off x="1964055" y="1759585"/>
-            <a:ext cx="7532370" cy="1188720"/>
+            <a:off x="810260" y="1701800"/>
+            <a:ext cx="10544175" cy="4476115"/>
           </a:xfrm>
-          <a:prstGeom prst="rect">
-            <a:avLst/>
-          </a:prstGeom>
-          <a:noFill/>
         </p:spPr>
         <p:txBody>
-          <a:bodyPr wrap="square" rtlCol="0" anchor="t">
-            <a:spAutoFit/>
+          <a:bodyPr>
+            <a:normAutofit lnSpcReduction="10000"/>
           </a:bodyPr>
           <a:p>
-            <a:r>
-              <a:rPr lang="zh-CN" altLang="en-US"/>
-              <a:t>Methods</a:t>
-            </a:r>
-            <a:endParaRPr lang="zh-CN" altLang="en-US"/>
-          </a:p>
-          <a:p>
-            <a:r>
-              <a:rPr lang="zh-CN" altLang="en-US"/>
-              <a:t>    Object is simply a value or variable that has methods, </a:t>
-            </a:r>
-            <a:endParaRPr lang="zh-CN" altLang="en-US"/>
-          </a:p>
-          <a:p>
-            <a:r>
-              <a:rPr lang="zh-CN" altLang="en-US"/>
-              <a:t>    and a method is a function associated with a particular type.</a:t>
-            </a:r>
-            <a:endParaRPr lang="zh-CN" altLang="en-US"/>
-          </a:p>
-          <a:p>
-            <a:endParaRPr lang="zh-CN" altLang="en-US"/>
-          </a:p>
-        </p:txBody>
-      </p:sp>
-      <p:sp>
-        <p:nvSpPr>
-          <p:cNvPr id="5" name="文本框 4"/>
-          <p:cNvSpPr txBox="1"/>
-          <p:nvPr/>
-        </p:nvSpPr>
-        <p:spPr>
-          <a:xfrm>
-            <a:off x="1783080" y="3259455"/>
-            <a:ext cx="9669780" cy="1188720"/>
-          </a:xfrm>
-          <a:prstGeom prst="rect">
-            <a:avLst/>
-          </a:prstGeom>
-          <a:noFill/>
-        </p:spPr>
-        <p:txBody>
-          <a:bodyPr wrap="square" rtlCol="0" anchor="t">
-            <a:spAutoFit/>
-          </a:bodyPr>
-          <a:p>
-            <a:r>
-              <a:rPr lang="zh-CN" altLang="en-US"/>
-              <a:t>Interfaces</a:t>
-            </a:r>
-            <a:endParaRPr lang="zh-CN" altLang="en-US"/>
-          </a:p>
-          <a:p>
-            <a:r>
-              <a:rPr lang="zh-CN" altLang="en-US"/>
-              <a:t>    An interface is an abstract type, it reveals only some of their methods.</a:t>
-            </a:r>
-            <a:endParaRPr lang="zh-CN" altLang="en-US"/>
-          </a:p>
-          <a:p>
-            <a:r>
-              <a:rPr lang="zh-CN" altLang="en-US"/>
-              <a:t>    It specifies a set of methods that a concrete type must possess to be considered an instance of that interface.</a:t>
-            </a:r>
+            <a:pPr marL="0" indent="0">
+              <a:buNone/>
+            </a:pPr>
+            <a:r>
+              <a:rPr lang="x-none" altLang="zh-CN">
+                <a:sym typeface="+mn-ea"/>
+              </a:rPr>
+              <a:t>In Go, e</a:t>
+            </a:r>
+            <a:r>
+              <a:rPr lang="zh-CN" altLang="en-US">
+                <a:sym typeface="+mn-ea"/>
+              </a:rPr>
+              <a:t>ach concurrently executing activity is called a goroutine.</a:t>
+            </a:r>
+            <a:endParaRPr lang="zh-CN" altLang="en-US">
+              <a:sym typeface="+mn-ea"/>
+            </a:endParaRPr>
+          </a:p>
+          <a:p>
+            <a:pPr marL="457200" lvl="1" indent="0">
+              <a:buNone/>
+            </a:pPr>
+            <a:r>
+              <a:rPr lang="x-none" altLang="zh-CN">
+                <a:sym typeface="+mn-ea"/>
+              </a:rPr>
+              <a:t>	</a:t>
+            </a:r>
+            <a:endParaRPr lang="x-none" altLang="zh-CN">
+              <a:sym typeface="+mn-ea"/>
+            </a:endParaRPr>
+          </a:p>
+          <a:p>
+            <a:pPr marL="457200" lvl="1" indent="0">
+              <a:buNone/>
+            </a:pPr>
+            <a:r>
+              <a:rPr lang="x-none" altLang="zh-CN">
+                <a:sym typeface="+mn-ea"/>
+              </a:rPr>
+              <a:t>	</a:t>
+            </a:r>
+            <a:r>
+              <a:rPr lang="zh-CN" altLang="en-US">
+                <a:sym typeface="+mn-ea"/>
+              </a:rPr>
+              <a:t>f() // call f(); wait for is to return</a:t>
+            </a:r>
+            <a:endParaRPr lang="zh-CN" altLang="en-US"/>
+          </a:p>
+          <a:p>
+            <a:pPr marL="457200" lvl="1" indent="0">
+              <a:buNone/>
+            </a:pPr>
+            <a:r>
+              <a:rPr lang="x-none" altLang="zh-CN">
+                <a:sym typeface="+mn-ea"/>
+              </a:rPr>
+              <a:t>	</a:t>
+            </a:r>
+            <a:r>
+              <a:rPr lang="zh-CN" altLang="en-US">
+                <a:sym typeface="+mn-ea"/>
+              </a:rPr>
+              <a:t>go f() // create a new goroutine that calls f(); don't wait</a:t>
+            </a:r>
+            <a:endParaRPr lang="zh-CN" altLang="en-US"/>
+          </a:p>
+          <a:p>
             <a:endParaRPr lang="zh-CN" altLang="en-US"/>
           </a:p>
         </p:txBody>
@@ -3135,36 +3177,14 @@
       <p:grpSpPr/>
       <p:sp>
         <p:nvSpPr>
-          <p:cNvPr id="2" name="标题 1"/>
-          <p:cNvSpPr>
-            <a:spLocks noGrp="1"/>
-          </p:cNvSpPr>
-          <p:nvPr>
-            <p:ph type="title"/>
-          </p:nvPr>
-        </p:nvSpPr>
-        <p:spPr/>
-        <p:txBody>
-          <a:bodyPr/>
-          <a:p>
-            <a:r>
-              <a:rPr lang="zh-CN" altLang="en-US"/>
-              <a:t>declarations</a:t>
-            </a:r>
-            <a:endParaRPr lang="zh-CN" altLang="en-US"/>
-          </a:p>
-        </p:txBody>
-      </p:sp>
-      <p:sp>
-        <p:nvSpPr>
           <p:cNvPr id="4" name="文本框 3"/>
           <p:cNvSpPr txBox="1"/>
           <p:nvPr/>
         </p:nvSpPr>
         <p:spPr>
           <a:xfrm>
-            <a:off x="452120" y="1290955"/>
-            <a:ext cx="9546590" cy="5029200"/>
+            <a:off x="529590" y="328295"/>
+            <a:ext cx="10269220" cy="6126480"/>
           </a:xfrm>
           <a:prstGeom prst="rect">
             <a:avLst/>
@@ -3178,110 +3198,146 @@
           <a:p>
             <a:r>
               <a:rPr lang="zh-CN" altLang="en-US"/>
-              <a:t>        package geometry</a:t>
-            </a:r>
-            <a:endParaRPr lang="zh-CN" altLang="en-US"/>
-          </a:p>
-          <a:p>
-            <a:endParaRPr lang="zh-CN" altLang="en-US"/>
-          </a:p>
-          <a:p>
-            <a:r>
-              <a:rPr lang="zh-CN" altLang="en-US"/>
-              <a:t>        import "math"</a:t>
-            </a:r>
-            <a:endParaRPr lang="zh-CN" altLang="en-US"/>
-          </a:p>
-          <a:p>
-            <a:endParaRPr lang="zh-CN" altLang="en-US"/>
-          </a:p>
-          <a:p>
-            <a:r>
-              <a:rPr lang="zh-CN" altLang="en-US"/>
-              <a:t>        type Point struct{ X, Y float64 }</a:t>
-            </a:r>
-            <a:endParaRPr lang="zh-CN" altLang="en-US"/>
-          </a:p>
-          <a:p>
-            <a:endParaRPr lang="zh-CN" altLang="en-US"/>
-          </a:p>
-          <a:p>
-            <a:r>
-              <a:rPr lang="zh-CN" altLang="en-US"/>
-              <a:t>        // package-level function</a:t>
-            </a:r>
-            <a:endParaRPr lang="zh-CN" altLang="en-US"/>
-          </a:p>
-          <a:p>
-            <a:r>
-              <a:rPr lang="zh-CN" altLang="en-US"/>
-              <a:t>        func Distance(p, q Point) float64 {</a:t>
-            </a:r>
-            <a:endParaRPr lang="zh-CN" altLang="en-US"/>
-          </a:p>
-          <a:p>
-            <a:r>
-              <a:rPr lang="zh-CN" altLang="en-US"/>
-              <a:t>            return math.Hypot(q.X-p.X, q.Y-p.Y)</a:t>
-            </a:r>
-            <a:endParaRPr lang="zh-CN" altLang="en-US"/>
-          </a:p>
-          <a:p>
-            <a:r>
-              <a:rPr lang="zh-CN" altLang="en-US"/>
-              <a:t>        }</a:t>
-            </a:r>
-            <a:endParaRPr lang="zh-CN" altLang="en-US"/>
-          </a:p>
-          <a:p>
-            <a:endParaRPr lang="zh-CN" altLang="en-US"/>
-          </a:p>
-          <a:p>
-            <a:r>
-              <a:rPr lang="zh-CN" altLang="en-US"/>
-              <a:t>        // method of type Point</a:t>
-            </a:r>
-            <a:endParaRPr lang="zh-CN" altLang="en-US"/>
-          </a:p>
-          <a:p>
-            <a:r>
-              <a:rPr lang="zh-CN" altLang="en-US"/>
-              <a:t>        func (p Point) Distance(q Point) float64 {</a:t>
-            </a:r>
-            <a:endParaRPr lang="zh-CN" altLang="en-US"/>
-          </a:p>
-          <a:p>
-            <a:r>
-              <a:rPr lang="zh-CN" altLang="en-US"/>
-              <a:t>            return math.Hypot(q.X-p.X, q.Y-p.Y)</a:t>
-            </a:r>
-            <a:endParaRPr lang="zh-CN" altLang="en-US"/>
-          </a:p>
-          <a:p>
-            <a:r>
-              <a:rPr lang="zh-CN" altLang="en-US"/>
-              <a:t>        }</a:t>
-            </a:r>
-            <a:endParaRPr lang="zh-CN" altLang="en-US"/>
-          </a:p>
-          <a:p>
-            <a:r>
-              <a:rPr lang="zh-CN" altLang="en-US"/>
-              <a:t>    </a:t>
-            </a:r>
-            <a:endParaRPr lang="zh-CN" altLang="en-US"/>
-          </a:p>
-          <a:p>
-            <a:r>
-              <a:rPr lang="zh-CN" altLang="en-US"/>
-              <a:t>        p is called the method's receiver; </a:t>
-            </a:r>
-            <a:endParaRPr lang="zh-CN" altLang="en-US"/>
-          </a:p>
-          <a:p>
-            <a:r>
-              <a:rPr lang="zh-CN" altLang="en-US"/>
-              <a:t>        A common choice is the fisrt letter of the type name, like p for Point.</a:t>
+              <a:t>func main() {</a:t>
+            </a:r>
+            <a:endParaRPr lang="zh-CN" altLang="en-US"/>
+          </a:p>
+          <a:p>
+            <a:r>
+              <a:rPr lang="zh-CN" altLang="en-US"/>
+              <a:t>	go spinner(100 * time.Millisecond)</a:t>
+            </a:r>
+            <a:endParaRPr lang="zh-CN" altLang="en-US"/>
+          </a:p>
+          <a:p>
+            <a:r>
+              <a:rPr lang="zh-CN" altLang="en-US"/>
+              <a:t>	const n = 45</a:t>
+            </a:r>
+            <a:endParaRPr lang="zh-CN" altLang="en-US"/>
+          </a:p>
+          <a:p>
+            <a:r>
+              <a:rPr lang="zh-CN" altLang="en-US"/>
+              <a:t>	fibN := fib(n)</a:t>
+            </a:r>
+            <a:endParaRPr lang="zh-CN" altLang="en-US"/>
+          </a:p>
+          <a:p>
+            <a:r>
+              <a:rPr lang="zh-CN" altLang="en-US"/>
+              <a:t>	fmt.Printf("\rFibonacci(%d) = %d\n", n, fibN)</a:t>
+            </a:r>
+            <a:endParaRPr lang="zh-CN" altLang="en-US"/>
+          </a:p>
+          <a:p>
+            <a:r>
+              <a:rPr lang="zh-CN" altLang="en-US"/>
+              <a:t>}</a:t>
+            </a:r>
+            <a:endParaRPr lang="zh-CN" altLang="en-US"/>
+          </a:p>
+          <a:p>
+            <a:endParaRPr lang="zh-CN" altLang="en-US"/>
+          </a:p>
+          <a:p>
+            <a:r>
+              <a:rPr lang="zh-CN" altLang="en-US"/>
+              <a:t>func spinner(delay time.Duration) {</a:t>
+            </a:r>
+            <a:endParaRPr lang="zh-CN" altLang="en-US"/>
+          </a:p>
+          <a:p>
+            <a:r>
+              <a:rPr lang="zh-CN" altLang="en-US"/>
+              <a:t>	for {</a:t>
+            </a:r>
+            <a:endParaRPr lang="zh-CN" altLang="en-US"/>
+          </a:p>
+          <a:p>
+            <a:r>
+              <a:rPr lang="zh-CN" altLang="en-US"/>
+              <a:t>		for _, r := range `-\|/` {</a:t>
+            </a:r>
+            <a:endParaRPr lang="zh-CN" altLang="en-US"/>
+          </a:p>
+          <a:p>
+            <a:r>
+              <a:rPr lang="zh-CN" altLang="en-US"/>
+              <a:t>			fmt.Printf("\r%c", r)</a:t>
+            </a:r>
+            <a:endParaRPr lang="zh-CN" altLang="en-US"/>
+          </a:p>
+          <a:p>
+            <a:r>
+              <a:rPr lang="zh-CN" altLang="en-US"/>
+              <a:t>			time.Sleep(delay)</a:t>
+            </a:r>
+            <a:endParaRPr lang="zh-CN" altLang="en-US"/>
+          </a:p>
+          <a:p>
+            <a:r>
+              <a:rPr lang="zh-CN" altLang="en-US"/>
+              <a:t>		}</a:t>
+            </a:r>
+            <a:endParaRPr lang="zh-CN" altLang="en-US"/>
+          </a:p>
+          <a:p>
+            <a:r>
+              <a:rPr lang="zh-CN" altLang="en-US"/>
+              <a:t>	}</a:t>
+            </a:r>
+            <a:endParaRPr lang="zh-CN" altLang="en-US"/>
+          </a:p>
+          <a:p>
+            <a:r>
+              <a:rPr lang="zh-CN" altLang="en-US"/>
+              <a:t>}</a:t>
+            </a:r>
+            <a:endParaRPr lang="zh-CN" altLang="en-US"/>
+          </a:p>
+          <a:p>
+            <a:endParaRPr lang="zh-CN" altLang="en-US"/>
+          </a:p>
+          <a:p>
+            <a:r>
+              <a:rPr lang="zh-CN" altLang="en-US"/>
+              <a:t>func fib(x int) int {</a:t>
+            </a:r>
+            <a:endParaRPr lang="zh-CN" altLang="en-US"/>
+          </a:p>
+          <a:p>
+            <a:r>
+              <a:rPr lang="zh-CN" altLang="en-US"/>
+              <a:t>	if x &lt; 2 {</a:t>
+            </a:r>
+            <a:endParaRPr lang="zh-CN" altLang="en-US"/>
+          </a:p>
+          <a:p>
+            <a:r>
+              <a:rPr lang="zh-CN" altLang="en-US"/>
+              <a:t>		return x</a:t>
+            </a:r>
+            <a:endParaRPr lang="zh-CN" altLang="en-US"/>
+          </a:p>
+          <a:p>
+            <a:r>
+              <a:rPr lang="zh-CN" altLang="en-US"/>
+              <a:t>	}</a:t>
+            </a:r>
+            <a:endParaRPr lang="zh-CN" altLang="en-US"/>
+          </a:p>
+          <a:p>
+            <a:r>
+              <a:rPr lang="zh-CN" altLang="en-US"/>
+              <a:t>	return fib(x-1) + fib(x-2)</a:t>
+            </a:r>
+            <a:endParaRPr lang="zh-CN" altLang="en-US"/>
+          </a:p>
+          <a:p>
+            <a:r>
+              <a:rPr lang="zh-CN" altLang="en-US"/>
+              <a:t>}</a:t>
             </a:r>
             <a:endParaRPr lang="zh-CN" altLang="en-US"/>
           </a:p>
@@ -3307,152 +3363,165 @@
       <p:grpSpPr/>
       <p:sp>
         <p:nvSpPr>
-          <p:cNvPr id="2" name="标题 1"/>
-          <p:cNvSpPr>
-            <a:spLocks noGrp="1"/>
-          </p:cNvSpPr>
-          <p:nvPr>
-            <p:ph type="title"/>
-          </p:nvPr>
-        </p:nvSpPr>
-        <p:spPr/>
-        <p:txBody>
-          <a:bodyPr/>
-          <a:p>
-            <a:r>
-              <a:rPr lang="zh-CN" altLang="en-US"/>
-              <a:t>usage</a:t>
-            </a:r>
-            <a:endParaRPr lang="zh-CN" altLang="en-US"/>
-          </a:p>
-        </p:txBody>
-      </p:sp>
-      <p:sp>
-        <p:nvSpPr>
-          <p:cNvPr id="4" name="文本框 3"/>
-          <p:cNvSpPr txBox="1"/>
-          <p:nvPr/>
+          <p:cNvPr id="3" name="内容占位符 2"/>
+          <p:cNvSpPr>
+            <a:spLocks noGrp="1"/>
+          </p:cNvSpPr>
+          <p:nvPr>
+            <p:ph idx="1"/>
+          </p:nvPr>
         </p:nvSpPr>
         <p:spPr>
           <a:xfrm>
-            <a:off x="1019810" y="1654810"/>
-            <a:ext cx="6346825" cy="1188720"/>
+            <a:off x="443865" y="362585"/>
+            <a:ext cx="10938510" cy="6259195"/>
           </a:xfrm>
-          <a:prstGeom prst="rect">
-            <a:avLst/>
-          </a:prstGeom>
-          <a:noFill/>
         </p:spPr>
         <p:txBody>
-          <a:bodyPr wrap="square" rtlCol="0" anchor="t">
-            <a:spAutoFit/>
+          <a:bodyPr>
+            <a:normAutofit lnSpcReduction="10000"/>
           </a:bodyPr>
           <a:p>
-            <a:r>
-              <a:rPr lang="zh-CN" altLang="en-US"/>
-              <a:t>        p := Point{1, 2}</a:t>
-            </a:r>
-            <a:endParaRPr lang="zh-CN" altLang="en-US"/>
-          </a:p>
-          <a:p>
-            <a:r>
-              <a:rPr lang="zh-CN" altLang="en-US"/>
-              <a:t>        q := Point{4, 6}</a:t>
-            </a:r>
-            <a:endParaRPr lang="zh-CN" altLang="en-US"/>
-          </a:p>
-          <a:p>
-            <a:r>
-              <a:rPr lang="zh-CN" altLang="en-US"/>
-              <a:t>        fmt.Println(Distance(p, q)) // "5", function call</a:t>
-            </a:r>
-            <a:endParaRPr lang="zh-CN" altLang="en-US"/>
-          </a:p>
-          <a:p>
-            <a:r>
-              <a:rPr lang="zh-CN" altLang="en-US"/>
-              <a:t>        fmt.Println(p.Distance(q))  // "5", method call</a:t>
-            </a:r>
-            <a:endParaRPr lang="zh-CN" altLang="en-US"/>
-          </a:p>
-        </p:txBody>
-      </p:sp>
-      <p:sp>
-        <p:nvSpPr>
-          <p:cNvPr id="5" name="文本框 4"/>
-          <p:cNvSpPr txBox="1"/>
-          <p:nvPr/>
-        </p:nvSpPr>
-        <p:spPr>
-          <a:xfrm>
-            <a:off x="933450" y="3108960"/>
-            <a:ext cx="6433185" cy="365760"/>
-          </a:xfrm>
-          <a:prstGeom prst="rect">
-            <a:avLst/>
-          </a:prstGeom>
-          <a:noFill/>
-        </p:spPr>
-        <p:txBody>
-          <a:bodyPr wrap="square" rtlCol="0" anchor="t">
-            <a:spAutoFit/>
-          </a:bodyPr>
-          <a:p>
-            <a:r>
-              <a:rPr lang="zh-CN" altLang="en-US"/>
-              <a:t>With a pointer receiver</a:t>
-            </a:r>
-            <a:endParaRPr lang="zh-CN" altLang="en-US"/>
-          </a:p>
-        </p:txBody>
-      </p:sp>
-      <p:sp>
-        <p:nvSpPr>
-          <p:cNvPr id="6" name="文本框 5"/>
-          <p:cNvSpPr txBox="1"/>
-          <p:nvPr/>
-        </p:nvSpPr>
-        <p:spPr>
-          <a:xfrm>
-            <a:off x="1597025" y="3676015"/>
-            <a:ext cx="5720080" cy="1188720"/>
-          </a:xfrm>
-          <a:prstGeom prst="rect">
-            <a:avLst/>
-          </a:prstGeom>
-          <a:noFill/>
-        </p:spPr>
-        <p:txBody>
-          <a:bodyPr wrap="square" rtlCol="0" anchor="t">
-            <a:spAutoFit/>
-          </a:bodyPr>
-          <a:p>
-            <a:r>
-              <a:rPr lang="zh-CN" altLang="en-US"/>
-              <a:t>        func (p *Point) ScaleBy(factor float64) {</a:t>
-            </a:r>
-            <a:endParaRPr lang="zh-CN" altLang="en-US"/>
-          </a:p>
-          <a:p>
-            <a:r>
-              <a:rPr lang="zh-CN" altLang="en-US"/>
-              <a:t>            p.X *= factor</a:t>
-            </a:r>
-            <a:endParaRPr lang="zh-CN" altLang="en-US"/>
-          </a:p>
-          <a:p>
-            <a:r>
-              <a:rPr lang="zh-CN" altLang="en-US"/>
-              <a:t>            p.Y *= factor</a:t>
-            </a:r>
-            <a:endParaRPr lang="zh-CN" altLang="en-US"/>
-          </a:p>
-          <a:p>
-            <a:r>
-              <a:rPr lang="zh-CN" altLang="en-US"/>
-              <a:t>        }</a:t>
-            </a:r>
-            <a:endParaRPr lang="zh-CN" altLang="en-US"/>
+            <a:pPr marL="0" indent="0">
+              <a:buNone/>
+            </a:pPr>
+            <a:r>
+              <a:rPr lang="zh-CN" altLang="en-US" sz="2800">
+                <a:sym typeface="+mn-ea"/>
+              </a:rPr>
+              <a:t>A channel is a communication mechanism that lets one goroutine send values to another goroutine.</a:t>
+            </a:r>
+            <a:endParaRPr lang="zh-CN" altLang="en-US" sz="2800">
+              <a:sym typeface="+mn-ea"/>
+            </a:endParaRPr>
+          </a:p>
+          <a:p>
+            <a:pPr marL="457200" lvl="1" indent="0">
+              <a:buNone/>
+            </a:pPr>
+            <a:endParaRPr lang="zh-CN" altLang="en-US" sz="2800">
+              <a:sym typeface="+mn-ea"/>
+            </a:endParaRPr>
+          </a:p>
+          <a:p>
+            <a:pPr marL="457200" lvl="1" indent="0">
+              <a:buNone/>
+            </a:pPr>
+            <a:r>
+              <a:rPr lang="zh-CN" altLang="en-US" sz="2800"/>
+              <a:t>	ch := make(chan int) // ch has type 'chan int'</a:t>
+            </a:r>
+            <a:endParaRPr lang="zh-CN" altLang="en-US" sz="2800"/>
+          </a:p>
+          <a:p>
+            <a:pPr marL="457200" lvl="1" indent="0">
+              <a:buNone/>
+            </a:pPr>
+            <a:r>
+              <a:rPr lang="zh-CN" altLang="en-US" sz="2800"/>
+              <a:t>	ch := make(chan int, 3) // ch has type 'chan int'</a:t>
+            </a:r>
+            <a:endParaRPr lang="zh-CN" altLang="en-US" sz="2800"/>
+          </a:p>
+          <a:p>
+            <a:pPr marL="457200" lvl="1" indent="0">
+              <a:buNone/>
+            </a:pPr>
+            <a:r>
+              <a:rPr lang="zh-CN" altLang="en-US">
+                <a:sym typeface="+mn-ea"/>
+              </a:rPr>
+              <a:t>     </a:t>
+            </a:r>
+            <a:endParaRPr lang="zh-CN" altLang="en-US">
+              <a:sym typeface="+mn-ea"/>
+            </a:endParaRPr>
+          </a:p>
+          <a:p>
+            <a:pPr marL="457200" lvl="1" indent="0">
+              <a:buNone/>
+            </a:pPr>
+            <a:r>
+              <a:rPr lang="zh-CN" altLang="en-US">
+                <a:sym typeface="+mn-ea"/>
+              </a:rPr>
+              <a:t>     ch &lt;- x  // a send statement</a:t>
+            </a:r>
+            <a:endParaRPr lang="zh-CN" altLang="en-US"/>
+          </a:p>
+          <a:p>
+            <a:pPr marL="457200" lvl="1" indent="0">
+              <a:buNone/>
+            </a:pPr>
+            <a:r>
+              <a:rPr lang="zh-CN" altLang="en-US">
+                <a:sym typeface="+mn-ea"/>
+              </a:rPr>
+              <a:t>     x = &lt;-ch // a receive expression in an assignment </a:t>
+            </a:r>
+            <a:endParaRPr lang="zh-CN" altLang="en-US"/>
+          </a:p>
+          <a:p>
+            <a:pPr marL="457200" lvl="1" indent="0">
+              <a:buNone/>
+            </a:pPr>
+            <a:r>
+              <a:rPr lang="zh-CN" altLang="en-US">
+                <a:sym typeface="+mn-ea"/>
+              </a:rPr>
+              <a:t>     &lt;-ch</a:t>
+            </a:r>
+            <a:endParaRPr lang="zh-CN" altLang="en-US"/>
+          </a:p>
+          <a:p>
+            <a:pPr marL="457200" lvl="1" indent="0">
+              <a:buNone/>
+            </a:pPr>
+            <a:r>
+              <a:rPr lang="x-none" altLang="zh-CN">
+                <a:sym typeface="+mn-ea"/>
+              </a:rPr>
+              <a:t>		</a:t>
+            </a:r>
+            <a:endParaRPr lang="x-none" altLang="zh-CN">
+              <a:sym typeface="+mn-ea"/>
+            </a:endParaRPr>
+          </a:p>
+          <a:p>
+            <a:pPr marL="457200" lvl="1" indent="0">
+              <a:buNone/>
+            </a:pPr>
+            <a:r>
+              <a:rPr lang="x-none" altLang="zh-CN">
+                <a:sym typeface="+mn-ea"/>
+              </a:rPr>
+              <a:t>      </a:t>
+            </a:r>
+            <a:r>
+              <a:rPr lang="zh-CN" altLang="en-US">
+                <a:sym typeface="+mn-ea"/>
+              </a:rPr>
+              <a:t>close(ch)</a:t>
+            </a:r>
+            <a:endParaRPr lang="zh-CN" altLang="en-US">
+              <a:sym typeface="+mn-ea"/>
+            </a:endParaRPr>
+          </a:p>
+          <a:p>
+            <a:pPr marL="457200" lvl="1" indent="0">
+              <a:buNone/>
+            </a:pPr>
+            <a:endParaRPr lang="zh-CN" altLang="en-US"/>
+          </a:p>
+          <a:p>
+            <a:pPr marL="457200" lvl="1" indent="0">
+              <a:buNone/>
+            </a:pPr>
+            <a:r>
+              <a:rPr lang="x-none" altLang="zh-CN"/>
+              <a:t>	communication causes synchronize</a:t>
+            </a:r>
+            <a:endParaRPr lang="x-none" altLang="zh-CN"/>
           </a:p>
         </p:txBody>
       </p:sp>
@@ -3482,8 +3551,8 @@
         </p:nvSpPr>
         <p:spPr>
           <a:xfrm>
-            <a:off x="635635" y="291465"/>
-            <a:ext cx="10528935" cy="5852160"/>
+            <a:off x="629920" y="1464310"/>
+            <a:ext cx="10757535" cy="4754880"/>
           </a:xfrm>
           <a:prstGeom prst="rect">
             <a:avLst/>
@@ -3497,137 +3566,145 @@
           <a:p>
             <a:r>
               <a:rPr lang="zh-CN" altLang="en-US"/>
-              <a:t>    composition</a:t>
-            </a:r>
-            <a:endParaRPr lang="zh-CN" altLang="en-US"/>
-          </a:p>
-          <a:p>
-            <a:r>
-              <a:rPr lang="zh-CN" altLang="en-US"/>
-              <a:t>        declarations</a:t>
-            </a:r>
-            <a:endParaRPr lang="zh-CN" altLang="en-US"/>
-          </a:p>
-          <a:p>
-            <a:r>
-              <a:rPr lang="zh-CN" altLang="en-US"/>
-              <a:t>            import "image/color"</a:t>
-            </a:r>
-            <a:endParaRPr lang="zh-CN" altLang="en-US"/>
-          </a:p>
-          <a:p>
-            <a:endParaRPr lang="zh-CN" altLang="en-US"/>
-          </a:p>
-          <a:p>
-            <a:r>
-              <a:rPr lang="zh-CN" altLang="en-US"/>
-              <a:t>            type ColoredPoint struct {</a:t>
-            </a:r>
-            <a:endParaRPr lang="zh-CN" altLang="en-US"/>
-          </a:p>
-          <a:p>
-            <a:r>
-              <a:rPr lang="zh-CN" altLang="en-US"/>
-              <a:t>                Point</a:t>
-            </a:r>
-            <a:endParaRPr lang="zh-CN" altLang="en-US"/>
-          </a:p>
-          <a:p>
-            <a:r>
-              <a:rPr lang="zh-CN" altLang="en-US"/>
-              <a:t>                Color color.RGBA</a:t>
-            </a:r>
-            <a:endParaRPr lang="zh-CN" altLang="en-US"/>
-          </a:p>
-          <a:p>
-            <a:r>
-              <a:rPr lang="zh-CN" altLang="en-US"/>
-              <a:t>            }</a:t>
-            </a:r>
-            <a:endParaRPr lang="zh-CN" altLang="en-US"/>
-          </a:p>
-          <a:p>
-            <a:endParaRPr lang="zh-CN" altLang="en-US"/>
-          </a:p>
-          <a:p>
-            <a:r>
-              <a:rPr lang="zh-CN" altLang="en-US"/>
-              <a:t>        usage</a:t>
-            </a:r>
-            <a:endParaRPr lang="zh-CN" altLang="en-US"/>
-          </a:p>
-          <a:p>
-            <a:r>
-              <a:rPr lang="zh-CN" altLang="en-US"/>
-              <a:t>            red := color.RGBA{255, 0, 0, 255}</a:t>
-            </a:r>
-            <a:endParaRPr lang="zh-CN" altLang="en-US"/>
-          </a:p>
-          <a:p>
-            <a:r>
-              <a:rPr lang="zh-CN" altLang="en-US"/>
-              <a:t>            blue := color.RGBA{0, 0, 255, 255}</a:t>
-            </a:r>
-            <a:endParaRPr lang="zh-CN" altLang="en-US"/>
-          </a:p>
-          <a:p>
-            <a:r>
-              <a:rPr lang="zh-CN" altLang="en-US"/>
-              <a:t>            var p = ColoredPoint{Point{1, 1}, red}</a:t>
-            </a:r>
-            <a:endParaRPr lang="zh-CN" altLang="en-US"/>
-          </a:p>
-          <a:p>
-            <a:r>
-              <a:rPr lang="zh-CN" altLang="en-US"/>
-              <a:t>            var q = ColoredPoint{Point{5, 4}, blue}</a:t>
-            </a:r>
-            <a:endParaRPr lang="zh-CN" altLang="en-US"/>
-          </a:p>
-          <a:p>
-            <a:r>
-              <a:rPr lang="zh-CN" altLang="en-US"/>
-              <a:t>            fmt.Println(p.Distance(q.Point)) // "5"</a:t>
-            </a:r>
-            <a:endParaRPr lang="zh-CN" altLang="en-US"/>
-          </a:p>
-          <a:p>
-            <a:r>
-              <a:rPr lang="zh-CN" altLang="en-US"/>
-              <a:t>            p.ScaleBy(2)</a:t>
-            </a:r>
-            <a:endParaRPr lang="zh-CN" altLang="en-US"/>
-          </a:p>
-          <a:p>
-            <a:r>
-              <a:rPr lang="zh-CN" altLang="en-US"/>
-              <a:t>            q.ScaleBy(2)</a:t>
-            </a:r>
-            <a:endParaRPr lang="zh-CN" altLang="en-US"/>
-          </a:p>
-          <a:p>
-            <a:r>
-              <a:rPr lang="zh-CN" altLang="en-US"/>
-              <a:t>            fmt.Println(p.Distance(q.Point)) // "10"</a:t>
-            </a:r>
-            <a:endParaRPr lang="zh-CN" altLang="en-US"/>
-          </a:p>
-          <a:p>
-            <a:endParaRPr lang="zh-CN" altLang="en-US"/>
-          </a:p>
-          <a:p>
-            <a:r>
-              <a:rPr lang="zh-CN" altLang="en-US"/>
-              <a:t>    encapsulation</a:t>
-            </a:r>
-            <a:endParaRPr lang="zh-CN" altLang="en-US"/>
-          </a:p>
-          <a:p>
-            <a:r>
-              <a:rPr lang="zh-CN" altLang="en-US"/>
-              <a:t>        type Point struct{ x, y float64 }</a:t>
-            </a:r>
-            <a:endParaRPr lang="zh-CN" altLang="en-US"/>
+              <a:t>func f(left, right chan int) {</a:t>
+            </a:r>
+            <a:endParaRPr lang="zh-CN" altLang="en-US"/>
+          </a:p>
+          <a:p>
+            <a:r>
+              <a:rPr lang="zh-CN" altLang="en-US"/>
+              <a:t>	left &lt;- 1 + &lt;-right</a:t>
+            </a:r>
+            <a:endParaRPr lang="zh-CN" altLang="en-US"/>
+          </a:p>
+          <a:p>
+            <a:r>
+              <a:rPr lang="zh-CN" altLang="en-US"/>
+              <a:t>}</a:t>
+            </a:r>
+            <a:endParaRPr lang="zh-CN" altLang="en-US"/>
+          </a:p>
+          <a:p>
+            <a:endParaRPr lang="zh-CN" altLang="en-US"/>
+          </a:p>
+          <a:p>
+            <a:r>
+              <a:rPr lang="zh-CN" altLang="en-US"/>
+              <a:t>func main() {</a:t>
+            </a:r>
+            <a:endParaRPr lang="zh-CN" altLang="en-US"/>
+          </a:p>
+          <a:p>
+            <a:r>
+              <a:rPr lang="zh-CN" altLang="en-US"/>
+              <a:t>	const n = 10000</a:t>
+            </a:r>
+            <a:endParaRPr lang="zh-CN" altLang="en-US"/>
+          </a:p>
+          <a:p>
+            <a:r>
+              <a:rPr lang="zh-CN" altLang="en-US"/>
+              <a:t>	leftmost := make(chan int)</a:t>
+            </a:r>
+            <a:endParaRPr lang="zh-CN" altLang="en-US"/>
+          </a:p>
+          <a:p>
+            <a:r>
+              <a:rPr lang="zh-CN" altLang="en-US"/>
+              <a:t>	right := leftmost</a:t>
+            </a:r>
+            <a:endParaRPr lang="zh-CN" altLang="en-US"/>
+          </a:p>
+          <a:p>
+            <a:r>
+              <a:rPr lang="zh-CN" altLang="en-US"/>
+              <a:t>	left := leftmost</a:t>
+            </a:r>
+            <a:endParaRPr lang="zh-CN" altLang="en-US"/>
+          </a:p>
+          <a:p>
+            <a:r>
+              <a:rPr lang="zh-CN" altLang="en-US"/>
+              <a:t>	for i := 0; i &lt; n; i++ {</a:t>
+            </a:r>
+            <a:endParaRPr lang="zh-CN" altLang="en-US"/>
+          </a:p>
+          <a:p>
+            <a:r>
+              <a:rPr lang="zh-CN" altLang="en-US"/>
+              <a:t>		right = make(chan int)</a:t>
+            </a:r>
+            <a:endParaRPr lang="zh-CN" altLang="en-US"/>
+          </a:p>
+          <a:p>
+            <a:r>
+              <a:rPr lang="zh-CN" altLang="en-US"/>
+              <a:t>		go f(left, right)</a:t>
+            </a:r>
+            <a:endParaRPr lang="zh-CN" altLang="en-US"/>
+          </a:p>
+          <a:p>
+            <a:r>
+              <a:rPr lang="zh-CN" altLang="en-US"/>
+              <a:t>		left = right</a:t>
+            </a:r>
+            <a:endParaRPr lang="zh-CN" altLang="en-US"/>
+          </a:p>
+          <a:p>
+            <a:r>
+              <a:rPr lang="zh-CN" altLang="en-US"/>
+              <a:t>	}</a:t>
+            </a:r>
+            <a:endParaRPr lang="zh-CN" altLang="en-US"/>
+          </a:p>
+          <a:p>
+            <a:r>
+              <a:rPr lang="zh-CN" altLang="en-US"/>
+              <a:t>	go func(c chan int) { c &lt;- 1 }(right)</a:t>
+            </a:r>
+            <a:endParaRPr lang="zh-CN" altLang="en-US"/>
+          </a:p>
+          <a:p>
+            <a:r>
+              <a:rPr lang="zh-CN" altLang="en-US"/>
+              <a:t>	fmt.Println(&lt;-leftmost)</a:t>
+            </a:r>
+            <a:endParaRPr lang="zh-CN" altLang="en-US"/>
+          </a:p>
+          <a:p>
+            <a:r>
+              <a:rPr lang="zh-CN" altLang="en-US"/>
+              <a:t>}</a:t>
+            </a:r>
+            <a:endParaRPr lang="zh-CN" altLang="en-US"/>
+          </a:p>
+        </p:txBody>
+      </p:sp>
+      <p:sp>
+        <p:nvSpPr>
+          <p:cNvPr id="5" name="标题 4"/>
+          <p:cNvSpPr>
+            <a:spLocks noGrp="1"/>
+          </p:cNvSpPr>
+          <p:nvPr>
+            <p:ph type="title"/>
+          </p:nvPr>
+        </p:nvSpPr>
+        <p:spPr>
+          <a:xfrm>
+            <a:off x="954405" y="375285"/>
+            <a:ext cx="10515600" cy="1325563"/>
+          </a:xfrm>
+        </p:spPr>
+        <p:txBody>
+          <a:bodyPr/>
+          <a:p>
+            <a:pPr algn="ctr"/>
+            <a:r>
+              <a:rPr lang="x-none" altLang="zh-CN"/>
+              <a:t>Concurrency Samples</a:t>
+            </a:r>
+            <a:endParaRPr lang="x-none" altLang="zh-CN"/>
           </a:p>
         </p:txBody>
       </p:sp>
@@ -3649,121 +3726,32 @@
         <p:nvPr/>
       </p:nvGrpSpPr>
       <p:grpSpPr/>
-      <p:sp>
-        <p:nvSpPr>
-          <p:cNvPr id="4" name="文本框 3"/>
-          <p:cNvSpPr txBox="1"/>
-          <p:nvPr/>
-        </p:nvSpPr>
+      <p:pic>
+        <p:nvPicPr>
+          <p:cNvPr id="4" name="内容占位符 3"/>
+          <p:cNvPicPr>
+            <a:picLocks noChangeAspect="1"/>
+          </p:cNvPicPr>
+          <p:nvPr>
+            <p:ph idx="1"/>
+          </p:nvPr>
+        </p:nvPicPr>
+        <p:blipFill>
+          <a:blip r:embed="rId1"/>
+          <a:stretch>
+            <a:fillRect/>
+          </a:stretch>
+        </p:blipFill>
         <p:spPr>
           <a:xfrm>
-            <a:off x="1096645" y="365760"/>
-            <a:ext cx="9720580" cy="4206240"/>
+            <a:off x="408940" y="363855"/>
+            <a:ext cx="11064875" cy="4130040"/>
           </a:xfrm>
           <a:prstGeom prst="rect">
             <a:avLst/>
           </a:prstGeom>
-          <a:noFill/>
         </p:spPr>
-        <p:txBody>
-          <a:bodyPr wrap="square" rtlCol="0" anchor="t">
-            <a:spAutoFit/>
-          </a:bodyPr>
-          <a:p>
-            <a:r>
-              <a:rPr lang="zh-CN" altLang="en-US"/>
-              <a:t>    declarations</a:t>
-            </a:r>
-            <a:endParaRPr lang="zh-CN" altLang="en-US"/>
-          </a:p>
-          <a:p>
-            <a:r>
-              <a:rPr lang="zh-CN" altLang="en-US"/>
-              <a:t>        package io</a:t>
-            </a:r>
-            <a:endParaRPr lang="zh-CN" altLang="en-US"/>
-          </a:p>
-          <a:p>
-            <a:endParaRPr lang="zh-CN" altLang="en-US"/>
-          </a:p>
-          <a:p>
-            <a:r>
-              <a:rPr lang="zh-CN" altLang="en-US"/>
-              <a:t>        type Writer interface {</a:t>
-            </a:r>
-            <a:endParaRPr lang="zh-CN" altLang="en-US"/>
-          </a:p>
-          <a:p>
-            <a:r>
-              <a:rPr lang="zh-CN" altLang="en-US"/>
-              <a:t>            Writer(p []byte) (n int, err error)</a:t>
-            </a:r>
-            <a:endParaRPr lang="zh-CN" altLang="en-US"/>
-          </a:p>
-          <a:p>
-            <a:r>
-              <a:rPr lang="zh-CN" altLang="en-US"/>
-              <a:t>        }</a:t>
-            </a:r>
-            <a:endParaRPr lang="zh-CN" altLang="en-US"/>
-          </a:p>
-          <a:p>
-            <a:endParaRPr lang="zh-CN" altLang="en-US"/>
-          </a:p>
-          <a:p>
-            <a:r>
-              <a:rPr lang="zh-CN" altLang="en-US"/>
-              <a:t>        type Reader interface {</a:t>
-            </a:r>
-            <a:endParaRPr lang="zh-CN" altLang="en-US"/>
-          </a:p>
-          <a:p>
-            <a:r>
-              <a:rPr lang="zh-CN" altLang="en-US"/>
-              <a:t>            Read(p []byte) (n int, err error)</a:t>
-            </a:r>
-            <a:endParaRPr lang="zh-CN" altLang="en-US"/>
-          </a:p>
-          <a:p>
-            <a:r>
-              <a:rPr lang="zh-CN" altLang="en-US"/>
-              <a:t>        }</a:t>
-            </a:r>
-            <a:endParaRPr lang="zh-CN" altLang="en-US"/>
-          </a:p>
-          <a:p>
-            <a:endParaRPr lang="zh-CN" altLang="en-US"/>
-          </a:p>
-          <a:p>
-            <a:r>
-              <a:rPr lang="zh-CN" altLang="en-US"/>
-              <a:t>        type Closer interface {</a:t>
-            </a:r>
-            <a:endParaRPr lang="zh-CN" altLang="en-US"/>
-          </a:p>
-          <a:p>
-            <a:r>
-              <a:rPr lang="zh-CN" altLang="en-US"/>
-              <a:t>            Close() error</a:t>
-            </a:r>
-            <a:endParaRPr lang="zh-CN" altLang="en-US"/>
-          </a:p>
-          <a:p>
-            <a:r>
-              <a:rPr lang="zh-CN" altLang="en-US"/>
-              <a:t>        }</a:t>
-            </a:r>
-            <a:endParaRPr lang="zh-CN" altLang="en-US"/>
-          </a:p>
-          <a:p>
-            <a:r>
-              <a:rPr lang="zh-CN" altLang="en-US"/>
-              <a:t>    </a:t>
-            </a:r>
-            <a:endParaRPr lang="zh-CN" altLang="en-US"/>
-          </a:p>
-        </p:txBody>
-      </p:sp>
+      </p:pic>
     </p:spTree>
   </p:cSld>
   <p:clrMapOvr>
@@ -3790,8 +3778,8 @@
         </p:nvSpPr>
         <p:spPr>
           <a:xfrm>
-            <a:off x="1634490" y="1073785"/>
-            <a:ext cx="6541770" cy="4206240"/>
+            <a:off x="318135" y="405130"/>
+            <a:ext cx="5431155" cy="4206240"/>
           </a:xfrm>
           <a:prstGeom prst="rect">
             <a:avLst/>
@@ -3799,96 +3787,251 @@
           <a:noFill/>
         </p:spPr>
         <p:txBody>
+          <a:bodyPr wrap="square" rtlCol="0" anchor="ctr" anchorCtr="0">
+            <a:spAutoFit/>
+          </a:bodyPr>
+          <a:p>
+            <a:pPr algn="l"/>
+            <a:r>
+              <a:rPr lang="zh-CN" altLang="en-US"/>
+              <a:t>func counter(out chan int) {</a:t>
+            </a:r>
+            <a:endParaRPr lang="zh-CN" altLang="en-US"/>
+          </a:p>
+          <a:p>
+            <a:pPr algn="l"/>
+            <a:r>
+              <a:rPr lang="zh-CN" altLang="en-US"/>
+              <a:t>	for x := 0; x &lt;= 100; x++ {</a:t>
+            </a:r>
+            <a:endParaRPr lang="zh-CN" altLang="en-US"/>
+          </a:p>
+          <a:p>
+            <a:pPr algn="l"/>
+            <a:r>
+              <a:rPr lang="zh-CN" altLang="en-US"/>
+              <a:t>		out &lt;- x</a:t>
+            </a:r>
+            <a:endParaRPr lang="zh-CN" altLang="en-US"/>
+          </a:p>
+          <a:p>
+            <a:pPr algn="l"/>
+            <a:r>
+              <a:rPr lang="zh-CN" altLang="en-US"/>
+              <a:t>	}</a:t>
+            </a:r>
+            <a:endParaRPr lang="zh-CN" altLang="en-US"/>
+          </a:p>
+          <a:p>
+            <a:pPr algn="l"/>
+            <a:r>
+              <a:rPr lang="zh-CN" altLang="en-US"/>
+              <a:t>	close(out)</a:t>
+            </a:r>
+            <a:endParaRPr lang="zh-CN" altLang="en-US"/>
+          </a:p>
+          <a:p>
+            <a:pPr algn="l"/>
+            <a:r>
+              <a:rPr lang="zh-CN" altLang="en-US"/>
+              <a:t>}</a:t>
+            </a:r>
+            <a:endParaRPr lang="zh-CN" altLang="en-US"/>
+          </a:p>
+          <a:p>
+            <a:pPr algn="l"/>
+            <a:endParaRPr lang="zh-CN" altLang="en-US"/>
+          </a:p>
+          <a:p>
+            <a:pPr algn="l"/>
+            <a:r>
+              <a:rPr lang="zh-CN" altLang="en-US"/>
+              <a:t>func squarer(out chan int, in chan int) {</a:t>
+            </a:r>
+            <a:endParaRPr lang="zh-CN" altLang="en-US"/>
+          </a:p>
+          <a:p>
+            <a:pPr algn="l"/>
+            <a:r>
+              <a:rPr lang="zh-CN" altLang="en-US"/>
+              <a:t>	for v := range in {</a:t>
+            </a:r>
+            <a:endParaRPr lang="zh-CN" altLang="en-US"/>
+          </a:p>
+          <a:p>
+            <a:pPr algn="l"/>
+            <a:r>
+              <a:rPr lang="zh-CN" altLang="en-US"/>
+              <a:t>		out &lt;- v * v</a:t>
+            </a:r>
+            <a:endParaRPr lang="zh-CN" altLang="en-US"/>
+          </a:p>
+          <a:p>
+            <a:pPr algn="l"/>
+            <a:r>
+              <a:rPr lang="zh-CN" altLang="en-US"/>
+              <a:t>	}</a:t>
+            </a:r>
+            <a:endParaRPr lang="zh-CN" altLang="en-US"/>
+          </a:p>
+          <a:p>
+            <a:pPr algn="l"/>
+            <a:r>
+              <a:rPr lang="zh-CN" altLang="en-US"/>
+              <a:t>	close(out)</a:t>
+            </a:r>
+            <a:endParaRPr lang="zh-CN" altLang="en-US"/>
+          </a:p>
+          <a:p>
+            <a:pPr algn="l"/>
+            <a:r>
+              <a:rPr lang="zh-CN" altLang="en-US"/>
+              <a:t>}</a:t>
+            </a:r>
+            <a:endParaRPr lang="zh-CN" altLang="en-US"/>
+          </a:p>
+          <a:p>
+            <a:pPr algn="l"/>
+            <a:endParaRPr lang="zh-CN" altLang="en-US"/>
+          </a:p>
+          <a:p>
+            <a:pPr algn="l"/>
+            <a:endParaRPr lang="zh-CN" altLang="en-US"/>
+          </a:p>
+        </p:txBody>
+      </p:sp>
+      <p:sp>
+        <p:nvSpPr>
+          <p:cNvPr id="5" name="文本框 4"/>
+          <p:cNvSpPr txBox="1"/>
+          <p:nvPr/>
+        </p:nvSpPr>
+        <p:spPr>
+          <a:xfrm>
+            <a:off x="6300470" y="411480"/>
+            <a:ext cx="5546725" cy="3931920"/>
+          </a:xfrm>
+          <a:prstGeom prst="rect">
+            <a:avLst/>
+          </a:prstGeom>
+          <a:noFill/>
+        </p:spPr>
+        <p:txBody>
           <a:bodyPr wrap="square" rtlCol="0" anchor="t">
             <a:spAutoFit/>
           </a:bodyPr>
           <a:p>
             <a:r>
-              <a:rPr lang="zh-CN" altLang="en-US"/>
-              <a:t>    interface satisfaction</a:t>
-            </a:r>
-            <a:endParaRPr lang="zh-CN" altLang="en-US"/>
-          </a:p>
-          <a:p>
-            <a:r>
-              <a:rPr lang="zh-CN" altLang="en-US"/>
-              <a:t>        A type statisfies an interface if it possesses all the methods the interface requires.</a:t>
-            </a:r>
-            <a:endParaRPr lang="zh-CN" altLang="en-US"/>
-          </a:p>
-          <a:p>
-            <a:endParaRPr lang="zh-CN" altLang="en-US"/>
-          </a:p>
-          <a:p>
-            <a:r>
-              <a:rPr lang="zh-CN" altLang="en-US"/>
-              <a:t>        var w io.Writer</a:t>
-            </a:r>
-            <a:endParaRPr lang="zh-CN" altLang="en-US"/>
-          </a:p>
-          <a:p>
-            <a:r>
-              <a:rPr lang="zh-CN" altLang="en-US"/>
-              <a:t>        w = os.Stdout              // ok</a:t>
-            </a:r>
-            <a:endParaRPr lang="zh-CN" altLang="en-US"/>
-          </a:p>
-          <a:p>
-            <a:r>
-              <a:rPr lang="zh-CN" altLang="en-US"/>
-              <a:t>        w = new(bytes.Buffer)      // ok</a:t>
-            </a:r>
-            <a:endParaRPr lang="zh-CN" altLang="en-US"/>
-          </a:p>
-          <a:p>
-            <a:r>
-              <a:rPr lang="zh-CN" altLang="en-US"/>
-              <a:t>        w = time.Second            // compile error</a:t>
-            </a:r>
-            <a:endParaRPr lang="zh-CN" altLang="en-US"/>
-          </a:p>
-          <a:p>
-            <a:endParaRPr lang="zh-CN" altLang="en-US"/>
-          </a:p>
-          <a:p>
-            <a:r>
-              <a:rPr lang="zh-CN" altLang="en-US"/>
-              <a:t>        var any interface{}</a:t>
-            </a:r>
-            <a:endParaRPr lang="zh-CN" altLang="en-US"/>
-          </a:p>
-          <a:p>
-            <a:r>
-              <a:rPr lang="zh-CN" altLang="en-US"/>
-              <a:t>        any = true</a:t>
-            </a:r>
-            <a:endParaRPr lang="zh-CN" altLang="en-US"/>
-          </a:p>
-          <a:p>
-            <a:r>
-              <a:rPr lang="zh-CN" altLang="en-US"/>
-              <a:t>        any = 12.24</a:t>
-            </a:r>
-            <a:endParaRPr lang="zh-CN" altLang="en-US"/>
-          </a:p>
-          <a:p>
-            <a:r>
-              <a:rPr lang="zh-CN" altLang="en-US"/>
-              <a:t>        any = "hello"</a:t>
-            </a:r>
-            <a:endParaRPr lang="zh-CN" altLang="en-US"/>
-          </a:p>
-          <a:p>
-            <a:r>
-              <a:rPr lang="zh-CN" altLang="en-US"/>
-              <a:t>        any = new(bytes.Buffer)</a:t>
-            </a:r>
-            <a:endParaRPr lang="zh-CN" altLang="en-US"/>
-          </a:p>
-          <a:p>
-            <a:r>
-              <a:rPr lang="zh-CN" altLang="en-US"/>
-              <a:t>        any = time.Second</a:t>
+              <a:rPr lang="zh-CN" altLang="en-US">
+                <a:sym typeface="+mn-ea"/>
+              </a:rPr>
+              <a:t>func printer(in chan int) {</a:t>
+            </a:r>
+            <a:endParaRPr lang="zh-CN" altLang="en-US"/>
+          </a:p>
+          <a:p>
+            <a:r>
+              <a:rPr lang="zh-CN" altLang="en-US">
+                <a:sym typeface="+mn-ea"/>
+              </a:rPr>
+              <a:t>	for v := range in {</a:t>
+            </a:r>
+            <a:endParaRPr lang="zh-CN" altLang="en-US"/>
+          </a:p>
+          <a:p>
+            <a:r>
+              <a:rPr lang="zh-CN" altLang="en-US">
+                <a:sym typeface="+mn-ea"/>
+              </a:rPr>
+              <a:t>		fmt.Println(v)</a:t>
+            </a:r>
+            <a:endParaRPr lang="zh-CN" altLang="en-US"/>
+          </a:p>
+          <a:p>
+            <a:r>
+              <a:rPr lang="zh-CN" altLang="en-US">
+                <a:sym typeface="+mn-ea"/>
+              </a:rPr>
+              <a:t>	}</a:t>
+            </a:r>
+            <a:endParaRPr lang="zh-CN" altLang="en-US"/>
+          </a:p>
+          <a:p>
+            <a:r>
+              <a:rPr lang="zh-CN" altLang="en-US">
+                <a:sym typeface="+mn-ea"/>
+              </a:rPr>
+              <a:t>}</a:t>
+            </a:r>
+            <a:endParaRPr lang="zh-CN" altLang="en-US"/>
+          </a:p>
+          <a:p>
+            <a:endParaRPr lang="zh-CN" altLang="en-US"/>
+          </a:p>
+          <a:p>
+            <a:pPr algn="l"/>
+            <a:r>
+              <a:rPr lang="zh-CN" altLang="en-US">
+                <a:sym typeface="+mn-ea"/>
+              </a:rPr>
+              <a:t>func main() {</a:t>
+            </a:r>
+            <a:endParaRPr lang="zh-CN" altLang="en-US"/>
+          </a:p>
+          <a:p>
+            <a:r>
+              <a:rPr lang="zh-CN" altLang="en-US">
+                <a:sym typeface="+mn-ea"/>
+              </a:rPr>
+              <a:t>	naturials := make(chan int)</a:t>
+            </a:r>
+            <a:endParaRPr lang="zh-CN" altLang="en-US"/>
+          </a:p>
+          <a:p>
+            <a:r>
+              <a:rPr lang="zh-CN" altLang="en-US">
+                <a:sym typeface="+mn-ea"/>
+              </a:rPr>
+              <a:t>	squares := make(chan int)</a:t>
+            </a:r>
+            <a:endParaRPr lang="zh-CN" altLang="en-US"/>
+          </a:p>
+          <a:p>
+            <a:endParaRPr lang="zh-CN" altLang="en-US"/>
+          </a:p>
+          <a:p>
+            <a:r>
+              <a:rPr lang="zh-CN" altLang="en-US">
+                <a:sym typeface="+mn-ea"/>
+              </a:rPr>
+              <a:t>	go counter(naturials)</a:t>
+            </a:r>
+            <a:endParaRPr lang="zh-CN" altLang="en-US"/>
+          </a:p>
+          <a:p>
+            <a:r>
+              <a:rPr lang="zh-CN" altLang="en-US">
+                <a:sym typeface="+mn-ea"/>
+              </a:rPr>
+              <a:t>	go squarer(squares, naturials)</a:t>
+            </a:r>
+            <a:endParaRPr lang="zh-CN" altLang="en-US"/>
+          </a:p>
+          <a:p>
+            <a:r>
+              <a:rPr lang="zh-CN" altLang="en-US">
+                <a:sym typeface="+mn-ea"/>
+              </a:rPr>
+              <a:t>	printer(squares)</a:t>
+            </a:r>
+            <a:endParaRPr lang="zh-CN" altLang="en-US"/>
+          </a:p>
+          <a:p>
+            <a:r>
+              <a:rPr lang="zh-CN" altLang="en-US">
+                <a:sym typeface="+mn-ea"/>
+              </a:rPr>
+              <a:t>}</a:t>
             </a:r>
             <a:endParaRPr lang="zh-CN" altLang="en-US"/>
           </a:p>
@@ -3920,8 +4063,8 @@
         </p:nvSpPr>
         <p:spPr>
           <a:xfrm>
-            <a:off x="509905" y="311785"/>
-            <a:ext cx="10427335" cy="6126480"/>
+            <a:off x="503555" y="394970"/>
+            <a:ext cx="11018520" cy="5791200"/>
           </a:xfrm>
           <a:prstGeom prst="rect">
             <a:avLst/>
@@ -3934,137 +4077,107 @@
           </a:bodyPr>
           <a:p>
             <a:r>
-              <a:rPr lang="zh-CN" altLang="en-US"/>
-              <a:t>    interface value</a:t>
-            </a:r>
-            <a:endParaRPr lang="zh-CN" altLang="en-US"/>
-          </a:p>
-          <a:p>
-            <a:r>
-              <a:rPr lang="zh-CN" altLang="en-US"/>
-              <a:t>        A value of an interface type has two components, a concrete type and a value of that type.</a:t>
-            </a:r>
-            <a:endParaRPr lang="zh-CN" altLang="en-US"/>
-          </a:p>
-          <a:p>
-            <a:r>
-              <a:rPr lang="zh-CN" altLang="en-US"/>
-              <a:t>        var w io.Writer</a:t>
-            </a:r>
-            <a:endParaRPr lang="zh-CN" altLang="en-US"/>
-          </a:p>
-          <a:p>
-            <a:r>
-              <a:rPr lang="zh-CN" altLang="en-US"/>
-              <a:t>        w = os.Stdout</a:t>
-            </a:r>
-            <a:endParaRPr lang="zh-CN" altLang="en-US"/>
-          </a:p>
-          <a:p>
-            <a:r>
-              <a:rPr lang="zh-CN" altLang="en-US"/>
-              <a:t>        w = new(bytes.Buffer)</a:t>
-            </a:r>
-            <a:endParaRPr lang="zh-CN" altLang="en-US"/>
-          </a:p>
-          <a:p>
-            <a:r>
-              <a:rPr lang="zh-CN" altLang="en-US"/>
-              <a:t>        w = nil</a:t>
-            </a:r>
-            <a:endParaRPr lang="zh-CN" altLang="en-US"/>
-          </a:p>
-          <a:p>
-            <a:endParaRPr lang="zh-CN" altLang="en-US"/>
-          </a:p>
-          <a:p>
-            <a:r>
-              <a:rPr lang="zh-CN" altLang="en-US"/>
-              <a:t>    type assertions</a:t>
-            </a:r>
-            <a:endParaRPr lang="zh-CN" altLang="en-US"/>
-          </a:p>
-          <a:p>
-            <a:r>
-              <a:rPr lang="zh-CN" altLang="en-US"/>
-              <a:t>        A type assertion is an operation applied to an interface value.</a:t>
-            </a:r>
-            <a:endParaRPr lang="zh-CN" altLang="en-US"/>
-          </a:p>
-          <a:p>
-            <a:r>
-              <a:rPr lang="zh-CN" altLang="en-US"/>
-              <a:t>        </a:t>
-            </a:r>
-            <a:endParaRPr lang="zh-CN" altLang="en-US"/>
-          </a:p>
-          <a:p>
-            <a:r>
-              <a:rPr lang="zh-CN" altLang="en-US"/>
-              <a:t>        x.(T)</a:t>
-            </a:r>
-            <a:endParaRPr lang="zh-CN" altLang="en-US"/>
-          </a:p>
-          <a:p>
-            <a:r>
-              <a:rPr lang="zh-CN" altLang="en-US"/>
-              <a:t>    </a:t>
-            </a:r>
-            <a:endParaRPr lang="zh-CN" altLang="en-US"/>
-          </a:p>
-          <a:p>
-            <a:r>
-              <a:rPr lang="zh-CN" altLang="en-US"/>
-              <a:t>    type switchs</a:t>
-            </a:r>
-            <a:endParaRPr lang="zh-CN" altLang="en-US"/>
-          </a:p>
-          <a:p>
-            <a:r>
-              <a:rPr lang="zh-CN" altLang="en-US"/>
-              <a:t>    </a:t>
-            </a:r>
-            <a:endParaRPr lang="zh-CN" altLang="en-US"/>
-          </a:p>
-          <a:p>
-            <a:r>
-              <a:rPr lang="zh-CN" altLang="en-US"/>
-              <a:t>        switch x.(type) {</a:t>
-            </a:r>
-            <a:endParaRPr lang="zh-CN" altLang="en-US"/>
-          </a:p>
-          <a:p>
-            <a:r>
-              <a:rPr lang="zh-CN" altLang="en-US"/>
-              <a:t>        case nil:</a:t>
-            </a:r>
-            <a:endParaRPr lang="zh-CN" altLang="en-US"/>
-          </a:p>
-          <a:p>
-            <a:r>
-              <a:rPr lang="zh-CN" altLang="en-US"/>
-              <a:t>        case int, unint:</a:t>
-            </a:r>
-            <a:endParaRPr lang="zh-CN" altLang="en-US"/>
-          </a:p>
-          <a:p>
-            <a:r>
-              <a:rPr lang="zh-CN" altLang="en-US"/>
-              <a:t>        case bool:</a:t>
-            </a:r>
-            <a:endParaRPr lang="zh-CN" altLang="en-US"/>
-          </a:p>
-          <a:p>
-            <a:r>
-              <a:rPr lang="zh-CN" altLang="en-US"/>
-              <a:t>        case string:</a:t>
-            </a:r>
-            <a:endParaRPr lang="zh-CN" altLang="en-US"/>
-          </a:p>
-          <a:p>
-            <a:r>
-              <a:rPr lang="zh-CN" altLang="en-US"/>
-              <a:t>        default:</a:t>
+              <a:rPr lang="zh-CN" altLang="en-US" sz="3200"/>
+              <a:t>Google Search: A fake framework</a:t>
+            </a:r>
+            <a:endParaRPr lang="zh-CN" altLang="en-US" sz="3200"/>
+          </a:p>
+          <a:p>
+            <a:endParaRPr lang="zh-CN" altLang="en-US"/>
+          </a:p>
+          <a:p>
+            <a:r>
+              <a:rPr lang="zh-CN" altLang="en-US"/>
+              <a:t>We can simulate the search function, much as we simulated conversation before.</a:t>
+            </a:r>
+            <a:endParaRPr lang="zh-CN" altLang="en-US"/>
+          </a:p>
+          <a:p>
+            <a:endParaRPr lang="zh-CN" altLang="en-US"/>
+          </a:p>
+          <a:p>
+            <a:r>
+              <a:rPr lang="zh-CN" altLang="en-US"/>
+              <a:t>var (</a:t>
+            </a:r>
+            <a:endParaRPr lang="zh-CN" altLang="en-US"/>
+          </a:p>
+          <a:p>
+            <a:r>
+              <a:rPr lang="zh-CN" altLang="en-US"/>
+              <a:t>    Web = fakeSearch("web")</a:t>
+            </a:r>
+            <a:endParaRPr lang="zh-CN" altLang="en-US"/>
+          </a:p>
+          <a:p>
+            <a:r>
+              <a:rPr lang="zh-CN" altLang="en-US"/>
+              <a:t>    Image = fakeSearch("image")</a:t>
+            </a:r>
+            <a:endParaRPr lang="zh-CN" altLang="en-US"/>
+          </a:p>
+          <a:p>
+            <a:r>
+              <a:rPr lang="zh-CN" altLang="en-US"/>
+              <a:t>    Video = fakeSearch("video")</a:t>
+            </a:r>
+            <a:endParaRPr lang="zh-CN" altLang="en-US"/>
+          </a:p>
+          <a:p>
+            <a:r>
+              <a:rPr lang="zh-CN" altLang="en-US"/>
+              <a:t>)</a:t>
+            </a:r>
+            <a:endParaRPr lang="zh-CN" altLang="en-US"/>
+          </a:p>
+          <a:p>
+            <a:endParaRPr lang="zh-CN" altLang="en-US"/>
+          </a:p>
+          <a:p>
+            <a:r>
+              <a:rPr lang="x-none" altLang="zh-CN"/>
+              <a:t>type Result string</a:t>
+            </a:r>
+            <a:endParaRPr lang="x-none" altLang="zh-CN"/>
+          </a:p>
+          <a:p>
+            <a:endParaRPr lang="zh-CN" altLang="en-US"/>
+          </a:p>
+          <a:p>
+            <a:r>
+              <a:rPr lang="zh-CN" altLang="en-US"/>
+              <a:t>type Search func(query string) Result</a:t>
+            </a:r>
+            <a:endParaRPr lang="zh-CN" altLang="en-US"/>
+          </a:p>
+          <a:p>
+            <a:endParaRPr lang="zh-CN" altLang="en-US"/>
+          </a:p>
+          <a:p>
+            <a:r>
+              <a:rPr lang="zh-CN" altLang="en-US"/>
+              <a:t>func fakeSearch(kind string) Search {</a:t>
+            </a:r>
+            <a:endParaRPr lang="zh-CN" altLang="en-US"/>
+          </a:p>
+          <a:p>
+            <a:r>
+              <a:rPr lang="zh-CN" altLang="en-US"/>
+              <a:t>        return func(query string) Result {</a:t>
+            </a:r>
+            <a:endParaRPr lang="zh-CN" altLang="en-US"/>
+          </a:p>
+          <a:p>
+            <a:r>
+              <a:rPr lang="zh-CN" altLang="en-US"/>
+              <a:t>              time.Sleep(time.Duration(rand.Intn(100)) * time.Millisecond)</a:t>
+            </a:r>
+            <a:endParaRPr lang="zh-CN" altLang="en-US"/>
+          </a:p>
+          <a:p>
+            <a:r>
+              <a:rPr lang="zh-CN" altLang="en-US"/>
+              <a:t>              return Result(fmt.Sprintf("%s result for %q\n", kind, query))</a:t>
             </a:r>
             <a:endParaRPr lang="zh-CN" altLang="en-US"/>
           </a:p>
@@ -4072,6 +4185,13 @@
             <a:r>
               <a:rPr lang="zh-CN" altLang="en-US"/>
               <a:t>        }</a:t>
+            </a:r>
+            <a:endParaRPr lang="zh-CN" altLang="en-US"/>
+          </a:p>
+          <a:p>
+            <a:r>
+              <a:rPr lang="zh-CN" altLang="en-US"/>
+              <a:t>}</a:t>
             </a:r>
             <a:endParaRPr lang="zh-CN" altLang="en-US"/>
           </a:p>
@@ -4097,14 +4217,14 @@
       <p:grpSpPr/>
       <p:sp>
         <p:nvSpPr>
-          <p:cNvPr id="4" name="文本框 3"/>
+          <p:cNvPr id="2" name="文本框 1"/>
           <p:cNvSpPr txBox="1"/>
           <p:nvPr/>
         </p:nvSpPr>
         <p:spPr>
           <a:xfrm>
-            <a:off x="143510" y="1414145"/>
-            <a:ext cx="11838305" cy="1737360"/>
+            <a:off x="473075" y="370840"/>
+            <a:ext cx="11116945" cy="5303520"/>
           </a:xfrm>
           <a:prstGeom prst="rect">
             <a:avLst/>
@@ -4118,21 +4238,129 @@
           <a:p>
             <a:r>
               <a:rPr lang="zh-CN" altLang="en-US"/>
-              <a:t>Two stlyes of concurrent programming</a:t>
-            </a:r>
-            <a:endParaRPr lang="zh-CN" altLang="en-US"/>
-          </a:p>
-          <a:p>
-            <a:r>
-              <a:rPr lang="zh-CN" altLang="en-US"/>
-              <a:t>    CSP(communicating sequential process), a model of concurrency in which values are passed between independent activities(goroutines) but variables are for the most part confined to a single activity.</a:t>
-            </a:r>
-            <a:endParaRPr lang="zh-CN" altLang="en-US"/>
-          </a:p>
-          <a:p>
-            <a:r>
-              <a:rPr lang="zh-CN" altLang="en-US"/>
-              <a:t>    Mutual Exclusion, a approach is to allow many goroutines to access the variable, but only one at a time.</a:t>
+              <a:t>func First(query string, replicas ...Search) Result {</a:t>
+            </a:r>
+            <a:endParaRPr lang="zh-CN" altLang="en-US"/>
+          </a:p>
+          <a:p>
+            <a:r>
+              <a:rPr lang="zh-CN" altLang="en-US"/>
+              <a:t>    c := make(chan Result)</a:t>
+            </a:r>
+            <a:endParaRPr lang="zh-CN" altLang="en-US"/>
+          </a:p>
+          <a:p>
+            <a:r>
+              <a:rPr lang="zh-CN" altLang="en-US"/>
+              <a:t>    searchReplica := func(i int) { c &lt;- replicas[i](query) }</a:t>
+            </a:r>
+            <a:endParaRPr lang="zh-CN" altLang="en-US"/>
+          </a:p>
+          <a:p>
+            <a:r>
+              <a:rPr lang="zh-CN" altLang="en-US"/>
+              <a:t>    for i := range replicas {</a:t>
+            </a:r>
+            <a:endParaRPr lang="zh-CN" altLang="en-US"/>
+          </a:p>
+          <a:p>
+            <a:r>
+              <a:rPr lang="zh-CN" altLang="en-US"/>
+              <a:t>        go searchReplica(i)</a:t>
+            </a:r>
+            <a:endParaRPr lang="zh-CN" altLang="en-US"/>
+          </a:p>
+          <a:p>
+            <a:r>
+              <a:rPr lang="zh-CN" altLang="en-US"/>
+              <a:t>    }</a:t>
+            </a:r>
+            <a:endParaRPr lang="zh-CN" altLang="en-US"/>
+          </a:p>
+          <a:p>
+            <a:r>
+              <a:rPr lang="zh-CN" altLang="en-US"/>
+              <a:t>    return &lt;-c</a:t>
+            </a:r>
+            <a:endParaRPr lang="zh-CN" altLang="en-US"/>
+          </a:p>
+          <a:p>
+            <a:r>
+              <a:rPr lang="zh-CN" altLang="en-US"/>
+              <a:t>}</a:t>
+            </a:r>
+            <a:endParaRPr lang="zh-CN" altLang="en-US"/>
+          </a:p>
+          <a:p>
+            <a:endParaRPr lang="zh-CN" altLang="en-US"/>
+          </a:p>
+          <a:p>
+            <a:r>
+              <a:rPr lang="zh-CN" altLang="en-US"/>
+              <a:t>func main() {</a:t>
+            </a:r>
+            <a:endParaRPr lang="zh-CN" altLang="en-US"/>
+          </a:p>
+          <a:p>
+            <a:r>
+              <a:rPr lang="zh-CN" altLang="en-US"/>
+              <a:t>    rand.Seed(time.Now().UnixNano())</a:t>
+            </a:r>
+            <a:endParaRPr lang="zh-CN" altLang="en-US"/>
+          </a:p>
+          <a:p>
+            <a:r>
+              <a:rPr lang="zh-CN" altLang="en-US"/>
+              <a:t>    start := time.Now()</a:t>
+            </a:r>
+            <a:endParaRPr lang="zh-CN" altLang="en-US"/>
+          </a:p>
+          <a:p>
+            <a:r>
+              <a:rPr lang="zh-CN" altLang="en-US"/>
+              <a:t>    result := First("golang",</a:t>
+            </a:r>
+            <a:endParaRPr lang="zh-CN" altLang="en-US"/>
+          </a:p>
+          <a:p>
+            <a:r>
+              <a:rPr lang="zh-CN" altLang="en-US"/>
+              <a:t>        fakeSearch("replica 1"),</a:t>
+            </a:r>
+            <a:endParaRPr lang="zh-CN" altLang="en-US"/>
+          </a:p>
+          <a:p>
+            <a:r>
+              <a:rPr lang="zh-CN" altLang="en-US"/>
+              <a:t>        fakeSearch("replica 2"))</a:t>
+            </a:r>
+            <a:endParaRPr lang="zh-CN" altLang="en-US"/>
+          </a:p>
+          <a:p>
+            <a:r>
+              <a:rPr lang="zh-CN" altLang="en-US"/>
+              <a:t>    elapsed := time.Since(start)</a:t>
+            </a:r>
+            <a:endParaRPr lang="zh-CN" altLang="en-US"/>
+          </a:p>
+          <a:p>
+            <a:r>
+              <a:rPr lang="zh-CN" altLang="en-US"/>
+              <a:t>    fmt.Println(result)</a:t>
+            </a:r>
+            <a:endParaRPr lang="zh-CN" altLang="en-US"/>
+          </a:p>
+          <a:p>
+            <a:r>
+              <a:rPr lang="zh-CN" altLang="en-US"/>
+              <a:t>    fmt.Println(elapsed)</a:t>
+            </a:r>
+            <a:endParaRPr lang="zh-CN" altLang="en-US"/>
+          </a:p>
+          <a:p>
+            <a:r>
+              <a:rPr lang="zh-CN" altLang="en-US"/>
+              <a:t>}</a:t>
             </a:r>
             <a:endParaRPr lang="zh-CN" altLang="en-US"/>
           </a:p>
@@ -4158,77 +4386,157 @@
       <p:grpSpPr/>
       <p:sp>
         <p:nvSpPr>
-          <p:cNvPr id="4" name="文本框 3"/>
-          <p:cNvSpPr txBox="1"/>
-          <p:nvPr/>
+          <p:cNvPr id="2" name="标题 1"/>
+          <p:cNvSpPr>
+            <a:spLocks noGrp="1"/>
+          </p:cNvSpPr>
+          <p:nvPr>
+            <p:ph type="title"/>
+          </p:nvPr>
+        </p:nvSpPr>
+        <p:spPr/>
+        <p:txBody>
+          <a:bodyPr/>
+          <a:p>
+            <a:pPr algn="ctr"/>
+            <a:r>
+              <a:rPr lang="zh-CN" altLang="en-US"/>
+              <a:t>Go Methods And Interfaces</a:t>
+            </a:r>
+            <a:endParaRPr lang="zh-CN" altLang="en-US"/>
+          </a:p>
+        </p:txBody>
+      </p:sp>
+      <p:sp>
+        <p:nvSpPr>
+          <p:cNvPr id="3" name="内容占位符 2"/>
+          <p:cNvSpPr>
+            <a:spLocks noGrp="1"/>
+          </p:cNvSpPr>
+          <p:nvPr>
+            <p:ph idx="1"/>
+          </p:nvPr>
         </p:nvSpPr>
         <p:spPr>
           <a:xfrm>
-            <a:off x="508635" y="1051560"/>
-            <a:ext cx="10781030" cy="2286000"/>
+            <a:off x="838200" y="1826260"/>
+            <a:ext cx="10939780" cy="4351655"/>
           </a:xfrm>
-          <a:prstGeom prst="rect">
-            <a:avLst/>
-          </a:prstGeom>
-          <a:noFill/>
         </p:spPr>
         <p:txBody>
-          <a:bodyPr wrap="square" rtlCol="0" anchor="t">
-            <a:spAutoFit/>
+          <a:bodyPr>
+            <a:normAutofit lnSpcReduction="10000"/>
           </a:bodyPr>
           <a:p>
-            <a:r>
-              <a:rPr lang="zh-CN" altLang="en-US"/>
-              <a:t>Goroutines</a:t>
-            </a:r>
-            <a:endParaRPr lang="zh-CN" altLang="en-US"/>
-          </a:p>
-          <a:p>
-            <a:r>
-              <a:rPr lang="zh-CN" altLang="en-US"/>
-              <a:t>    Each concurrently executing activity is called a goroutine.</a:t>
-            </a:r>
-            <a:endParaRPr lang="zh-CN" altLang="en-US"/>
-          </a:p>
-          <a:p>
-            <a:r>
-              <a:rPr lang="zh-CN" altLang="en-US"/>
-              <a:t>        now can assume a goroutine is similar to a thread.</a:t>
-            </a:r>
-            <a:endParaRPr lang="zh-CN" altLang="en-US"/>
-          </a:p>
-          <a:p>
-            <a:r>
-              <a:rPr lang="zh-CN" altLang="en-US"/>
-              <a:t>        main goroutine</a:t>
-            </a:r>
-            <a:endParaRPr lang="zh-CN" altLang="en-US"/>
-          </a:p>
-          <a:p>
-            <a:r>
-              <a:rPr lang="zh-CN" altLang="en-US"/>
-              <a:t>        created by the go statement</a:t>
-            </a:r>
-            <a:endParaRPr lang="zh-CN" altLang="en-US"/>
-          </a:p>
-          <a:p>
-            <a:r>
-              <a:rPr lang="zh-CN" altLang="en-US"/>
-              <a:t>    </a:t>
-            </a:r>
-            <a:endParaRPr lang="zh-CN" altLang="en-US"/>
-          </a:p>
-          <a:p>
-            <a:r>
-              <a:rPr lang="zh-CN" altLang="en-US"/>
-              <a:t>    f() // call f(); wait for is to return</a:t>
-            </a:r>
-            <a:endParaRPr lang="zh-CN" altLang="en-US"/>
-          </a:p>
-          <a:p>
-            <a:r>
-              <a:rPr lang="zh-CN" altLang="en-US"/>
-              <a:t>    go f() // create a new goroutine that calls f(); don't wait</a:t>
+            <a:pPr marL="0" indent="0">
+              <a:buFont typeface="Arial" panose="02080604020202020204" charset="0"/>
+              <a:buNone/>
+            </a:pPr>
+            <a:r>
+              <a:rPr lang="zh-CN" altLang="en-US"/>
+              <a:t>Object is simply a value or variable that has methods,  and a method is a function associated with a particular type.</a:t>
+            </a:r>
+            <a:endParaRPr lang="zh-CN" altLang="en-US"/>
+          </a:p>
+          <a:p>
+            <a:pPr marL="457200" lvl="1" indent="0">
+              <a:buFont typeface="Arial" panose="02080604020202020204" charset="0"/>
+              <a:buNone/>
+            </a:pPr>
+            <a:r>
+              <a:rPr lang="x-none" altLang="zh-CN"/>
+              <a:t>	</a:t>
+            </a:r>
+            <a:endParaRPr lang="x-none" altLang="zh-CN"/>
+          </a:p>
+          <a:p>
+            <a:pPr marL="457200" lvl="1" indent="0">
+              <a:buFont typeface="Arial" panose="02080604020202020204" charset="0"/>
+              <a:buNone/>
+            </a:pPr>
+            <a:r>
+              <a:rPr lang="x-none" altLang="zh-CN"/>
+              <a:t>	</a:t>
+            </a:r>
+            <a:r>
+              <a:rPr lang="zh-CN" altLang="en-US">
+                <a:sym typeface="+mn-ea"/>
+              </a:rPr>
+              <a:t>func Distance(p, q Point) float64 {</a:t>
+            </a:r>
+            <a:endParaRPr lang="zh-CN" altLang="en-US"/>
+          </a:p>
+          <a:p>
+            <a:pPr marL="457200" lvl="1" indent="0">
+              <a:buFont typeface="Arial" panose="02080604020202020204" charset="0"/>
+              <a:buNone/>
+            </a:pPr>
+            <a:r>
+              <a:rPr lang="zh-CN" altLang="en-US">
+                <a:sym typeface="+mn-ea"/>
+              </a:rPr>
+              <a:t>            return math.Hypot(q.X-p.X, q.Y-p.Y)</a:t>
+            </a:r>
+            <a:endParaRPr lang="zh-CN" altLang="en-US"/>
+          </a:p>
+          <a:p>
+            <a:pPr marL="457200" lvl="1" indent="0">
+              <a:buFont typeface="Arial" panose="02080604020202020204" charset="0"/>
+              <a:buNone/>
+            </a:pPr>
+            <a:r>
+              <a:rPr lang="zh-CN" altLang="en-US">
+                <a:sym typeface="+mn-ea"/>
+              </a:rPr>
+              <a:t>     }</a:t>
+            </a:r>
+            <a:endParaRPr lang="zh-CN" altLang="en-US"/>
+          </a:p>
+          <a:p>
+            <a:pPr marL="914400" lvl="1" indent="-457200">
+              <a:buFont typeface="Arial" panose="02080604020202020204" charset="0"/>
+              <a:buChar char="•"/>
+            </a:pPr>
+            <a:endParaRPr lang="zh-CN" altLang="en-US"/>
+          </a:p>
+          <a:p>
+            <a:pPr marL="457200" lvl="1" indent="0">
+              <a:buFont typeface="Arial" panose="02080604020202020204" charset="0"/>
+              <a:buNone/>
+            </a:pPr>
+            <a:r>
+              <a:rPr lang="x-none" altLang="zh-CN"/>
+              <a:t>	</a:t>
+            </a:r>
+            <a:r>
+              <a:rPr lang="zh-CN" altLang="en-US"/>
+              <a:t>func (p Point) Distance(q Point) float64 {</a:t>
+            </a:r>
+            <a:endParaRPr lang="zh-CN" altLang="en-US"/>
+          </a:p>
+          <a:p>
+            <a:pPr marL="457200" lvl="1" indent="0">
+              <a:buFont typeface="Arial" panose="02080604020202020204" charset="0"/>
+              <a:buNone/>
+            </a:pPr>
+            <a:r>
+              <a:rPr lang="x-none" altLang="zh-CN"/>
+              <a:t>	</a:t>
+            </a:r>
+            <a:r>
+              <a:rPr lang="zh-CN" altLang="en-US"/>
+              <a:t>            return math.Hypot(q.X-p.X, q.Y-p.Y)</a:t>
+            </a:r>
+            <a:endParaRPr lang="zh-CN" altLang="en-US"/>
+          </a:p>
+          <a:p>
+            <a:pPr marL="457200" lvl="1" indent="0">
+              <a:buFont typeface="Arial" panose="02080604020202020204" charset="0"/>
+              <a:buNone/>
+            </a:pPr>
+            <a:r>
+              <a:rPr lang="zh-CN" altLang="en-US"/>
+              <a:t>     }</a:t>
             </a:r>
             <a:endParaRPr lang="zh-CN" altLang="en-US"/>
           </a:p>
@@ -4254,106 +4562,164 @@
       <p:grpSpPr/>
       <p:sp>
         <p:nvSpPr>
-          <p:cNvPr id="4" name="文本框 3"/>
-          <p:cNvSpPr txBox="1"/>
-          <p:nvPr/>
+          <p:cNvPr id="3" name="内容占位符 2"/>
+          <p:cNvSpPr>
+            <a:spLocks noGrp="1"/>
+          </p:cNvSpPr>
+          <p:nvPr>
+            <p:ph idx="1"/>
+          </p:nvPr>
         </p:nvSpPr>
         <p:spPr>
           <a:xfrm>
-            <a:off x="424180" y="319405"/>
-            <a:ext cx="11162665" cy="5029200"/>
+            <a:off x="503555" y="402590"/>
+            <a:ext cx="10850880" cy="5994400"/>
           </a:xfrm>
-          <a:prstGeom prst="rect">
-            <a:avLst/>
-          </a:prstGeom>
-          <a:noFill/>
         </p:spPr>
         <p:txBody>
-          <a:bodyPr wrap="square" rtlCol="0" anchor="t">
-            <a:spAutoFit/>
+          <a:bodyPr>
+            <a:normAutofit fontScale="90000" lnSpcReduction="10000"/>
           </a:bodyPr>
           <a:p>
-            <a:r>
-              <a:rPr lang="zh-CN" altLang="en-US"/>
-              <a:t>    distinguish threads</a:t>
-            </a:r>
-            <a:endParaRPr lang="zh-CN" altLang="en-US"/>
-          </a:p>
-          <a:p>
-            <a:r>
-              <a:rPr lang="zh-CN" altLang="en-US"/>
-              <a:t>        stack</a:t>
-            </a:r>
-            <a:endParaRPr lang="zh-CN" altLang="en-US"/>
-          </a:p>
-          <a:p>
-            <a:r>
-              <a:rPr lang="zh-CN" altLang="en-US"/>
-              <a:t>            It's a work area where is saves the local variables of function calls that are in progress or temporarily suspended while another function is called.</a:t>
-            </a:r>
-            <a:endParaRPr lang="zh-CN" altLang="en-US"/>
-          </a:p>
-          <a:p>
-            <a:r>
-              <a:rPr lang="zh-CN" altLang="en-US"/>
-              <a:t>        growable stacks</a:t>
-            </a:r>
-            <a:endParaRPr lang="zh-CN" altLang="en-US"/>
-          </a:p>
-          <a:p>
-            <a:r>
-              <a:rPr lang="zh-CN" altLang="en-US"/>
-              <a:t>            OS thread has a fixed-size block of memory(often as large as 2MB) for its stack.</a:t>
-            </a:r>
-            <a:endParaRPr lang="zh-CN" altLang="en-US"/>
-          </a:p>
-          <a:p>
-            <a:r>
-              <a:rPr lang="zh-CN" altLang="en-US"/>
-              <a:t>            A goroutine starts life with a small stack, typically 2KB. Its not fixed, it grows and shrinks as needed.</a:t>
-            </a:r>
-            <a:endParaRPr lang="zh-CN" altLang="en-US"/>
-          </a:p>
-          <a:p>
-            <a:r>
-              <a:rPr lang="zh-CN" altLang="en-US"/>
-              <a:t>        goroutine scheduling</a:t>
-            </a:r>
-            <a:endParaRPr lang="zh-CN" altLang="en-US"/>
-          </a:p>
-          <a:p>
-            <a:r>
-              <a:rPr lang="zh-CN" altLang="en-US"/>
-              <a:t>            OS threads are scheduled by the OS kernel. Every few milliseconds, a hardware timer interrupts the processor, which causes a kernel function called the scheduler to be invoked.</a:t>
-            </a:r>
-            <a:endParaRPr lang="zh-CN" altLang="en-US"/>
-          </a:p>
-          <a:p>
-            <a:r>
-              <a:rPr lang="zh-CN" altLang="en-US"/>
-              <a:t>                a full context switch</a:t>
-            </a:r>
-            <a:endParaRPr lang="zh-CN" altLang="en-US"/>
-          </a:p>
-          <a:p>
-            <a:r>
-              <a:rPr lang="zh-CN" altLang="en-US"/>
-              <a:t>            The Go runtime contains its own scheduler that known as m:n scheduling (it multiplexes m goroutines on n OS threads, is analogous to the kernel scheduler).</a:t>
-            </a:r>
-            <a:endParaRPr lang="zh-CN" altLang="en-US"/>
-          </a:p>
-          <a:p>
-            <a:r>
-              <a:rPr lang="zh-CN" altLang="en-US"/>
-              <a:t>                the Go scheduler is not invoked periodically by a hardware timer, but implicitly by certain Go language constructs.</a:t>
-            </a:r>
-            <a:endParaRPr lang="zh-CN" altLang="en-US"/>
-          </a:p>
-          <a:p>
-            <a:r>
-              <a:rPr lang="zh-CN" altLang="en-US"/>
-              <a:t>                GOMAXPROCS is the n in m:n scheduling. It's default value is the number of CPUs on the machine. </a:t>
-            </a:r>
+            <a:pPr marL="0" indent="0">
+              <a:buFont typeface="Arial" panose="02080604020202020204" charset="0"/>
+              <a:buNone/>
+            </a:pPr>
+            <a:r>
+              <a:rPr lang="zh-CN" altLang="en-US">
+                <a:sym typeface="+mn-ea"/>
+              </a:rPr>
+              <a:t>An interface is an abstract type, it reveals only some of their methods.It specifies a set of methods that a concrete type must possess to be considered an instance of that interface.</a:t>
+            </a:r>
+            <a:endParaRPr lang="zh-CN" altLang="en-US"/>
+          </a:p>
+          <a:p>
+            <a:pPr marL="0" indent="0">
+              <a:buNone/>
+            </a:pPr>
+            <a:r>
+              <a:rPr lang="x-none" altLang="zh-CN">
+                <a:sym typeface="+mn-ea"/>
+              </a:rPr>
+              <a:t>	</a:t>
+            </a:r>
+            <a:r>
+              <a:rPr lang="zh-CN" altLang="en-US">
+                <a:sym typeface="+mn-ea"/>
+              </a:rPr>
+              <a:t>type Writer interface {</a:t>
+            </a:r>
+            <a:endParaRPr lang="zh-CN" altLang="en-US"/>
+          </a:p>
+          <a:p>
+            <a:pPr marL="0" indent="0">
+              <a:buNone/>
+            </a:pPr>
+            <a:r>
+              <a:rPr lang="x-none" altLang="zh-CN">
+                <a:sym typeface="+mn-ea"/>
+              </a:rPr>
+              <a:t>	</a:t>
+            </a:r>
+            <a:r>
+              <a:rPr lang="zh-CN" altLang="en-US">
+                <a:sym typeface="+mn-ea"/>
+              </a:rPr>
+              <a:t>     Writer(p []byte) (n int, err error)</a:t>
+            </a:r>
+            <a:endParaRPr lang="zh-CN" altLang="en-US"/>
+          </a:p>
+          <a:p>
+            <a:pPr marL="0" indent="0">
+              <a:buNone/>
+            </a:pPr>
+            <a:r>
+              <a:rPr lang="zh-CN" altLang="en-US">
+                <a:sym typeface="+mn-ea"/>
+              </a:rPr>
+              <a:t>        }</a:t>
+            </a:r>
+            <a:endParaRPr lang="zh-CN" altLang="en-US"/>
+          </a:p>
+          <a:p>
+            <a:endParaRPr lang="zh-CN" altLang="en-US"/>
+          </a:p>
+          <a:p>
+            <a:pPr marL="0" indent="0">
+              <a:buNone/>
+            </a:pPr>
+            <a:r>
+              <a:rPr lang="zh-CN" altLang="en-US">
+                <a:sym typeface="+mn-ea"/>
+              </a:rPr>
+              <a:t>        type Reader interface {</a:t>
+            </a:r>
+            <a:endParaRPr lang="zh-CN" altLang="en-US"/>
+          </a:p>
+          <a:p>
+            <a:pPr marL="0" indent="0">
+              <a:buNone/>
+            </a:pPr>
+            <a:r>
+              <a:rPr lang="zh-CN" altLang="en-US">
+                <a:sym typeface="+mn-ea"/>
+              </a:rPr>
+              <a:t>            Read(p []byte) (n int, err error)</a:t>
+            </a:r>
+            <a:endParaRPr lang="zh-CN" altLang="en-US"/>
+          </a:p>
+          <a:p>
+            <a:pPr marL="0" indent="0">
+              <a:buNone/>
+            </a:pPr>
+            <a:r>
+              <a:rPr lang="zh-CN" altLang="en-US">
+                <a:sym typeface="+mn-ea"/>
+              </a:rPr>
+              <a:t>        }</a:t>
+            </a:r>
+            <a:endParaRPr lang="zh-CN" altLang="en-US"/>
+          </a:p>
+          <a:p>
+            <a:endParaRPr lang="zh-CN" altLang="en-US"/>
+          </a:p>
+          <a:p>
+            <a:pPr marL="0" indent="0">
+              <a:buNone/>
+            </a:pPr>
+            <a:r>
+              <a:rPr lang="zh-CN" altLang="en-US">
+                <a:sym typeface="+mn-ea"/>
+              </a:rPr>
+              <a:t>        type Closer interface {</a:t>
+            </a:r>
+            <a:endParaRPr lang="zh-CN" altLang="en-US"/>
+          </a:p>
+          <a:p>
+            <a:pPr marL="0" indent="0">
+              <a:buNone/>
+            </a:pPr>
+            <a:r>
+              <a:rPr lang="zh-CN" altLang="en-US">
+                <a:sym typeface="+mn-ea"/>
+              </a:rPr>
+              <a:t>            Close() error</a:t>
+            </a:r>
+            <a:endParaRPr lang="zh-CN" altLang="en-US"/>
+          </a:p>
+          <a:p>
+            <a:pPr marL="0" indent="0">
+              <a:buNone/>
+            </a:pPr>
+            <a:r>
+              <a:rPr lang="zh-CN" altLang="en-US">
+                <a:sym typeface="+mn-ea"/>
+              </a:rPr>
+              <a:t>        }</a:t>
+            </a:r>
+            <a:endParaRPr lang="zh-CN" altLang="en-US"/>
+          </a:p>
+          <a:p>
             <a:endParaRPr lang="zh-CN" altLang="en-US"/>
           </a:p>
         </p:txBody>
@@ -4378,107 +4744,86 @@
       <p:grpSpPr/>
       <p:sp>
         <p:nvSpPr>
-          <p:cNvPr id="2" name="标题 1"/>
-          <p:cNvSpPr>
-            <a:spLocks noGrp="1"/>
-          </p:cNvSpPr>
-          <p:nvPr>
-            <p:ph type="title"/>
-          </p:nvPr>
-        </p:nvSpPr>
-        <p:spPr/>
+          <p:cNvPr id="3" name="内容占位符 2"/>
+          <p:cNvSpPr>
+            <a:spLocks noGrp="1"/>
+          </p:cNvSpPr>
+          <p:nvPr>
+            <p:ph idx="1"/>
+          </p:nvPr>
+        </p:nvSpPr>
+        <p:spPr>
+          <a:xfrm>
+            <a:off x="838200" y="438150"/>
+            <a:ext cx="10515600" cy="5739765"/>
+          </a:xfrm>
+        </p:spPr>
         <p:txBody>
           <a:bodyPr/>
           <a:p>
-            <a:pPr algn="ctr"/>
-            <a:r>
-              <a:rPr lang="zh-CN" altLang="en-US"/>
+            <a:r>
+              <a:rPr lang="zh-CN" altLang="en-US">
+                <a:sym typeface="+mn-ea"/>
+              </a:rPr>
               <a:t>Go History</a:t>
             </a:r>
             <a:endParaRPr lang="zh-CN" altLang="en-US"/>
           </a:p>
-        </p:txBody>
-      </p:sp>
-      <p:sp>
-        <p:nvSpPr>
-          <p:cNvPr id="3" name="内容占位符 2"/>
-          <p:cNvSpPr>
-            <a:spLocks noGrp="1"/>
-          </p:cNvSpPr>
-          <p:nvPr>
-            <p:ph idx="1"/>
-          </p:nvPr>
-        </p:nvSpPr>
-        <p:spPr/>
-        <p:txBody>
-          <a:bodyPr>
-            <a:normAutofit fontScale="70000"/>
-          </a:bodyPr>
-          <a:p>
-            <a:r>
-              <a:rPr lang="zh-CN" altLang="en-US"/>
-              <a:t>Go originated as an experiment by Google engineers Robert Griesemer, Rob Pike, and Ken Thompson to design a new programming language that would resolve common criticisms of other languages while maintaining their positive characteristics. The new language was to:</a:t>
-            </a:r>
-            <a:endParaRPr lang="zh-CN" altLang="en-US"/>
-          </a:p>
-          <a:p>
-            <a:pPr lvl="1"/>
-            <a:r>
-              <a:rPr lang="zh-CN" altLang="en-US"/>
-              <a:t>be statically typed, scalable to large systems (as Java and C++).</a:t>
-            </a:r>
-            <a:endParaRPr lang="zh-CN" altLang="en-US"/>
-          </a:p>
-          <a:p>
-            <a:pPr lvl="1"/>
-            <a:r>
-              <a:rPr lang="zh-CN" altLang="en-US"/>
-              <a:t>be productive and readable, without too many mandatory keywords and repetition.</a:t>
-            </a:r>
-            <a:endParaRPr lang="zh-CN" altLang="en-US"/>
-          </a:p>
-          <a:p>
-            <a:pPr lvl="1"/>
-            <a:r>
-              <a:rPr lang="zh-CN" altLang="en-US"/>
-              <a:t>not require tooling, but support it well.</a:t>
-            </a:r>
-            <a:endParaRPr lang="zh-CN" altLang="en-US"/>
-          </a:p>
-          <a:p>
-            <a:pPr lvl="1"/>
-            <a:r>
-              <a:rPr lang="zh-CN" altLang="en-US"/>
-              <a:t>support networking and multiprocessing.</a:t>
-            </a:r>
-            <a:endParaRPr lang="zh-CN" altLang="en-US"/>
-          </a:p>
-          <a:p>
-            <a:r>
-              <a:rPr lang="zh-CN" altLang="en-US"/>
-              <a:t>Go was announced in November 2009.</a:t>
-            </a:r>
-            <a:endParaRPr lang="zh-CN" altLang="en-US"/>
-          </a:p>
-          <a:p>
-            <a:r>
-              <a:rPr lang="zh-CN" altLang="en-US"/>
-              <a:t>Go 1.0 was released in March 2012.</a:t>
-            </a:r>
-            <a:endParaRPr lang="zh-CN" altLang="en-US"/>
-          </a:p>
-          <a:p>
-            <a:r>
-              <a:rPr lang="zh-CN" altLang="en-US"/>
-              <a:t>Go 1.5 was released in August 2015.</a:t>
-            </a:r>
-            <a:endParaRPr lang="zh-CN" altLang="en-US"/>
-          </a:p>
-          <a:p>
-            <a:r>
-              <a:rPr lang="zh-CN" altLang="en-US"/>
-              <a:t>Go 1.7 was released in this year.</a:t>
-            </a:r>
+          <a:p>
+            <a:r>
+              <a:rPr lang="zh-CN" altLang="en-US">
+                <a:sym typeface="+mn-ea"/>
+              </a:rPr>
+              <a:t>Go Variables And Types</a:t>
+            </a:r>
+            <a:endParaRPr lang="zh-CN" altLang="en-US">
+              <a:sym typeface="+mn-ea"/>
+            </a:endParaRPr>
+          </a:p>
+          <a:p>
+            <a:r>
+              <a:rPr lang="x-none" altLang="zh-CN">
+                <a:sym typeface="+mn-ea"/>
+              </a:rPr>
+              <a:t>Go Concurrency</a:t>
+            </a:r>
+            <a:endParaRPr lang="x-none" altLang="zh-CN"/>
+          </a:p>
+          <a:p>
+            <a:r>
+              <a:rPr lang="zh-CN" altLang="en-US">
+                <a:sym typeface="+mn-ea"/>
+              </a:rPr>
+              <a:t>Go Methods And Interfaces</a:t>
+            </a:r>
+            <a:endParaRPr lang="zh-CN" altLang="en-US">
+              <a:sym typeface="+mn-ea"/>
+            </a:endParaRPr>
+          </a:p>
+          <a:p>
+            <a:r>
+              <a:rPr lang="x-none" altLang="zh-CN">
+                <a:sym typeface="+mn-ea"/>
+              </a:rPr>
+              <a:t>A</a:t>
+            </a:r>
+            <a:r>
+              <a:rPr lang="zh-CN" altLang="en-US">
+                <a:sym typeface="+mn-ea"/>
+              </a:rPr>
+              <a:t>ppendix</a:t>
+            </a:r>
+            <a:endParaRPr lang="zh-CN" altLang="en-US"/>
+          </a:p>
+          <a:p>
+            <a:endParaRPr lang="zh-CN" altLang="en-US">
+              <a:sym typeface="+mn-ea"/>
+            </a:endParaRPr>
+          </a:p>
+          <a:p>
+            <a:endParaRPr lang="zh-CN" altLang="en-US"/>
+          </a:p>
+          <a:p>
             <a:endParaRPr lang="zh-CN" altLang="en-US"/>
           </a:p>
         </p:txBody>
@@ -4503,349 +4848,101 @@
       <p:grpSpPr/>
       <p:sp>
         <p:nvSpPr>
-          <p:cNvPr id="6" name="文本框 5"/>
-          <p:cNvSpPr txBox="1"/>
-          <p:nvPr/>
-        </p:nvSpPr>
-        <p:spPr>
-          <a:xfrm>
-            <a:off x="876300" y="1860550"/>
-            <a:ext cx="11089640" cy="2560320"/>
-          </a:xfrm>
-          <a:prstGeom prst="rect">
-            <a:avLst/>
-          </a:prstGeom>
-          <a:noFill/>
-        </p:spPr>
-        <p:txBody>
-          <a:bodyPr wrap="square" rtlCol="0" anchor="t">
-            <a:spAutoFit/>
+          <p:cNvPr id="2" name="标题 1"/>
+          <p:cNvSpPr>
+            <a:spLocks noGrp="1"/>
+          </p:cNvSpPr>
+          <p:nvPr>
+            <p:ph type="title"/>
+          </p:nvPr>
+        </p:nvSpPr>
+        <p:spPr/>
+        <p:txBody>
+          <a:bodyPr/>
+          <a:p>
+            <a:pPr algn="ctr"/>
+            <a:r>
+              <a:rPr lang="x-none" altLang="zh-CN"/>
+              <a:t>A</a:t>
+            </a:r>
+            <a:r>
+              <a:rPr lang="zh-CN" altLang="en-US"/>
+              <a:t>ppendix</a:t>
+            </a:r>
+            <a:endParaRPr lang="zh-CN" altLang="en-US"/>
+          </a:p>
+        </p:txBody>
+      </p:sp>
+      <p:sp>
+        <p:nvSpPr>
+          <p:cNvPr id="3" name="内容占位符 2"/>
+          <p:cNvSpPr>
+            <a:spLocks noGrp="1"/>
+          </p:cNvSpPr>
+          <p:nvPr>
+            <p:ph idx="1"/>
+          </p:nvPr>
+        </p:nvSpPr>
+        <p:spPr/>
+        <p:txBody>
+          <a:bodyPr>
+            <a:normAutofit lnSpcReduction="10000"/>
           </a:bodyPr>
           <a:p>
             <a:r>
               <a:rPr lang="zh-CN" altLang="en-US"/>
-              <a:t>Channels</a:t>
-            </a:r>
-            <a:endParaRPr lang="zh-CN" altLang="en-US"/>
-          </a:p>
-          <a:p>
-            <a:r>
-              <a:rPr lang="zh-CN" altLang="en-US"/>
-              <a:t>    A channel is a communication mechanism that lets one goroutine send values to another goroutine.</a:t>
-            </a:r>
-            <a:endParaRPr lang="zh-CN" altLang="en-US"/>
-          </a:p>
-          <a:p>
-            <a:r>
-              <a:rPr lang="zh-CN" altLang="en-US"/>
-              <a:t>    Each channel is a conduit for values of a particular type, called the channel's element type.</a:t>
-            </a:r>
-            <a:endParaRPr lang="zh-CN" altLang="en-US"/>
-          </a:p>
-          <a:p>
-            <a:r>
-              <a:rPr lang="zh-CN" altLang="en-US"/>
-              <a:t>    The type of a channle whose elements have type int is written chan int.</a:t>
-            </a:r>
-            <a:endParaRPr lang="zh-CN" altLang="en-US"/>
-          </a:p>
-          <a:p>
-            <a:endParaRPr lang="zh-CN" altLang="en-US"/>
-          </a:p>
-          <a:p>
-            <a:r>
-              <a:rPr lang="zh-CN" altLang="en-US"/>
-              <a:t>    create a channel</a:t>
-            </a:r>
-            <a:endParaRPr lang="zh-CN" altLang="en-US"/>
-          </a:p>
-          <a:p>
-            <a:r>
-              <a:rPr lang="zh-CN" altLang="en-US"/>
-              <a:t>        ch := make(chan int) // ch has type 'chan int', unbuffered channel</a:t>
-            </a:r>
-            <a:endParaRPr lang="zh-CN" altLang="en-US"/>
-          </a:p>
-          <a:p>
-            <a:r>
-              <a:rPr lang="zh-CN" altLang="en-US"/>
-              <a:t>        ch := make(chan int, 3) // ch has type 'chan int' , buffered channel with capacity 3</a:t>
-            </a:r>
-            <a:endParaRPr lang="zh-CN" altLang="en-US"/>
-          </a:p>
-        </p:txBody>
-      </p:sp>
-    </p:spTree>
-  </p:cSld>
-  <p:clrMapOvr>
-    <a:masterClrMapping/>
-  </p:clrMapOvr>
-</p:sld>
-</file>
-
-<file path=ppt/slides/slide21.xml><?xml version="1.0" encoding="utf-8"?>
-<p:sld xmlns:a="http://schemas.openxmlformats.org/drawingml/2006/main" xmlns:r="http://schemas.openxmlformats.org/officeDocument/2006/relationships" xmlns:p="http://schemas.openxmlformats.org/presentationml/2006/main">
-  <p:cSld>
-    <p:spTree>
-      <p:nvGrpSpPr>
-        <p:cNvPr id="1" name=""/>
-        <p:cNvGrpSpPr/>
-        <p:nvPr/>
-      </p:nvGrpSpPr>
-      <p:grpSpPr/>
-      <p:sp>
-        <p:nvSpPr>
-          <p:cNvPr id="5" name="文本框 4"/>
-          <p:cNvSpPr txBox="1"/>
-          <p:nvPr/>
-        </p:nvSpPr>
-        <p:spPr>
-          <a:xfrm>
-            <a:off x="1073785" y="1416685"/>
-            <a:ext cx="10116185" cy="4206240"/>
-          </a:xfrm>
-          <a:prstGeom prst="rect">
-            <a:avLst/>
-          </a:prstGeom>
-          <a:noFill/>
-        </p:spPr>
-        <p:txBody>
-          <a:bodyPr wrap="square" rtlCol="0" anchor="t">
-            <a:spAutoFit/>
-          </a:bodyPr>
-          <a:p>
-            <a:r>
-              <a:rPr lang="zh-CN" altLang="en-US"/>
-              <a:t>    operations</a:t>
-            </a:r>
-            <a:endParaRPr lang="zh-CN" altLang="en-US"/>
-          </a:p>
-          <a:p>
-            <a:r>
-              <a:rPr lang="zh-CN" altLang="en-US"/>
-              <a:t>        send and receive</a:t>
-            </a:r>
-            <a:endParaRPr lang="zh-CN" altLang="en-US"/>
-          </a:p>
-          <a:p>
-            <a:r>
-              <a:rPr lang="zh-CN" altLang="en-US"/>
-              <a:t>        </a:t>
-            </a:r>
-            <a:endParaRPr lang="zh-CN" altLang="en-US"/>
-          </a:p>
-          <a:p>
-            <a:r>
-              <a:rPr lang="zh-CN" altLang="en-US"/>
-              <a:t>            ch &lt;- x  // a send statement</a:t>
-            </a:r>
-            <a:endParaRPr lang="zh-CN" altLang="en-US"/>
-          </a:p>
-          <a:p>
-            <a:r>
-              <a:rPr lang="zh-CN" altLang="en-US"/>
-              <a:t>            x = &lt;-ch // a receive expression in an assignment statement</a:t>
-            </a:r>
-            <a:endParaRPr lang="zh-CN" altLang="en-US"/>
-          </a:p>
-          <a:p>
-            <a:r>
-              <a:rPr lang="zh-CN" altLang="en-US"/>
-              <a:t>            &lt;-ch</a:t>
-            </a:r>
-            <a:endParaRPr lang="zh-CN" altLang="en-US"/>
-          </a:p>
-          <a:p>
-            <a:endParaRPr lang="zh-CN" altLang="en-US"/>
-          </a:p>
-          <a:p>
-            <a:r>
-              <a:rPr lang="zh-CN" altLang="en-US"/>
-              <a:t>        close</a:t>
-            </a:r>
-            <a:endParaRPr lang="zh-CN" altLang="en-US"/>
-          </a:p>
-          <a:p>
-            <a:endParaRPr lang="zh-CN" altLang="en-US"/>
-          </a:p>
-          <a:p>
-            <a:r>
-              <a:rPr lang="zh-CN" altLang="en-US"/>
-              <a:t>            close(ch)</a:t>
-            </a:r>
-            <a:endParaRPr lang="zh-CN" altLang="en-US"/>
-          </a:p>
-          <a:p>
-            <a:endParaRPr lang="zh-CN" altLang="en-US"/>
-          </a:p>
-          <a:p>
-            <a:r>
-              <a:rPr lang="zh-CN" altLang="en-US"/>
-              <a:t>    A send operation on an unbuffered channel blocks the sending goroutine until another goroutine executes a corresponding receive on the same channel, at which point the value is transmitted and both goroutines may continue.</a:t>
-            </a:r>
-            <a:endParaRPr lang="zh-CN" altLang="en-US"/>
-          </a:p>
-          <a:p>
-            <a:r>
-              <a:rPr lang="zh-CN" altLang="en-US"/>
-              <a:t>        communication causes synchronize</a:t>
-            </a:r>
-            <a:endParaRPr lang="zh-CN" altLang="en-US"/>
-          </a:p>
-        </p:txBody>
-      </p:sp>
-    </p:spTree>
-  </p:cSld>
-  <p:clrMapOvr>
-    <a:masterClrMapping/>
-  </p:clrMapOvr>
-</p:sld>
-</file>
-
-<file path=ppt/slides/slide22.xml><?xml version="1.0" encoding="utf-8"?>
-<p:sld xmlns:a="http://schemas.openxmlformats.org/drawingml/2006/main" xmlns:r="http://schemas.openxmlformats.org/officeDocument/2006/relationships" xmlns:p="http://schemas.openxmlformats.org/presentationml/2006/main">
-  <p:cSld>
-    <p:spTree>
-      <p:nvGrpSpPr>
-        <p:cNvPr id="1" name=""/>
-        <p:cNvGrpSpPr/>
-        <p:nvPr/>
-      </p:nvGrpSpPr>
-      <p:grpSpPr/>
-      <p:sp>
-        <p:nvSpPr>
-          <p:cNvPr id="4" name="文本框 3"/>
-          <p:cNvSpPr txBox="1"/>
-          <p:nvPr/>
-        </p:nvSpPr>
-        <p:spPr>
-          <a:xfrm>
-            <a:off x="889635" y="833755"/>
-            <a:ext cx="10173970" cy="5303520"/>
-          </a:xfrm>
-          <a:prstGeom prst="rect">
-            <a:avLst/>
-          </a:prstGeom>
-          <a:noFill/>
-        </p:spPr>
-        <p:txBody>
-          <a:bodyPr wrap="square" rtlCol="0" anchor="t">
-            <a:spAutoFit/>
-          </a:bodyPr>
-          <a:p>
-            <a:r>
-              <a:rPr lang="zh-CN" altLang="en-US"/>
-              <a:t>    A buffered channel has a queue of elements, a send operation on a buffered channel inserts an element at the back of the queue, and a receive operation removes an element from the front.</a:t>
-            </a:r>
-            <a:endParaRPr lang="zh-CN" altLang="en-US"/>
-          </a:p>
-          <a:p>
-            <a:r>
-              <a:rPr lang="zh-CN" altLang="en-US"/>
-              <a:t>        full will blocks</a:t>
-            </a:r>
-            <a:endParaRPr lang="zh-CN" altLang="en-US"/>
-          </a:p>
-          <a:p>
-            <a:r>
-              <a:rPr lang="zh-CN" altLang="en-US"/>
-              <a:t>    </a:t>
-            </a:r>
-            <a:endParaRPr lang="zh-CN" altLang="en-US"/>
-          </a:p>
-          <a:p>
-            <a:r>
-              <a:rPr lang="zh-CN" altLang="en-US"/>
-              <a:t>    multiplexing with select</a:t>
-            </a:r>
-            <a:endParaRPr lang="zh-CN" altLang="en-US"/>
-          </a:p>
-          <a:p>
-            <a:endParaRPr lang="zh-CN" altLang="en-US"/>
-          </a:p>
-          <a:p>
-            <a:r>
-              <a:rPr lang="zh-CN" altLang="en-US"/>
-              <a:t>        select {</a:t>
-            </a:r>
-            <a:endParaRPr lang="zh-CN" altLang="en-US"/>
-          </a:p>
-          <a:p>
-            <a:r>
-              <a:rPr lang="zh-CN" altLang="en-US"/>
-              <a:t>        case &lt;-ch1:</a:t>
-            </a:r>
-            <a:endParaRPr lang="zh-CN" altLang="en-US"/>
-          </a:p>
-          <a:p>
-            <a:r>
-              <a:rPr lang="zh-CN" altLang="en-US"/>
-              <a:t>            // ...</a:t>
-            </a:r>
-            <a:endParaRPr lang="zh-CN" altLang="en-US"/>
-          </a:p>
-          <a:p>
-            <a:r>
-              <a:rPr lang="zh-CN" altLang="en-US"/>
-              <a:t>        case x := &lt;-ch2:</a:t>
-            </a:r>
-            <a:endParaRPr lang="zh-CN" altLang="en-US"/>
-          </a:p>
-          <a:p>
-            <a:r>
-              <a:rPr lang="zh-CN" altLang="en-US"/>
-              <a:t>            // ...</a:t>
-            </a:r>
-            <a:endParaRPr lang="zh-CN" altLang="en-US"/>
-          </a:p>
-          <a:p>
-            <a:r>
-              <a:rPr lang="zh-CN" altLang="en-US"/>
-              <a:t>        case ch3 &lt;- y:</a:t>
-            </a:r>
-            <a:endParaRPr lang="zh-CN" altLang="en-US"/>
-          </a:p>
-          <a:p>
-            <a:r>
-              <a:rPr lang="zh-CN" altLang="en-US"/>
-              <a:t>            // ...</a:t>
-            </a:r>
-            <a:endParaRPr lang="zh-CN" altLang="en-US"/>
-          </a:p>
-          <a:p>
-            <a:r>
-              <a:rPr lang="zh-CN" altLang="en-US"/>
-              <a:t>        default:</a:t>
-            </a:r>
-            <a:endParaRPr lang="zh-CN" altLang="en-US"/>
-          </a:p>
-          <a:p>
-            <a:r>
-              <a:rPr lang="zh-CN" altLang="en-US"/>
-              <a:t>            // ...</a:t>
-            </a:r>
-            <a:endParaRPr lang="zh-CN" altLang="en-US"/>
-          </a:p>
-          <a:p>
-            <a:r>
-              <a:rPr lang="zh-CN" altLang="en-US"/>
-              <a:t>        }</a:t>
-            </a:r>
-            <a:endParaRPr lang="zh-CN" altLang="en-US"/>
-          </a:p>
-          <a:p>
-            <a:r>
-              <a:rPr lang="zh-CN" altLang="en-US"/>
-              <a:t>    </a:t>
-            </a:r>
-            <a:endParaRPr lang="zh-CN" altLang="en-US"/>
-          </a:p>
-          <a:p>
-            <a:r>
-              <a:rPr lang="zh-CN" altLang="en-US"/>
-              <a:t>    cancellation</a:t>
-            </a:r>
-            <a:endParaRPr lang="zh-CN" altLang="en-US"/>
+              <a:t>https://golang.org</a:t>
+            </a:r>
+            <a:endParaRPr lang="zh-CN" altLang="en-US"/>
+          </a:p>
+          <a:p>
+            <a:r>
+              <a:rPr lang="zh-CN" altLang="en-US"/>
+              <a:t>https://gobyexample.com</a:t>
+            </a:r>
+            <a:endParaRPr lang="zh-CN" altLang="en-US"/>
+          </a:p>
+          <a:p>
+            <a:r>
+              <a:rPr lang="zh-CN" altLang="en-US"/>
+              <a:t>https://github.com/astaxie/build-web-application-with-golang</a:t>
+            </a:r>
+            <a:endParaRPr lang="zh-CN" altLang="en-US"/>
+          </a:p>
+          <a:p>
+            <a:r>
+              <a:rPr lang="zh-CN" altLang="en-US"/>
+              <a:t>https://github.com/qyuhen/book</a:t>
+            </a:r>
+            <a:endParaRPr lang="zh-CN" altLang="en-US"/>
+          </a:p>
+          <a:p>
+            <a:r>
+              <a:rPr lang="zh-CN" altLang="en-US"/>
+              <a:t>https://talks.golang.org</a:t>
+            </a:r>
+            <a:endParaRPr lang="zh-CN" altLang="en-US"/>
+          </a:p>
+          <a:p>
+            <a:r>
+              <a:rPr lang="x-none" altLang="zh-CN"/>
+              <a:t>The Go Programming Language [Book]</a:t>
+            </a:r>
+            <a:endParaRPr lang="x-none" altLang="zh-CN"/>
+          </a:p>
+          <a:p>
+            <a:r>
+              <a:rPr lang="x-none" altLang="zh-CN"/>
+              <a:t>https://github.com/adonovan/gopl.io</a:t>
+            </a:r>
+            <a:endParaRPr lang="x-none" altLang="zh-CN"/>
+          </a:p>
+          <a:p>
+            <a:r>
+              <a:rPr lang="x-none" altLang="zh-CN"/>
+              <a:t>http://docs.ruanjiadeng.com/gopl-zh/</a:t>
+            </a:r>
+            <a:endParaRPr lang="x-none" altLang="zh-CN"/>
           </a:p>
         </p:txBody>
       </p:sp>
@@ -4884,7 +4981,7 @@
             <a:pPr algn="ctr"/>
             <a:r>
               <a:rPr lang="zh-CN" altLang="en-US"/>
-              <a:t>Go Basic</a:t>
+              <a:t>Go History</a:t>
             </a:r>
             <a:endParaRPr lang="zh-CN" altLang="en-US"/>
           </a:p>
@@ -4902,32 +4999,73 @@
         </p:nvSpPr>
         <p:spPr/>
         <p:txBody>
-          <a:bodyPr/>
-          <a:p>
-            <a:r>
-              <a:rPr lang="zh-CN" altLang="en-US"/>
-              <a:t>install(https://golang.org/doc/install)</a:t>
-            </a:r>
-            <a:endParaRPr lang="zh-CN" altLang="en-US"/>
-          </a:p>
-          <a:p>
-            <a:r>
-              <a:rPr lang="zh-CN" altLang="en-US"/>
-              <a:t>workspaces(bin, pkg, src)</a:t>
-            </a:r>
-            <a:endParaRPr lang="zh-CN" altLang="en-US"/>
-          </a:p>
-          <a:p>
-            <a:r>
-              <a:rPr lang="zh-CN" altLang="en-US"/>
-              <a:t>go tool(fmt build run get test…)</a:t>
-            </a:r>
-            <a:endParaRPr lang="zh-CN" altLang="en-US"/>
-          </a:p>
-          <a:p>
-            <a:r>
-              <a:rPr lang="zh-CN" altLang="en-US"/>
-              <a:t>HelloWorld</a:t>
+          <a:bodyPr>
+            <a:normAutofit fontScale="70000"/>
+          </a:bodyPr>
+          <a:p>
+            <a:r>
+              <a:rPr lang="zh-CN" altLang="en-US"/>
+              <a:t>Go originated as an experiment by Google engineers Robert Griesemer, Rob Pike, and Ken Thompson to design a new programming language that would resolve common criticisms of other languages while maintaining their positive characteristics. The new language was to:</a:t>
+            </a:r>
+            <a:endParaRPr lang="zh-CN" altLang="en-US"/>
+          </a:p>
+          <a:p>
+            <a:pPr lvl="1"/>
+            <a:r>
+              <a:rPr lang="zh-CN" altLang="en-US"/>
+              <a:t>be statically typed, scalable to large systems (as Java and C++).</a:t>
+            </a:r>
+            <a:endParaRPr lang="zh-CN" altLang="en-US"/>
+          </a:p>
+          <a:p>
+            <a:pPr lvl="1"/>
+            <a:r>
+              <a:rPr lang="zh-CN" altLang="en-US"/>
+              <a:t>be productive and readable, without too many mandatory keywords and repetition.</a:t>
+            </a:r>
+            <a:endParaRPr lang="zh-CN" altLang="en-US"/>
+          </a:p>
+          <a:p>
+            <a:pPr lvl="1"/>
+            <a:r>
+              <a:rPr lang="zh-CN" altLang="en-US"/>
+              <a:t>not require tooling, but support it well.</a:t>
+            </a:r>
+            <a:endParaRPr lang="zh-CN" altLang="en-US"/>
+          </a:p>
+          <a:p>
+            <a:pPr lvl="1"/>
+            <a:r>
+              <a:rPr lang="zh-CN" altLang="en-US"/>
+              <a:t>support networking and multiprocessing.</a:t>
+            </a:r>
+            <a:endParaRPr lang="zh-CN" altLang="en-US"/>
+          </a:p>
+          <a:p>
+            <a:r>
+              <a:rPr lang="zh-CN" altLang="en-US"/>
+              <a:t>Go was announced in November 2009.</a:t>
+            </a:r>
+            <a:endParaRPr lang="zh-CN" altLang="en-US"/>
+          </a:p>
+          <a:p>
+            <a:r>
+              <a:rPr lang="zh-CN" altLang="en-US"/>
+              <a:t>Go 1.0 was released in March 2012.</a:t>
+            </a:r>
+            <a:endParaRPr lang="zh-CN" altLang="en-US"/>
+          </a:p>
+          <a:p>
+            <a:r>
+              <a:rPr lang="zh-CN" altLang="en-US"/>
+              <a:t>Go 1.5 was released in August 2015.</a:t>
+            </a:r>
+            <a:endParaRPr lang="zh-CN" altLang="en-US"/>
+          </a:p>
+          <a:p>
+            <a:r>
+              <a:rPr lang="zh-CN" altLang="en-US"/>
+              <a:t>Go 1.7 was released in this year.</a:t>
             </a:r>
             <a:endParaRPr lang="zh-CN" altLang="en-US"/>
           </a:p>
@@ -4951,37 +5089,84 @@
         <p:nvPr/>
       </p:nvGrpSpPr>
       <p:grpSpPr/>
-      <p:pic>
-        <p:nvPicPr>
-          <p:cNvPr id="4" name="内容占位符 3"/>
-          <p:cNvPicPr>
-            <a:picLocks noChangeAspect="1"/>
-          </p:cNvPicPr>
-          <p:nvPr>
-            <p:ph idx="1"/>
-          </p:nvPr>
-        </p:nvPicPr>
-        <p:blipFill>
-          <a:blip r:embed="rId1"/>
-          <a:stretch>
-            <a:fillRect/>
-          </a:stretch>
-        </p:blipFill>
+      <p:sp>
+        <p:nvSpPr>
+          <p:cNvPr id="6" name="文本框 5"/>
+          <p:cNvSpPr txBox="1"/>
+          <p:nvPr/>
+        </p:nvSpPr>
         <p:spPr>
           <a:xfrm>
-            <a:off x="2294890" y="560070"/>
-            <a:ext cx="7602220" cy="5737860"/>
+            <a:off x="3357245" y="1731645"/>
+            <a:ext cx="5463540" cy="3078480"/>
           </a:xfrm>
           <a:prstGeom prst="rect">
             <a:avLst/>
           </a:prstGeom>
+          <a:noFill/>
         </p:spPr>
-      </p:pic>
+        <p:txBody>
+          <a:bodyPr wrap="square" rtlCol="0" anchor="t">
+            <a:spAutoFit/>
+          </a:bodyPr>
+          <a:p>
+            <a:r>
+              <a:rPr lang="zh-CN" altLang="en-US" sz="2800"/>
+              <a:t>package main</a:t>
+            </a:r>
+            <a:endParaRPr lang="zh-CN" altLang="en-US" sz="2800"/>
+          </a:p>
+          <a:p>
+            <a:endParaRPr lang="zh-CN" altLang="en-US" sz="2800"/>
+          </a:p>
+          <a:p>
+            <a:r>
+              <a:rPr lang="zh-CN" altLang="en-US" sz="2800"/>
+              <a:t>import "fmt"</a:t>
+            </a:r>
+            <a:endParaRPr lang="zh-CN" altLang="en-US" sz="2800"/>
+          </a:p>
+          <a:p>
+            <a:endParaRPr lang="zh-CN" altLang="en-US" sz="2800"/>
+          </a:p>
+          <a:p>
+            <a:r>
+              <a:rPr lang="zh-CN" altLang="en-US" sz="2800"/>
+              <a:t>func main() {</a:t>
+            </a:r>
+            <a:endParaRPr lang="zh-CN" altLang="en-US" sz="2800"/>
+          </a:p>
+          <a:p>
+            <a:r>
+              <a:rPr lang="zh-CN" altLang="en-US" sz="2800"/>
+              <a:t>	fmt.Println("Hello, 世界")</a:t>
+            </a:r>
+            <a:endParaRPr lang="zh-CN" altLang="en-US" sz="2800"/>
+          </a:p>
+          <a:p>
+            <a:r>
+              <a:rPr lang="zh-CN" altLang="en-US" sz="2800"/>
+              <a:t>}</a:t>
+            </a:r>
+            <a:endParaRPr lang="zh-CN" altLang="en-US" sz="2800"/>
+          </a:p>
+        </p:txBody>
+      </p:sp>
     </p:spTree>
   </p:cSld>
   <p:clrMapOvr>
     <a:masterClrMapping/>
   </p:clrMapOvr>
+  <p:transition>
+    <p:cut/>
+  </p:transition>
+  <p:timing>
+    <p:tnLst>
+      <p:par>
+        <p:cTn id="1" dur="indefinite" restart="never" nodeType="tmRoot"/>
+      </p:par>
+    </p:tnLst>
+  </p:timing>
 </p:sld>
 </file>
 
@@ -4995,32 +5180,185 @@
         <p:nvPr/>
       </p:nvGrpSpPr>
       <p:grpSpPr/>
-      <p:pic>
-        <p:nvPicPr>
-          <p:cNvPr id="4" name="内容占位符 3"/>
-          <p:cNvPicPr>
-            <a:picLocks noChangeAspect="1"/>
-          </p:cNvPicPr>
-          <p:nvPr>
-            <p:ph idx="1"/>
-          </p:nvPr>
-        </p:nvPicPr>
-        <p:blipFill>
-          <a:blip r:embed="rId1"/>
-          <a:stretch>
-            <a:fillRect/>
-          </a:stretch>
-        </p:blipFill>
+      <p:sp>
+        <p:nvSpPr>
+          <p:cNvPr id="8" name="文本框 7"/>
+          <p:cNvSpPr txBox="1"/>
+          <p:nvPr/>
+        </p:nvSpPr>
         <p:spPr>
           <a:xfrm>
-            <a:off x="2761615" y="769620"/>
-            <a:ext cx="6667500" cy="5038725"/>
+            <a:off x="505460" y="338455"/>
+            <a:ext cx="10048240" cy="6400800"/>
           </a:xfrm>
           <a:prstGeom prst="rect">
             <a:avLst/>
           </a:prstGeom>
+          <a:noFill/>
         </p:spPr>
-      </p:pic>
+        <p:txBody>
+          <a:bodyPr wrap="square" rtlCol="0" anchor="t">
+            <a:spAutoFit/>
+          </a:bodyPr>
+          <a:p>
+            <a:r>
+              <a:rPr lang="zh-CN" altLang="en-US"/>
+              <a:t>import (</a:t>
+            </a:r>
+            <a:endParaRPr lang="zh-CN" altLang="en-US"/>
+          </a:p>
+          <a:p>
+            <a:r>
+              <a:rPr lang="zh-CN" altLang="en-US"/>
+              <a:t>	"fmt"</a:t>
+            </a:r>
+            <a:endParaRPr lang="zh-CN" altLang="en-US"/>
+          </a:p>
+          <a:p>
+            <a:r>
+              <a:rPr lang="zh-CN" altLang="en-US"/>
+              <a:t>	"io/ioutil"</a:t>
+            </a:r>
+            <a:endParaRPr lang="zh-CN" altLang="en-US"/>
+          </a:p>
+          <a:p>
+            <a:r>
+              <a:rPr lang="zh-CN" altLang="en-US"/>
+              <a:t>	"net/http"</a:t>
+            </a:r>
+            <a:endParaRPr lang="zh-CN" altLang="en-US"/>
+          </a:p>
+          <a:p>
+            <a:r>
+              <a:rPr lang="zh-CN" altLang="en-US"/>
+              <a:t>	"os"</a:t>
+            </a:r>
+            <a:endParaRPr lang="zh-CN" altLang="en-US"/>
+          </a:p>
+          <a:p>
+            <a:r>
+              <a:rPr lang="zh-CN" altLang="en-US"/>
+              <a:t>)</a:t>
+            </a:r>
+            <a:endParaRPr lang="zh-CN" altLang="en-US"/>
+          </a:p>
+          <a:p>
+            <a:endParaRPr lang="zh-CN" altLang="en-US"/>
+          </a:p>
+          <a:p>
+            <a:r>
+              <a:rPr lang="zh-CN" altLang="en-US"/>
+              <a:t>func main() {</a:t>
+            </a:r>
+            <a:endParaRPr lang="zh-CN" altLang="en-US"/>
+          </a:p>
+          <a:p>
+            <a:r>
+              <a:rPr lang="zh-CN" altLang="en-US"/>
+              <a:t>	for _, url := range os.Args[1:] {</a:t>
+            </a:r>
+            <a:endParaRPr lang="zh-CN" altLang="en-US"/>
+          </a:p>
+          <a:p>
+            <a:r>
+              <a:rPr lang="zh-CN" altLang="en-US"/>
+              <a:t>		resp, err := http.Get(url)</a:t>
+            </a:r>
+            <a:endParaRPr lang="zh-CN" altLang="en-US"/>
+          </a:p>
+          <a:p>
+            <a:r>
+              <a:rPr lang="zh-CN" altLang="en-US"/>
+              <a:t>		if err != nil {</a:t>
+            </a:r>
+            <a:endParaRPr lang="zh-CN" altLang="en-US"/>
+          </a:p>
+          <a:p>
+            <a:r>
+              <a:rPr lang="zh-CN" altLang="en-US"/>
+              <a:t>			fmt.Fprintf(os.Stderr, "fetch: %v\n", err)</a:t>
+            </a:r>
+            <a:endParaRPr lang="zh-CN" altLang="en-US"/>
+          </a:p>
+          <a:p>
+            <a:r>
+              <a:rPr lang="zh-CN" altLang="en-US"/>
+              <a:t>			os.Exit(1)</a:t>
+            </a:r>
+            <a:endParaRPr lang="zh-CN" altLang="en-US"/>
+          </a:p>
+          <a:p>
+            <a:r>
+              <a:rPr lang="zh-CN" altLang="en-US"/>
+              <a:t>		}</a:t>
+            </a:r>
+            <a:endParaRPr lang="zh-CN" altLang="en-US"/>
+          </a:p>
+          <a:p>
+            <a:r>
+              <a:rPr lang="zh-CN" altLang="en-US"/>
+              <a:t>		b, err := ioutil.ReadAll(resp.Body)</a:t>
+            </a:r>
+            <a:endParaRPr lang="zh-CN" altLang="en-US"/>
+          </a:p>
+          <a:p>
+            <a:r>
+              <a:rPr lang="zh-CN" altLang="en-US"/>
+              <a:t>		resp.Body.Close()</a:t>
+            </a:r>
+            <a:endParaRPr lang="zh-CN" altLang="en-US"/>
+          </a:p>
+          <a:p>
+            <a:r>
+              <a:rPr lang="zh-CN" altLang="en-US"/>
+              <a:t>		if err != nil {</a:t>
+            </a:r>
+            <a:endParaRPr lang="zh-CN" altLang="en-US"/>
+          </a:p>
+          <a:p>
+            <a:r>
+              <a:rPr lang="zh-CN" altLang="en-US"/>
+              <a:t>			fmt.Fprintf(os.Stderr, "fetch: reading %s: %v\n", url, err)</a:t>
+            </a:r>
+            <a:endParaRPr lang="zh-CN" altLang="en-US"/>
+          </a:p>
+          <a:p>
+            <a:r>
+              <a:rPr lang="zh-CN" altLang="en-US"/>
+              <a:t>			os.Exit(1)</a:t>
+            </a:r>
+            <a:endParaRPr lang="zh-CN" altLang="en-US"/>
+          </a:p>
+          <a:p>
+            <a:r>
+              <a:rPr lang="zh-CN" altLang="en-US"/>
+              <a:t>		}</a:t>
+            </a:r>
+            <a:endParaRPr lang="zh-CN" altLang="en-US"/>
+          </a:p>
+          <a:p>
+            <a:r>
+              <a:rPr lang="zh-CN" altLang="en-US"/>
+              <a:t>		fmt.Printf("%s", b)</a:t>
+            </a:r>
+            <a:endParaRPr lang="zh-CN" altLang="en-US"/>
+          </a:p>
+          <a:p>
+            <a:r>
+              <a:rPr lang="zh-CN" altLang="en-US"/>
+              <a:t>	}</a:t>
+            </a:r>
+            <a:endParaRPr lang="zh-CN" altLang="en-US"/>
+          </a:p>
+          <a:p>
+            <a:r>
+              <a:rPr lang="zh-CN" altLang="en-US"/>
+              <a:t>}</a:t>
+            </a:r>
+            <a:endParaRPr lang="zh-CN" altLang="en-US"/>
+          </a:p>
+        </p:txBody>
+      </p:sp>
     </p:spTree>
   </p:cSld>
   <p:clrMapOvr>
@@ -5041,37 +5379,14 @@
       <p:grpSpPr/>
       <p:sp>
         <p:nvSpPr>
-          <p:cNvPr id="2" name="标题 1"/>
-          <p:cNvSpPr>
-            <a:spLocks noGrp="1"/>
-          </p:cNvSpPr>
-          <p:nvPr>
-            <p:ph type="title"/>
-          </p:nvPr>
-        </p:nvSpPr>
-        <p:spPr/>
-        <p:txBody>
-          <a:bodyPr/>
-          <a:p>
-            <a:pPr algn="ctr"/>
-            <a:r>
-              <a:rPr lang="x-none" altLang="zh-CN"/>
-              <a:t>Go Variables And Types</a:t>
-            </a:r>
-            <a:endParaRPr lang="x-none" altLang="zh-CN"/>
-          </a:p>
-        </p:txBody>
-      </p:sp>
-      <p:sp>
-        <p:nvSpPr>
-          <p:cNvPr id="5" name="文本框 4"/>
+          <p:cNvPr id="7" name="文本框 6"/>
           <p:cNvSpPr txBox="1"/>
           <p:nvPr/>
         </p:nvSpPr>
         <p:spPr>
           <a:xfrm>
-            <a:off x="1800225" y="1537335"/>
-            <a:ext cx="8475980" cy="5029200"/>
+            <a:off x="569595" y="335915"/>
+            <a:ext cx="11280140" cy="4206240"/>
           </a:xfrm>
           <a:prstGeom prst="rect">
             <a:avLst/>
@@ -5083,126 +5398,99 @@
             <a:spAutoFit/>
           </a:bodyPr>
           <a:p>
-            <a:pPr algn="l"/>
-            <a:r>
-              <a:rPr lang="zh-CN" altLang="en-US"/>
-              <a:t>Variables</a:t>
-            </a:r>
-            <a:endParaRPr lang="zh-CN" altLang="en-US"/>
-          </a:p>
-          <a:p>
-            <a:pPr algn="l"/>
-            <a:r>
-              <a:rPr lang="zh-CN" altLang="en-US"/>
-              <a:t>    A variable is a piece of storage containing a value.</a:t>
-            </a:r>
-            <a:endParaRPr lang="zh-CN" altLang="en-US"/>
-          </a:p>
-          <a:p>
-            <a:pPr algn="l"/>
-            <a:endParaRPr lang="zh-CN" altLang="en-US"/>
-          </a:p>
-          <a:p>
-            <a:pPr algn="l"/>
-            <a:r>
-              <a:rPr lang="zh-CN" altLang="en-US"/>
-              <a:t>    var a int</a:t>
-            </a:r>
-            <a:endParaRPr lang="zh-CN" altLang="en-US"/>
-          </a:p>
-          <a:p>
-            <a:pPr algn="l"/>
-            <a:r>
-              <a:rPr lang="zh-CN" altLang="en-US"/>
-              <a:t>    a = 3</a:t>
-            </a:r>
-            <a:endParaRPr lang="zh-CN" altLang="en-US"/>
-          </a:p>
-          <a:p>
-            <a:pPr algn="l"/>
-            <a:endParaRPr lang="zh-CN" altLang="en-US"/>
-          </a:p>
-          <a:p>
-            <a:pPr algn="l"/>
-            <a:r>
-              <a:rPr lang="zh-CN" altLang="en-US"/>
-              <a:t>    var a = 3</a:t>
-            </a:r>
-            <a:endParaRPr lang="zh-CN" altLang="en-US"/>
-          </a:p>
-          <a:p>
-            <a:pPr algn="l"/>
-            <a:endParaRPr lang="zh-CN" altLang="en-US"/>
-          </a:p>
-          <a:p>
-            <a:pPr algn="l"/>
-            <a:r>
-              <a:rPr lang="zh-CN" altLang="en-US"/>
-              <a:t>    a := 3</a:t>
-            </a:r>
-            <a:endParaRPr lang="zh-CN" altLang="en-US"/>
-          </a:p>
-          <a:p>
-            <a:pPr algn="l"/>
-            <a:endParaRPr lang="zh-CN" altLang="en-US"/>
-          </a:p>
-          <a:p>
-            <a:pPr algn="l"/>
-            <a:r>
-              <a:rPr lang="zh-CN" altLang="en-US"/>
-              <a:t>    Pointers</a:t>
-            </a:r>
-            <a:endParaRPr lang="zh-CN" altLang="en-US"/>
-          </a:p>
-          <a:p>
-            <a:pPr algn="l"/>
-            <a:r>
-              <a:rPr lang="zh-CN" altLang="en-US"/>
-              <a:t>        A pointer value is the address of a variable.</a:t>
-            </a:r>
-            <a:endParaRPr lang="zh-CN" altLang="en-US"/>
-          </a:p>
-          <a:p>
-            <a:pPr algn="l"/>
-            <a:endParaRPr lang="zh-CN" altLang="en-US"/>
-          </a:p>
-          <a:p>
-            <a:pPr algn="l"/>
-            <a:r>
-              <a:rPr lang="zh-CN" altLang="en-US"/>
-              <a:t>        x := 1</a:t>
-            </a:r>
-            <a:endParaRPr lang="zh-CN" altLang="en-US"/>
-          </a:p>
-          <a:p>
-            <a:pPr algn="l"/>
-            <a:r>
-              <a:rPr lang="zh-CN" altLang="en-US"/>
-              <a:t>        p := &amp;x</a:t>
-            </a:r>
-            <a:endParaRPr lang="zh-CN" altLang="en-US"/>
-          </a:p>
-          <a:p>
-            <a:pPr algn="l"/>
-            <a:r>
-              <a:rPr lang="zh-CN" altLang="en-US"/>
-              <a:t>        fmt.Println(*p) // "1"</a:t>
-            </a:r>
-            <a:endParaRPr lang="zh-CN" altLang="en-US"/>
-          </a:p>
-          <a:p>
-            <a:pPr algn="l"/>
-            <a:r>
-              <a:rPr lang="zh-CN" altLang="en-US"/>
-              <a:t>        *p = 2</a:t>
-            </a:r>
-            <a:endParaRPr lang="zh-CN" altLang="en-US"/>
-          </a:p>
-          <a:p>
-            <a:pPr algn="l"/>
-            <a:r>
-              <a:rPr lang="zh-CN" altLang="en-US"/>
-              <a:t>        fmt.Println(*p) // "2"</a:t>
+            <a:r>
+              <a:rPr lang="zh-CN" altLang="en-US"/>
+              <a:t>import (</a:t>
+            </a:r>
+            <a:endParaRPr lang="zh-CN" altLang="en-US"/>
+          </a:p>
+          <a:p>
+            <a:r>
+              <a:rPr lang="zh-CN" altLang="en-US"/>
+              <a:t>	"fmt"</a:t>
+            </a:r>
+            <a:endParaRPr lang="zh-CN" altLang="en-US"/>
+          </a:p>
+          <a:p>
+            <a:r>
+              <a:rPr lang="zh-CN" altLang="en-US"/>
+              <a:t>	"log"</a:t>
+            </a:r>
+            <a:endParaRPr lang="zh-CN" altLang="en-US"/>
+          </a:p>
+          <a:p>
+            <a:r>
+              <a:rPr lang="zh-CN" altLang="en-US"/>
+              <a:t>	"net/http"</a:t>
+            </a:r>
+            <a:endParaRPr lang="zh-CN" altLang="en-US"/>
+          </a:p>
+          <a:p>
+            <a:r>
+              <a:rPr lang="zh-CN" altLang="en-US"/>
+              <a:t>)</a:t>
+            </a:r>
+            <a:endParaRPr lang="zh-CN" altLang="en-US"/>
+          </a:p>
+          <a:p>
+            <a:endParaRPr lang="zh-CN" altLang="en-US"/>
+          </a:p>
+          <a:p>
+            <a:r>
+              <a:rPr lang="zh-CN" altLang="en-US"/>
+              <a:t>func main() {</a:t>
+            </a:r>
+            <a:endParaRPr lang="zh-CN" altLang="en-US"/>
+          </a:p>
+          <a:p>
+            <a:r>
+              <a:rPr lang="zh-CN" altLang="en-US"/>
+              <a:t>	http.HandleFunc("/", handler) // each request calls handler</a:t>
+            </a:r>
+            <a:endParaRPr lang="zh-CN" altLang="en-US"/>
+          </a:p>
+          <a:p>
+            <a:r>
+              <a:rPr lang="zh-CN" altLang="en-US"/>
+              <a:t>	log.Fatal(http.ListenAndServe("localhost:8000", nil))</a:t>
+            </a:r>
+            <a:endParaRPr lang="zh-CN" altLang="en-US"/>
+          </a:p>
+          <a:p>
+            <a:r>
+              <a:rPr lang="zh-CN" altLang="en-US"/>
+              <a:t>}</a:t>
+            </a:r>
+            <a:endParaRPr lang="zh-CN" altLang="en-US"/>
+          </a:p>
+          <a:p>
+            <a:endParaRPr lang="zh-CN" altLang="en-US"/>
+          </a:p>
+          <a:p>
+            <a:r>
+              <a:rPr lang="zh-CN" altLang="en-US"/>
+              <a:t>// handler echoes the Path component of the requested URL.</a:t>
+            </a:r>
+            <a:endParaRPr lang="zh-CN" altLang="en-US"/>
+          </a:p>
+          <a:p>
+            <a:r>
+              <a:rPr lang="zh-CN" altLang="en-US"/>
+              <a:t>func handler(w http.ResponseWriter, r *http.Request) {</a:t>
+            </a:r>
+            <a:endParaRPr lang="zh-CN" altLang="en-US"/>
+          </a:p>
+          <a:p>
+            <a:r>
+              <a:rPr lang="zh-CN" altLang="en-US"/>
+              <a:t>	fmt.Fprintf(w, "URL.Path = %q\n", r.URL.Path)</a:t>
+            </a:r>
+            <a:endParaRPr lang="zh-CN" altLang="en-US"/>
+          </a:p>
+          <a:p>
+            <a:r>
+              <a:rPr lang="zh-CN" altLang="en-US"/>
+              <a:t>}</a:t>
             </a:r>
             <a:endParaRPr lang="zh-CN" altLang="en-US"/>
           </a:p>
@@ -5213,6 +5501,13 @@
   <p:clrMapOvr>
     <a:masterClrMapping/>
   </p:clrMapOvr>
+  <p:timing>
+    <p:tnLst>
+      <p:par>
+        <p:cTn id="1" dur="indefinite" restart="never" nodeType="tmRoot"/>
+      </p:par>
+    </p:tnLst>
+  </p:timing>
 </p:sld>
 </file>
 
@@ -5228,14 +5523,37 @@
       <p:grpSpPr/>
       <p:sp>
         <p:nvSpPr>
-          <p:cNvPr id="5" name="文本框 4"/>
+          <p:cNvPr id="2" name="标题 1"/>
+          <p:cNvSpPr>
+            <a:spLocks noGrp="1"/>
+          </p:cNvSpPr>
+          <p:nvPr>
+            <p:ph type="title"/>
+          </p:nvPr>
+        </p:nvSpPr>
+        <p:spPr/>
+        <p:txBody>
+          <a:bodyPr/>
+          <a:p>
+            <a:pPr algn="ctr"/>
+            <a:r>
+              <a:rPr lang="zh-CN" altLang="en-US"/>
+              <a:t>Go Variables And Types</a:t>
+            </a:r>
+            <a:endParaRPr lang="zh-CN" altLang="en-US"/>
+          </a:p>
+        </p:txBody>
+      </p:sp>
+      <p:sp>
+        <p:nvSpPr>
+          <p:cNvPr id="4" name="文本框 3"/>
           <p:cNvSpPr txBox="1"/>
           <p:nvPr/>
         </p:nvSpPr>
         <p:spPr>
           <a:xfrm>
-            <a:off x="2216150" y="1052195"/>
-            <a:ext cx="7849870" cy="3657600"/>
+            <a:off x="461010" y="1857375"/>
+            <a:ext cx="2294255" cy="1737360"/>
           </a:xfrm>
           <a:prstGeom prst="rect">
             <a:avLst/>
@@ -5249,104 +5567,398 @@
           <a:p>
             <a:pPr algn="l"/>
             <a:r>
-              <a:rPr lang="zh-CN" altLang="en-US"/>
-              <a:t>Types</a:t>
+              <a:rPr lang="zh-CN" altLang="en-US">
+                <a:sym typeface="+mn-ea"/>
+              </a:rPr>
+              <a:t>var a int</a:t>
             </a:r>
             <a:endParaRPr lang="zh-CN" altLang="en-US"/>
           </a:p>
           <a:p>
             <a:pPr algn="l"/>
             <a:r>
-              <a:rPr lang="zh-CN" altLang="en-US"/>
-              <a:t>    basic data types</a:t>
+              <a:rPr lang="zh-CN" altLang="en-US">
+                <a:sym typeface="+mn-ea"/>
+              </a:rPr>
+              <a:t>a = 3</a:t>
             </a:r>
             <a:endParaRPr lang="zh-CN" altLang="en-US"/>
           </a:p>
           <a:p>
             <a:pPr algn="l"/>
-            <a:r>
-              <a:rPr lang="zh-CN" altLang="en-US"/>
-              <a:t>        int8 int16 int32(rune) int64</a:t>
-            </a:r>
             <a:endParaRPr lang="zh-CN" altLang="en-US"/>
           </a:p>
           <a:p>
             <a:pPr algn="l"/>
             <a:r>
-              <a:rPr lang="zh-CN" altLang="en-US"/>
-              <a:t>        uint8 uint16 unit32 unit64</a:t>
+              <a:rPr lang="zh-CN" altLang="en-US">
+                <a:sym typeface="+mn-ea"/>
+              </a:rPr>
+              <a:t>var a = 3</a:t>
             </a:r>
             <a:endParaRPr lang="zh-CN" altLang="en-US"/>
           </a:p>
           <a:p>
             <a:pPr algn="l"/>
-            <a:r>
-              <a:rPr lang="zh-CN" altLang="en-US"/>
-              <a:t>        float32 float64</a:t>
-            </a:r>
             <a:endParaRPr lang="zh-CN" altLang="en-US"/>
           </a:p>
           <a:p>
             <a:pPr algn="l"/>
             <a:r>
-              <a:rPr lang="zh-CN" altLang="en-US"/>
-              <a:t>        complex64 complex128</a:t>
-            </a:r>
-            <a:endParaRPr lang="zh-CN" altLang="en-US"/>
-          </a:p>
+              <a:rPr lang="zh-CN" altLang="en-US">
+                <a:sym typeface="+mn-ea"/>
+              </a:rPr>
+              <a:t>a := 3</a:t>
+            </a:r>
+            <a:endParaRPr lang="zh-CN" altLang="en-US"/>
+          </a:p>
+        </p:txBody>
+      </p:sp>
+      <p:sp>
+        <p:nvSpPr>
+          <p:cNvPr id="5" name="文本框 4"/>
+          <p:cNvSpPr txBox="1"/>
+          <p:nvPr/>
+        </p:nvSpPr>
+        <p:spPr>
+          <a:xfrm>
+            <a:off x="2951480" y="1880870"/>
+            <a:ext cx="2540000" cy="1737360"/>
+          </a:xfrm>
+          <a:prstGeom prst="rect">
+            <a:avLst/>
+          </a:prstGeom>
+          <a:noFill/>
+        </p:spPr>
+        <p:txBody>
+          <a:bodyPr wrap="square" rtlCol="0" anchor="t">
+            <a:spAutoFit/>
+          </a:bodyPr>
           <a:p>
             <a:pPr algn="l"/>
             <a:r>
-              <a:rPr lang="zh-CN" altLang="en-US"/>
-              <a:t>            var x complex128 = complex(1, 2)</a:t>
+              <a:rPr lang="zh-CN" altLang="en-US">
+                <a:sym typeface="+mn-ea"/>
+              </a:rPr>
+              <a:t>x := 1</a:t>
             </a:r>
             <a:endParaRPr lang="zh-CN" altLang="en-US"/>
           </a:p>
           <a:p>
             <a:pPr algn="l"/>
             <a:r>
-              <a:rPr lang="zh-CN" altLang="en-US"/>
-              <a:t>        bool</a:t>
+              <a:rPr lang="zh-CN" altLang="en-US">
+                <a:sym typeface="+mn-ea"/>
+              </a:rPr>
+              <a:t>p := &amp;x</a:t>
             </a:r>
             <a:endParaRPr lang="zh-CN" altLang="en-US"/>
           </a:p>
           <a:p>
             <a:pPr algn="l"/>
             <a:r>
-              <a:rPr lang="zh-CN" altLang="en-US"/>
-              <a:t>        string</a:t>
-            </a:r>
-            <a:endParaRPr lang="zh-CN" altLang="en-US"/>
+              <a:rPr lang="zh-CN" altLang="en-US">
+                <a:sym typeface="+mn-ea"/>
+              </a:rPr>
+              <a:t>fmt.Println(*p) // "1"</a:t>
+            </a:r>
+            <a:endParaRPr lang="zh-CN" altLang="en-US">
+              <a:sym typeface="+mn-ea"/>
+            </a:endParaRPr>
           </a:p>
           <a:p>
             <a:pPr algn="l"/>
-            <a:r>
-              <a:rPr lang="zh-CN" altLang="en-US"/>
-              <a:t>            s := "hello, world"</a:t>
-            </a:r>
             <a:endParaRPr lang="zh-CN" altLang="en-US"/>
           </a:p>
           <a:p>
             <a:pPr algn="l"/>
             <a:r>
-              <a:rPr lang="zh-CN" altLang="en-US"/>
-              <a:t>            fmt.Println(len(s))</a:t>
+              <a:rPr lang="zh-CN" altLang="en-US">
+                <a:sym typeface="+mn-ea"/>
+              </a:rPr>
+              <a:t>*p = 2</a:t>
             </a:r>
             <a:endParaRPr lang="zh-CN" altLang="en-US"/>
           </a:p>
           <a:p>
             <a:pPr algn="l"/>
             <a:r>
-              <a:rPr lang="zh-CN" altLang="en-US"/>
-              <a:t>            fmt.Println(s[0], s[7])  // "104, 119" ('h' and 'w')</a:t>
-            </a:r>
-            <a:endParaRPr lang="zh-CN" altLang="en-US"/>
-          </a:p>
+              <a:rPr lang="zh-CN" altLang="en-US">
+                <a:sym typeface="+mn-ea"/>
+              </a:rPr>
+              <a:t>fmt.Println(*p) // "2"</a:t>
+            </a:r>
+            <a:endParaRPr lang="zh-CN" altLang="en-US"/>
+          </a:p>
+        </p:txBody>
+      </p:sp>
+      <p:sp>
+        <p:nvSpPr>
+          <p:cNvPr id="6" name="文本框 5"/>
+          <p:cNvSpPr txBox="1"/>
+          <p:nvPr/>
+        </p:nvSpPr>
+        <p:spPr>
+          <a:xfrm>
+            <a:off x="6104890" y="1809750"/>
+            <a:ext cx="5713730" cy="1737360"/>
+          </a:xfrm>
+          <a:prstGeom prst="rect">
+            <a:avLst/>
+          </a:prstGeom>
+          <a:noFill/>
+        </p:spPr>
+        <p:txBody>
+          <a:bodyPr wrap="square" rtlCol="0" anchor="t">
+            <a:spAutoFit/>
+          </a:bodyPr>
           <a:p>
             <a:pPr algn="l"/>
             <a:r>
-              <a:rPr lang="zh-CN" altLang="en-US"/>
-              <a:t>            fmt.Println(s[0:5] // "hello"</a:t>
+              <a:rPr lang="zh-CN" altLang="en-US">
+                <a:sym typeface="+mn-ea"/>
+              </a:rPr>
+              <a:t>s := "hello, world"</a:t>
+            </a:r>
+            <a:endParaRPr lang="zh-CN" altLang="en-US">
+              <a:sym typeface="+mn-ea"/>
+            </a:endParaRPr>
+          </a:p>
+          <a:p>
+            <a:pPr algn="l"/>
+            <a:endParaRPr lang="zh-CN" altLang="en-US"/>
+          </a:p>
+          <a:p>
+            <a:pPr algn="l"/>
+            <a:r>
+              <a:rPr lang="zh-CN" altLang="en-US">
+                <a:sym typeface="+mn-ea"/>
+              </a:rPr>
+              <a:t>fmt.Println(len(s))</a:t>
+            </a:r>
+            <a:endParaRPr lang="zh-CN" altLang="en-US"/>
+          </a:p>
+          <a:p>
+            <a:pPr algn="l"/>
+            <a:r>
+              <a:rPr lang="zh-CN" altLang="en-US">
+                <a:sym typeface="+mn-ea"/>
+              </a:rPr>
+              <a:t>fmt.Println(s[0], s[7])  // "104, 119" ('h' and 'w')</a:t>
+            </a:r>
+            <a:endParaRPr lang="zh-CN" altLang="en-US">
+              <a:sym typeface="+mn-ea"/>
+            </a:endParaRPr>
+          </a:p>
+          <a:p>
+            <a:pPr algn="l"/>
+            <a:endParaRPr lang="x-none" altLang="zh-CN"/>
+          </a:p>
+          <a:p>
+            <a:pPr algn="l"/>
+            <a:r>
+              <a:rPr lang="zh-CN" altLang="en-US">
+                <a:sym typeface="+mn-ea"/>
+              </a:rPr>
+              <a:t>fmt.Println(s[0:5] // "hello"</a:t>
+            </a:r>
+            <a:endParaRPr lang="zh-CN" altLang="en-US"/>
+          </a:p>
+        </p:txBody>
+      </p:sp>
+      <p:sp>
+        <p:nvSpPr>
+          <p:cNvPr id="7" name="文本框 6"/>
+          <p:cNvSpPr txBox="1"/>
+          <p:nvPr/>
+        </p:nvSpPr>
+        <p:spPr>
+          <a:xfrm>
+            <a:off x="477520" y="4175125"/>
+            <a:ext cx="2280920" cy="1463040"/>
+          </a:xfrm>
+          <a:prstGeom prst="rect">
+            <a:avLst/>
+          </a:prstGeom>
+          <a:noFill/>
+        </p:spPr>
+        <p:txBody>
+          <a:bodyPr wrap="square" rtlCol="0" anchor="t">
+            <a:spAutoFit/>
+          </a:bodyPr>
+          <a:p>
+            <a:r>
+              <a:rPr lang="zh-CN" altLang="en-US">
+                <a:sym typeface="+mn-ea"/>
+              </a:rPr>
+              <a:t>array</a:t>
+            </a:r>
+            <a:endParaRPr lang="zh-CN" altLang="en-US">
+              <a:sym typeface="+mn-ea"/>
+            </a:endParaRPr>
+          </a:p>
+          <a:p>
+            <a:endParaRPr lang="zh-CN" altLang="en-US"/>
+          </a:p>
+          <a:p>
+            <a:r>
+              <a:rPr lang="zh-CN" altLang="en-US">
+                <a:sym typeface="+mn-ea"/>
+              </a:rPr>
+              <a:t>var a [3] int</a:t>
+            </a:r>
+            <a:endParaRPr lang="zh-CN" altLang="en-US"/>
+          </a:p>
+          <a:p>
+            <a:r>
+              <a:rPr lang="zh-CN" altLang="en-US">
+                <a:sym typeface="+mn-ea"/>
+              </a:rPr>
+              <a:t>            fmt.Println(a[0])</a:t>
+            </a:r>
+            <a:endParaRPr lang="zh-CN" altLang="en-US"/>
+          </a:p>
+        </p:txBody>
+      </p:sp>
+      <p:sp>
+        <p:nvSpPr>
+          <p:cNvPr id="8" name="文本框 7"/>
+          <p:cNvSpPr txBox="1"/>
+          <p:nvPr/>
+        </p:nvSpPr>
+        <p:spPr>
+          <a:xfrm>
+            <a:off x="2860675" y="4089400"/>
+            <a:ext cx="3230880" cy="1737360"/>
+          </a:xfrm>
+          <a:prstGeom prst="rect">
+            <a:avLst/>
+          </a:prstGeom>
+          <a:noFill/>
+        </p:spPr>
+        <p:txBody>
+          <a:bodyPr wrap="square" rtlCol="0" anchor="t">
+            <a:spAutoFit/>
+          </a:bodyPr>
+          <a:p>
+            <a:r>
+              <a:rPr lang="zh-CN" altLang="en-US">
+                <a:sym typeface="+mn-ea"/>
+              </a:rPr>
+              <a:t> slices</a:t>
+            </a:r>
+            <a:endParaRPr lang="zh-CN" altLang="en-US">
+              <a:sym typeface="+mn-ea"/>
+            </a:endParaRPr>
+          </a:p>
+          <a:p>
+            <a:endParaRPr lang="zh-CN" altLang="en-US"/>
+          </a:p>
+          <a:p>
+            <a:r>
+              <a:rPr lang="zh-CN" altLang="en-US">
+                <a:sym typeface="+mn-ea"/>
+              </a:rPr>
+              <a:t> var x []int</a:t>
+            </a:r>
+            <a:endParaRPr lang="zh-CN" altLang="en-US"/>
+          </a:p>
+          <a:p>
+            <a:r>
+              <a:rPr lang="zh-CN" altLang="en-US">
+                <a:sym typeface="+mn-ea"/>
+              </a:rPr>
+              <a:t> x = append(x, 1)</a:t>
+            </a:r>
+            <a:endParaRPr lang="zh-CN" altLang="en-US"/>
+          </a:p>
+          <a:p>
+            <a:r>
+              <a:rPr lang="zh-CN" altLang="en-US">
+                <a:sym typeface="+mn-ea"/>
+              </a:rPr>
+              <a:t> x = append(x, 2, 3)</a:t>
+            </a:r>
+            <a:endParaRPr lang="zh-CN" altLang="en-US"/>
+          </a:p>
+          <a:p>
+            <a:r>
+              <a:rPr lang="zh-CN" altLang="en-US">
+                <a:sym typeface="+mn-ea"/>
+              </a:rPr>
+              <a:t> fmt.Println(x) // "[1, 2, 3]"</a:t>
+            </a:r>
+            <a:endParaRPr lang="zh-CN" altLang="en-US"/>
+          </a:p>
+        </p:txBody>
+      </p:sp>
+      <p:sp>
+        <p:nvSpPr>
+          <p:cNvPr id="9" name="文本框 8"/>
+          <p:cNvSpPr txBox="1"/>
+          <p:nvPr/>
+        </p:nvSpPr>
+        <p:spPr>
+          <a:xfrm>
+            <a:off x="6217285" y="4103370"/>
+            <a:ext cx="5485130" cy="1737360"/>
+          </a:xfrm>
+          <a:prstGeom prst="rect">
+            <a:avLst/>
+          </a:prstGeom>
+          <a:noFill/>
+        </p:spPr>
+        <p:txBody>
+          <a:bodyPr wrap="square" rtlCol="0" anchor="t">
+            <a:spAutoFit/>
+          </a:bodyPr>
+          <a:p>
+            <a:r>
+              <a:rPr lang="zh-CN" altLang="en-US">
+                <a:sym typeface="+mn-ea"/>
+              </a:rPr>
+              <a:t>maps</a:t>
+            </a:r>
+            <a:endParaRPr lang="zh-CN" altLang="en-US"/>
+          </a:p>
+          <a:p>
+            <a:endParaRPr lang="zh-CN" altLang="en-US">
+              <a:sym typeface="+mn-ea"/>
+            </a:endParaRPr>
+          </a:p>
+          <a:p>
+            <a:r>
+              <a:rPr lang="zh-CN" altLang="en-US">
+                <a:sym typeface="+mn-ea"/>
+              </a:rPr>
+              <a:t>var ages map[string]int</a:t>
+            </a:r>
+            <a:endParaRPr lang="zh-CN" altLang="en-US"/>
+          </a:p>
+          <a:p>
+            <a:r>
+              <a:rPr lang="zh-CN" altLang="en-US">
+                <a:sym typeface="+mn-ea"/>
+              </a:rPr>
+              <a:t>fmt.Println(ages == nil) // "true"</a:t>
+            </a:r>
+            <a:endParaRPr lang="zh-CN" altLang="en-US"/>
+          </a:p>
+          <a:p>
+            <a:r>
+              <a:rPr lang="zh-CN" altLang="en-US">
+                <a:sym typeface="+mn-ea"/>
+              </a:rPr>
+              <a:t>ages = make(map[string]int)</a:t>
+            </a:r>
+            <a:endParaRPr lang="zh-CN" altLang="en-US"/>
+          </a:p>
+          <a:p>
+            <a:r>
+              <a:rPr lang="zh-CN" altLang="en-US">
+                <a:sym typeface="+mn-ea"/>
+              </a:rPr>
+              <a:t>ages["bowen"] = 24</a:t>
             </a:r>
             <a:endParaRPr lang="zh-CN" altLang="en-US"/>
           </a:p>
@@ -5357,6 +5969,368 @@
   <p:clrMapOvr>
     <a:masterClrMapping/>
   </p:clrMapOvr>
+  <p:timing>
+    <p:tnLst>
+      <p:par>
+        <p:cTn id="1" dur="indefinite" restart="never" nodeType="tmRoot">
+          <p:childTnLst>
+            <p:seq concurrent="1" nextAc="seek">
+              <p:cTn id="2" dur="indefinite" nodeType="mainSeq">
+                <p:childTnLst>
+                  <p:par>
+                    <p:cTn id="3" fill="hold">
+                      <p:stCondLst>
+                        <p:cond delay="indefinite"/>
+                      </p:stCondLst>
+                      <p:childTnLst>
+                        <p:par>
+                          <p:cTn id="4" fill="hold">
+                            <p:stCondLst>
+                              <p:cond delay="0"/>
+                            </p:stCondLst>
+                            <p:childTnLst>
+                              <p:par>
+                                <p:cTn id="5" presetID="3" presetClass="entr" presetSubtype="10" fill="hold" grpId="0" nodeType="clickEffect">
+                                  <p:stCondLst>
+                                    <p:cond delay="0"/>
+                                  </p:stCondLst>
+                                  <p:childTnLst>
+                                    <p:set>
+                                      <p:cBhvr>
+                                        <p:cTn id="6" dur="1" fill="hold">
+                                          <p:stCondLst>
+                                            <p:cond delay="0"/>
+                                          </p:stCondLst>
+                                        </p:cTn>
+                                        <p:tgtEl>
+                                          <p:spTgt spid="6"/>
+                                        </p:tgtEl>
+                                        <p:attrNameLst>
+                                          <p:attrName>style.visibility</p:attrName>
+                                        </p:attrNameLst>
+                                      </p:cBhvr>
+                                      <p:to>
+                                        <p:strVal val="visible"/>
+                                      </p:to>
+                                    </p:set>
+                                    <p:animEffect transition="in" filter="blinds(horizontal)">
+                                      <p:cBhvr>
+                                        <p:cTn id="7" dur="500"/>
+                                        <p:tgtEl>
+                                          <p:spTgt spid="6"/>
+                                        </p:tgtEl>
+                                      </p:cBhvr>
+                                    </p:animEffect>
+                                  </p:childTnLst>
+                                </p:cTn>
+                              </p:par>
+                            </p:childTnLst>
+                          </p:cTn>
+                        </p:par>
+                      </p:childTnLst>
+                    </p:cTn>
+                  </p:par>
+                  <p:par>
+                    <p:cTn id="8" fill="hold">
+                      <p:stCondLst>
+                        <p:cond delay="indefinite"/>
+                      </p:stCondLst>
+                      <p:childTnLst>
+                        <p:par>
+                          <p:cTn id="9" fill="hold">
+                            <p:stCondLst>
+                              <p:cond delay="0"/>
+                            </p:stCondLst>
+                            <p:childTnLst>
+                              <p:par>
+                                <p:cTn id="10" presetID="2" presetClass="entr" presetSubtype="4" fill="hold" grpId="0" nodeType="clickEffect">
+                                  <p:stCondLst>
+                                    <p:cond delay="0"/>
+                                  </p:stCondLst>
+                                  <p:childTnLst>
+                                    <p:set>
+                                      <p:cBhvr>
+                                        <p:cTn id="11" dur="1" fill="hold">
+                                          <p:stCondLst>
+                                            <p:cond delay="0"/>
+                                          </p:stCondLst>
+                                        </p:cTn>
+                                        <p:tgtEl>
+                                          <p:spTgt spid="7"/>
+                                        </p:tgtEl>
+                                        <p:attrNameLst>
+                                          <p:attrName>style.visibility</p:attrName>
+                                        </p:attrNameLst>
+                                      </p:cBhvr>
+                                      <p:to>
+                                        <p:strVal val="visible"/>
+                                      </p:to>
+                                    </p:set>
+                                    <p:anim calcmode="lin" valueType="num">
+                                      <p:cBhvr additive="base">
+                                        <p:cTn id="12" dur="500" fill="hold"/>
+                                        <p:tgtEl>
+                                          <p:spTgt spid="7"/>
+                                        </p:tgtEl>
+                                        <p:attrNameLst>
+                                          <p:attrName>ppt_x</p:attrName>
+                                        </p:attrNameLst>
+                                      </p:cBhvr>
+                                      <p:tavLst>
+                                        <p:tav tm="0">
+                                          <p:val>
+                                            <p:strVal val="#ppt_x"/>
+                                          </p:val>
+                                        </p:tav>
+                                        <p:tav tm="100000">
+                                          <p:val>
+                                            <p:strVal val="#ppt_x"/>
+                                          </p:val>
+                                        </p:tav>
+                                      </p:tavLst>
+                                    </p:anim>
+                                    <p:anim calcmode="lin" valueType="num">
+                                      <p:cBhvr additive="base">
+                                        <p:cTn id="13" dur="500" fill="hold"/>
+                                        <p:tgtEl>
+                                          <p:spTgt spid="7"/>
+                                        </p:tgtEl>
+                                        <p:attrNameLst>
+                                          <p:attrName>ppt_y</p:attrName>
+                                        </p:attrNameLst>
+                                      </p:cBhvr>
+                                      <p:tavLst>
+                                        <p:tav tm="0">
+                                          <p:val>
+                                            <p:strVal val="1+#ppt_h/2"/>
+                                          </p:val>
+                                        </p:tav>
+                                        <p:tav tm="100000">
+                                          <p:val>
+                                            <p:strVal val="#ppt_y"/>
+                                          </p:val>
+                                        </p:tav>
+                                      </p:tavLst>
+                                    </p:anim>
+                                  </p:childTnLst>
+                                </p:cTn>
+                              </p:par>
+                            </p:childTnLst>
+                          </p:cTn>
+                        </p:par>
+                      </p:childTnLst>
+                    </p:cTn>
+                  </p:par>
+                  <p:par>
+                    <p:cTn id="14" fill="hold">
+                      <p:stCondLst>
+                        <p:cond delay="indefinite"/>
+                      </p:stCondLst>
+                      <p:childTnLst>
+                        <p:par>
+                          <p:cTn id="15" fill="hold">
+                            <p:stCondLst>
+                              <p:cond delay="0"/>
+                            </p:stCondLst>
+                            <p:childTnLst>
+                              <p:par>
+                                <p:cTn id="16" presetID="2" presetClass="entr" presetSubtype="4" fill="hold" grpId="0" nodeType="clickEffect">
+                                  <p:stCondLst>
+                                    <p:cond delay="0"/>
+                                  </p:stCondLst>
+                                  <p:childTnLst>
+                                    <p:set>
+                                      <p:cBhvr>
+                                        <p:cTn id="17" dur="1" fill="hold">
+                                          <p:stCondLst>
+                                            <p:cond delay="0"/>
+                                          </p:stCondLst>
+                                        </p:cTn>
+                                        <p:tgtEl>
+                                          <p:spTgt spid="8"/>
+                                        </p:tgtEl>
+                                        <p:attrNameLst>
+                                          <p:attrName>style.visibility</p:attrName>
+                                        </p:attrNameLst>
+                                      </p:cBhvr>
+                                      <p:to>
+                                        <p:strVal val="visible"/>
+                                      </p:to>
+                                    </p:set>
+                                    <p:anim calcmode="lin" valueType="num">
+                                      <p:cBhvr additive="base">
+                                        <p:cTn id="18" dur="500" fill="hold"/>
+                                        <p:tgtEl>
+                                          <p:spTgt spid="8"/>
+                                        </p:tgtEl>
+                                        <p:attrNameLst>
+                                          <p:attrName>ppt_x</p:attrName>
+                                        </p:attrNameLst>
+                                      </p:cBhvr>
+                                      <p:tavLst>
+                                        <p:tav tm="0">
+                                          <p:val>
+                                            <p:strVal val="#ppt_x"/>
+                                          </p:val>
+                                        </p:tav>
+                                        <p:tav tm="100000">
+                                          <p:val>
+                                            <p:strVal val="#ppt_x"/>
+                                          </p:val>
+                                        </p:tav>
+                                      </p:tavLst>
+                                    </p:anim>
+                                    <p:anim calcmode="lin" valueType="num">
+                                      <p:cBhvr additive="base">
+                                        <p:cTn id="19" dur="500" fill="hold"/>
+                                        <p:tgtEl>
+                                          <p:spTgt spid="8"/>
+                                        </p:tgtEl>
+                                        <p:attrNameLst>
+                                          <p:attrName>ppt_y</p:attrName>
+                                        </p:attrNameLst>
+                                      </p:cBhvr>
+                                      <p:tavLst>
+                                        <p:tav tm="0">
+                                          <p:val>
+                                            <p:strVal val="1+#ppt_h/2"/>
+                                          </p:val>
+                                        </p:tav>
+                                        <p:tav tm="100000">
+                                          <p:val>
+                                            <p:strVal val="#ppt_y"/>
+                                          </p:val>
+                                        </p:tav>
+                                      </p:tavLst>
+                                    </p:anim>
+                                  </p:childTnLst>
+                                </p:cTn>
+                              </p:par>
+                            </p:childTnLst>
+                          </p:cTn>
+                        </p:par>
+                      </p:childTnLst>
+                    </p:cTn>
+                  </p:par>
+                  <p:par>
+                    <p:cTn id="20" fill="hold">
+                      <p:stCondLst>
+                        <p:cond delay="indefinite"/>
+                      </p:stCondLst>
+                      <p:childTnLst>
+                        <p:par>
+                          <p:cTn id="21" fill="hold">
+                            <p:stCondLst>
+                              <p:cond delay="0"/>
+                            </p:stCondLst>
+                            <p:childTnLst>
+                              <p:par>
+                                <p:cTn id="22" presetID="2" presetClass="entr" presetSubtype="4" fill="hold" grpId="0" nodeType="clickEffect">
+                                  <p:stCondLst>
+                                    <p:cond delay="0"/>
+                                  </p:stCondLst>
+                                  <p:childTnLst>
+                                    <p:set>
+                                      <p:cBhvr>
+                                        <p:cTn id="23" dur="1" fill="hold">
+                                          <p:stCondLst>
+                                            <p:cond delay="0"/>
+                                          </p:stCondLst>
+                                        </p:cTn>
+                                        <p:tgtEl>
+                                          <p:spTgt spid="9"/>
+                                        </p:tgtEl>
+                                        <p:attrNameLst>
+                                          <p:attrName>style.visibility</p:attrName>
+                                        </p:attrNameLst>
+                                      </p:cBhvr>
+                                      <p:to>
+                                        <p:strVal val="visible"/>
+                                      </p:to>
+                                    </p:set>
+                                    <p:anim calcmode="lin" valueType="num">
+                                      <p:cBhvr additive="base">
+                                        <p:cTn id="24" dur="500" fill="hold"/>
+                                        <p:tgtEl>
+                                          <p:spTgt spid="9"/>
+                                        </p:tgtEl>
+                                        <p:attrNameLst>
+                                          <p:attrName>ppt_x</p:attrName>
+                                        </p:attrNameLst>
+                                      </p:cBhvr>
+                                      <p:tavLst>
+                                        <p:tav tm="0">
+                                          <p:val>
+                                            <p:strVal val="#ppt_x"/>
+                                          </p:val>
+                                        </p:tav>
+                                        <p:tav tm="100000">
+                                          <p:val>
+                                            <p:strVal val="#ppt_x"/>
+                                          </p:val>
+                                        </p:tav>
+                                      </p:tavLst>
+                                    </p:anim>
+                                    <p:anim calcmode="lin" valueType="num">
+                                      <p:cBhvr additive="base">
+                                        <p:cTn id="25" dur="500" fill="hold"/>
+                                        <p:tgtEl>
+                                          <p:spTgt spid="9"/>
+                                        </p:tgtEl>
+                                        <p:attrNameLst>
+                                          <p:attrName>ppt_y</p:attrName>
+                                        </p:attrNameLst>
+                                      </p:cBhvr>
+                                      <p:tavLst>
+                                        <p:tav tm="0">
+                                          <p:val>
+                                            <p:strVal val="1+#ppt_h/2"/>
+                                          </p:val>
+                                        </p:tav>
+                                        <p:tav tm="100000">
+                                          <p:val>
+                                            <p:strVal val="#ppt_y"/>
+                                          </p:val>
+                                        </p:tav>
+                                      </p:tavLst>
+                                    </p:anim>
+                                  </p:childTnLst>
+                                </p:cTn>
+                              </p:par>
+                            </p:childTnLst>
+                          </p:cTn>
+                        </p:par>
+                      </p:childTnLst>
+                    </p:cTn>
+                  </p:par>
+                </p:childTnLst>
+              </p:cTn>
+              <p:prevCondLst>
+                <p:cond evt="onPrev" delay="0">
+                  <p:tgtEl>
+                    <p:sldTgt/>
+                  </p:tgtEl>
+                </p:cond>
+              </p:prevCondLst>
+              <p:nextCondLst>
+                <p:cond evt="onNext" delay="0">
+                  <p:tgtEl>
+                    <p:sldTgt/>
+                  </p:tgtEl>
+                </p:cond>
+              </p:nextCondLst>
+            </p:seq>
+          </p:childTnLst>
+        </p:cTn>
+      </p:par>
+    </p:tnLst>
+    <p:bldLst>
+      <p:bldP spid="6" grpId="0"/>
+      <p:bldP spid="7" grpId="0"/>
+      <p:bldP spid="8" grpId="0"/>
+      <p:bldP spid="9" grpId="0"/>
+    </p:bldLst>
+  </p:timing>
 </p:sld>
 </file>
 
@@ -5372,14 +6346,14 @@
       <p:grpSpPr/>
       <p:sp>
         <p:nvSpPr>
-          <p:cNvPr id="5" name="文本框 4"/>
+          <p:cNvPr id="3" name="文本框 2"/>
           <p:cNvSpPr txBox="1"/>
           <p:nvPr/>
         </p:nvSpPr>
         <p:spPr>
           <a:xfrm>
-            <a:off x="2243455" y="1221105"/>
-            <a:ext cx="7647940" cy="4754880"/>
+            <a:off x="400685" y="285750"/>
+            <a:ext cx="4088765" cy="4206240"/>
           </a:xfrm>
           <a:prstGeom prst="rect">
             <a:avLst/>
@@ -5392,119 +6366,263 @@
           </a:bodyPr>
           <a:p>
             <a:r>
-              <a:rPr lang="zh-CN" altLang="en-US">
-                <a:sym typeface="+mn-ea"/>
-              </a:rPr>
-              <a:t>Types</a:t>
-            </a:r>
-            <a:r>
-              <a:rPr lang="zh-CN" altLang="en-US"/>
-              <a:t>    </a:t>
-            </a:r>
-            <a:endParaRPr lang="zh-CN" altLang="en-US"/>
-          </a:p>
-          <a:p>
-            <a:r>
-              <a:rPr lang="zh-CN" altLang="en-US"/>
-              <a:t>    composite types</a:t>
-            </a:r>
-            <a:endParaRPr lang="zh-CN" altLang="en-US"/>
-          </a:p>
-          <a:p>
-            <a:r>
-              <a:rPr lang="zh-CN" altLang="en-US"/>
-              <a:t>        array</a:t>
-            </a:r>
-            <a:endParaRPr lang="zh-CN" altLang="en-US"/>
-          </a:p>
-          <a:p>
-            <a:r>
-              <a:rPr lang="zh-CN" altLang="en-US"/>
-              <a:t>            var a [3] int</a:t>
-            </a:r>
-            <a:endParaRPr lang="zh-CN" altLang="en-US"/>
-          </a:p>
-          <a:p>
-            <a:r>
-              <a:rPr lang="zh-CN" altLang="en-US"/>
-              <a:t>            fmt.Println(a[0])</a:t>
-            </a:r>
-            <a:endParaRPr lang="zh-CN" altLang="en-US"/>
-          </a:p>
-          <a:p>
-            <a:r>
-              <a:rPr lang="zh-CN" altLang="en-US"/>
-              <a:t>        slices</a:t>
-            </a:r>
-            <a:endParaRPr lang="zh-CN" altLang="en-US"/>
-          </a:p>
-          <a:p>
-            <a:r>
-              <a:rPr lang="zh-CN" altLang="en-US"/>
-              <a:t>            var x []int</a:t>
-            </a:r>
-            <a:endParaRPr lang="zh-CN" altLang="en-US"/>
-          </a:p>
-          <a:p>
-            <a:r>
-              <a:rPr lang="zh-CN" altLang="en-US"/>
-              <a:t>            x = append(x, 1)</a:t>
-            </a:r>
-            <a:endParaRPr lang="zh-CN" altLang="en-US"/>
-          </a:p>
-          <a:p>
-            <a:r>
-              <a:rPr lang="zh-CN" altLang="en-US"/>
-              <a:t>            x = append(x, 2, 3)</a:t>
-            </a:r>
-            <a:endParaRPr lang="zh-CN" altLang="en-US"/>
-          </a:p>
-          <a:p>
-            <a:r>
-              <a:rPr lang="zh-CN" altLang="en-US"/>
-              <a:t>            fmt.Println(x) // "[1, 2, 3]"</a:t>
-            </a:r>
-            <a:endParaRPr lang="zh-CN" altLang="en-US"/>
-          </a:p>
-          <a:p>
-            <a:r>
-              <a:rPr lang="zh-CN" altLang="en-US"/>
-              <a:t>        maps</a:t>
-            </a:r>
-            <a:endParaRPr lang="zh-CN" altLang="en-US"/>
-          </a:p>
-          <a:p>
-            <a:r>
-              <a:rPr lang="zh-CN" altLang="en-US"/>
-              <a:t>            var ages map[string]int</a:t>
-            </a:r>
-            <a:endParaRPr lang="zh-CN" altLang="en-US"/>
-          </a:p>
-          <a:p>
-            <a:r>
-              <a:rPr lang="zh-CN" altLang="en-US"/>
-              <a:t>            fmt.Println(ages == nil) // "true"</a:t>
-            </a:r>
-            <a:endParaRPr lang="zh-CN" altLang="en-US"/>
-          </a:p>
-          <a:p>
-            <a:r>
-              <a:rPr lang="zh-CN" altLang="en-US"/>
-              <a:t>            ages = make(map[string]int)</a:t>
-            </a:r>
-            <a:endParaRPr lang="zh-CN" altLang="en-US"/>
-          </a:p>
-          <a:p>
-            <a:r>
-              <a:rPr lang="zh-CN" altLang="en-US"/>
-              <a:t>            ages["bowen"] = 24</a:t>
-            </a:r>
-            <a:endParaRPr lang="zh-CN" altLang="en-US"/>
-          </a:p>
-          <a:p>
-            <a:endParaRPr lang="zh-CN" altLang="en-US"/>
-          </a:p>
-          <a:p>
+              <a:rPr lang="zh-CN" altLang="en-US"/>
+              <a:t>import "fmt"</a:t>
+            </a:r>
+            <a:endParaRPr lang="zh-CN" altLang="en-US"/>
+          </a:p>
+          <a:p>
+            <a:endParaRPr lang="zh-CN" altLang="en-US"/>
+          </a:p>
+          <a:p>
+            <a:r>
+              <a:rPr lang="zh-CN" altLang="en-US"/>
+              <a:t>type Point struct{</a:t>
+            </a:r>
+            <a:endParaRPr lang="zh-CN" altLang="en-US"/>
+          </a:p>
+          <a:p>
+            <a:r>
+              <a:rPr lang="zh-CN" altLang="en-US"/>
+              <a:t> </a:t>
+            </a:r>
+            <a:r>
+              <a:rPr lang="x-none" altLang="zh-CN"/>
+              <a:t>	</a:t>
+            </a:r>
+            <a:r>
+              <a:rPr lang="zh-CN" altLang="en-US"/>
+              <a:t>X, Y int </a:t>
+            </a:r>
+            <a:endParaRPr lang="zh-CN" altLang="en-US"/>
+          </a:p>
+          <a:p>
+            <a:r>
+              <a:rPr lang="zh-CN" altLang="en-US"/>
+              <a:t>}</a:t>
+            </a:r>
+            <a:endParaRPr lang="zh-CN" altLang="en-US"/>
+          </a:p>
+          <a:p>
+            <a:endParaRPr lang="zh-CN" altLang="en-US"/>
+          </a:p>
+          <a:p>
+            <a:r>
+              <a:rPr lang="zh-CN" altLang="en-US"/>
+              <a:t>type Circle struct {</a:t>
+            </a:r>
+            <a:endParaRPr lang="zh-CN" altLang="en-US"/>
+          </a:p>
+          <a:p>
+            <a:r>
+              <a:rPr lang="zh-CN" altLang="en-US"/>
+              <a:t>	Point</a:t>
+            </a:r>
+            <a:endParaRPr lang="zh-CN" altLang="en-US"/>
+          </a:p>
+          <a:p>
+            <a:r>
+              <a:rPr lang="zh-CN" altLang="en-US"/>
+              <a:t>	Radius int</a:t>
+            </a:r>
+            <a:endParaRPr lang="zh-CN" altLang="en-US"/>
+          </a:p>
+          <a:p>
+            <a:r>
+              <a:rPr lang="zh-CN" altLang="en-US"/>
+              <a:t>}</a:t>
+            </a:r>
+            <a:endParaRPr lang="zh-CN" altLang="en-US"/>
+          </a:p>
+          <a:p>
+            <a:endParaRPr lang="zh-CN" altLang="en-US"/>
+          </a:p>
+          <a:p>
+            <a:r>
+              <a:rPr lang="zh-CN" altLang="en-US"/>
+              <a:t>type Wheel struct {</a:t>
+            </a:r>
+            <a:endParaRPr lang="zh-CN" altLang="en-US"/>
+          </a:p>
+          <a:p>
+            <a:r>
+              <a:rPr lang="zh-CN" altLang="en-US"/>
+              <a:t>	Circle</a:t>
+            </a:r>
+            <a:endParaRPr lang="zh-CN" altLang="en-US"/>
+          </a:p>
+          <a:p>
+            <a:r>
+              <a:rPr lang="zh-CN" altLang="en-US"/>
+              <a:t>	Spokes int</a:t>
+            </a:r>
+            <a:endParaRPr lang="zh-CN" altLang="en-US"/>
+          </a:p>
+          <a:p>
+            <a:r>
+              <a:rPr lang="zh-CN" altLang="en-US"/>
+              <a:t>}</a:t>
+            </a:r>
+            <a:endParaRPr lang="zh-CN" altLang="en-US"/>
+          </a:p>
+        </p:txBody>
+      </p:sp>
+      <p:sp>
+        <p:nvSpPr>
+          <p:cNvPr id="4" name="文本框 3"/>
+          <p:cNvSpPr txBox="1"/>
+          <p:nvPr/>
+        </p:nvSpPr>
+        <p:spPr>
+          <a:xfrm>
+            <a:off x="4600575" y="262255"/>
+            <a:ext cx="7355840" cy="6675120"/>
+          </a:xfrm>
+          <a:prstGeom prst="rect">
+            <a:avLst/>
+          </a:prstGeom>
+          <a:noFill/>
+        </p:spPr>
+        <p:txBody>
+          <a:bodyPr wrap="square" rtlCol="0" anchor="t">
+            <a:spAutoFit/>
+          </a:bodyPr>
+          <a:p>
+            <a:r>
+              <a:rPr lang="zh-CN" altLang="en-US"/>
+              <a:t>func main() {</a:t>
+            </a:r>
+            <a:endParaRPr lang="zh-CN" altLang="en-US"/>
+          </a:p>
+          <a:p>
+            <a:r>
+              <a:rPr lang="zh-CN" altLang="en-US"/>
+              <a:t>	var w Wheel</a:t>
+            </a:r>
+            <a:endParaRPr lang="zh-CN" altLang="en-US"/>
+          </a:p>
+          <a:p>
+            <a:r>
+              <a:rPr lang="zh-CN" altLang="en-US"/>
+              <a:t>	w = Wheel{Circle{Point{8, 8}, 5}, 20}</a:t>
+            </a:r>
+            <a:endParaRPr lang="zh-CN" altLang="en-US"/>
+          </a:p>
+          <a:p>
+            <a:endParaRPr lang="zh-CN" altLang="en-US"/>
+          </a:p>
+          <a:p>
+            <a:r>
+              <a:rPr lang="zh-CN" altLang="en-US"/>
+              <a:t>	w = Wheel{</a:t>
+            </a:r>
+            <a:endParaRPr lang="zh-CN" altLang="en-US"/>
+          </a:p>
+          <a:p>
+            <a:r>
+              <a:rPr lang="zh-CN" altLang="en-US"/>
+              <a:t>		Circle: Circle{</a:t>
+            </a:r>
+            <a:endParaRPr lang="zh-CN" altLang="en-US"/>
+          </a:p>
+          <a:p>
+            <a:r>
+              <a:rPr lang="zh-CN" altLang="en-US"/>
+              <a:t>			Point:  Point{X: 8, Y: 8},</a:t>
+            </a:r>
+            <a:endParaRPr lang="zh-CN" altLang="en-US"/>
+          </a:p>
+          <a:p>
+            <a:r>
+              <a:rPr lang="zh-CN" altLang="en-US"/>
+              <a:t>			Radius: 5,</a:t>
+            </a:r>
+            <a:endParaRPr lang="zh-CN" altLang="en-US"/>
+          </a:p>
+          <a:p>
+            <a:r>
+              <a:rPr lang="zh-CN" altLang="en-US"/>
+              <a:t>		},</a:t>
+            </a:r>
+            <a:endParaRPr lang="zh-CN" altLang="en-US"/>
+          </a:p>
+          <a:p>
+            <a:r>
+              <a:rPr lang="zh-CN" altLang="en-US"/>
+              <a:t>		Spokes: 20, </a:t>
+            </a:r>
+            <a:endParaRPr lang="zh-CN" altLang="en-US"/>
+          </a:p>
+          <a:p>
+            <a:r>
+              <a:rPr lang="zh-CN" altLang="en-US"/>
+              <a:t>	}</a:t>
+            </a:r>
+            <a:endParaRPr lang="zh-CN" altLang="en-US"/>
+          </a:p>
+          <a:p>
+            <a:endParaRPr lang="zh-CN" altLang="en-US"/>
+          </a:p>
+          <a:p>
+            <a:r>
+              <a:rPr lang="zh-CN" altLang="en-US"/>
+              <a:t>	fmt.Printf("%#v\n", w)</a:t>
+            </a:r>
+            <a:endParaRPr lang="zh-CN" altLang="en-US"/>
+          </a:p>
+          <a:p>
+            <a:r>
+              <a:rPr lang="zh-CN" altLang="en-US"/>
+              <a:t>	// Output:</a:t>
+            </a:r>
+            <a:endParaRPr lang="zh-CN" altLang="en-US"/>
+          </a:p>
+          <a:p>
+            <a:r>
+              <a:rPr lang="zh-CN" altLang="en-US"/>
+              <a:t>	// Wheel{Circle:Circle{Point:Point{X:8, Y:8}, Radius:5}, Spokes:20}</a:t>
+            </a:r>
+            <a:endParaRPr lang="zh-CN" altLang="en-US"/>
+          </a:p>
+          <a:p>
+            <a:endParaRPr lang="zh-CN" altLang="en-US"/>
+          </a:p>
+          <a:p>
+            <a:r>
+              <a:rPr lang="zh-CN" altLang="en-US"/>
+              <a:t>	w.X = 42</a:t>
+            </a:r>
+            <a:endParaRPr lang="zh-CN" altLang="en-US"/>
+          </a:p>
+          <a:p>
+            <a:endParaRPr lang="zh-CN" altLang="en-US"/>
+          </a:p>
+          <a:p>
+            <a:r>
+              <a:rPr lang="zh-CN" altLang="en-US"/>
+              <a:t>	fmt.Printf("%#v\n", w)</a:t>
+            </a:r>
+            <a:endParaRPr lang="zh-CN" altLang="en-US"/>
+          </a:p>
+          <a:p>
+            <a:r>
+              <a:rPr lang="zh-CN" altLang="en-US"/>
+              <a:t>	// Output:</a:t>
+            </a:r>
+            <a:endParaRPr lang="zh-CN" altLang="en-US"/>
+          </a:p>
+          <a:p>
+            <a:r>
+              <a:rPr lang="zh-CN" altLang="en-US"/>
+              <a:t>	// Wheel{Circle:Circle{Point:Point{X:42, Y:8}, Radius:5}, Spokes:20}</a:t>
+            </a:r>
+            <a:endParaRPr lang="zh-CN" altLang="en-US"/>
+          </a:p>
+          <a:p>
+            <a:r>
+              <a:rPr lang="zh-CN" altLang="en-US"/>
+              <a:t>}</a:t>
+            </a:r>
             <a:endParaRPr lang="zh-CN" altLang="en-US"/>
           </a:p>
         </p:txBody>
@@ -5514,6 +6632,130 @@
   <p:clrMapOvr>
     <a:masterClrMapping/>
   </p:clrMapOvr>
+  <p:timing>
+    <p:tnLst>
+      <p:par>
+        <p:cTn id="1" dur="indefinite" restart="never" nodeType="tmRoot">
+          <p:childTnLst>
+            <p:seq concurrent="1" nextAc="seek">
+              <p:cTn id="2" dur="indefinite" nodeType="mainSeq">
+                <p:childTnLst>
+                  <p:par>
+                    <p:cTn id="3" fill="hold">
+                      <p:stCondLst>
+                        <p:cond delay="indefinite"/>
+                      </p:stCondLst>
+                      <p:childTnLst>
+                        <p:par>
+                          <p:cTn id="4" fill="hold">
+                            <p:stCondLst>
+                              <p:cond delay="0"/>
+                            </p:stCondLst>
+                            <p:childTnLst>
+                              <p:par>
+                                <p:cTn id="5" presetID="2" presetClass="entr" presetSubtype="4" fill="hold" grpId="0" nodeType="clickEffect">
+                                  <p:stCondLst>
+                                    <p:cond delay="0"/>
+                                  </p:stCondLst>
+                                  <p:childTnLst>
+                                    <p:set>
+                                      <p:cBhvr>
+                                        <p:cTn id="6" dur="1" fill="hold">
+                                          <p:stCondLst>
+                                            <p:cond delay="0"/>
+                                          </p:stCondLst>
+                                        </p:cTn>
+                                        <p:tgtEl>
+                                          <p:spTgt spid="4"/>
+                                        </p:tgtEl>
+                                        <p:attrNameLst>
+                                          <p:attrName>style.visibility</p:attrName>
+                                        </p:attrNameLst>
+                                      </p:cBhvr>
+                                      <p:to>
+                                        <p:strVal val="visible"/>
+                                      </p:to>
+                                    </p:set>
+                                    <p:anim calcmode="lin" valueType="num">
+                                      <p:cBhvr additive="base">
+                                        <p:cTn id="7" dur="500" fill="hold"/>
+                                        <p:tgtEl>
+                                          <p:spTgt spid="4"/>
+                                        </p:tgtEl>
+                                        <p:attrNameLst>
+                                          <p:attrName>ppt_x</p:attrName>
+                                        </p:attrNameLst>
+                                      </p:cBhvr>
+                                      <p:tavLst>
+                                        <p:tav tm="0">
+                                          <p:val>
+                                            <p:strVal val="#ppt_x"/>
+                                          </p:val>
+                                        </p:tav>
+                                        <p:tav tm="100000">
+                                          <p:val>
+                                            <p:strVal val="#ppt_x"/>
+                                          </p:val>
+                                        </p:tav>
+                                      </p:tavLst>
+                                    </p:anim>
+                                    <p:anim calcmode="lin" valueType="num">
+                                      <p:cBhvr additive="base">
+                                        <p:cTn id="8" dur="500" fill="hold"/>
+                                        <p:tgtEl>
+                                          <p:spTgt spid="4"/>
+                                        </p:tgtEl>
+                                        <p:attrNameLst>
+                                          <p:attrName>ppt_y</p:attrName>
+                                        </p:attrNameLst>
+                                      </p:cBhvr>
+                                      <p:tavLst>
+                                        <p:tav tm="0">
+                                          <p:val>
+                                            <p:strVal val="1+#ppt_h/2"/>
+                                          </p:val>
+                                        </p:tav>
+                                        <p:tav tm="100000">
+                                          <p:val>
+                                            <p:strVal val="#ppt_y"/>
+                                          </p:val>
+                                        </p:tav>
+                                      </p:tavLst>
+                                    </p:anim>
+                                  </p:childTnLst>
+                                </p:cTn>
+                              </p:par>
+                            </p:childTnLst>
+                          </p:cTn>
+                        </p:par>
+                      </p:childTnLst>
+                    </p:cTn>
+                  </p:par>
+                </p:childTnLst>
+              </p:cTn>
+              <p:prevCondLst>
+                <p:cond evt="onPrev" delay="0">
+                  <p:tgtEl>
+                    <p:sldTgt/>
+                  </p:tgtEl>
+                </p:cond>
+              </p:prevCondLst>
+              <p:nextCondLst>
+                <p:cond evt="onNext" delay="0">
+                  <p:tgtEl>
+                    <p:sldTgt/>
+                  </p:tgtEl>
+                </p:cond>
+              </p:nextCondLst>
+            </p:seq>
+          </p:childTnLst>
+        </p:cTn>
+      </p:par>
+    </p:tnLst>
+    <p:bldLst>
+      <p:bldP spid="4" grpId="0"/>
+    </p:bldLst>
+  </p:timing>
 </p:sld>
 </file>
 
@@ -5529,112 +6771,106 @@
       <p:grpSpPr/>
       <p:sp>
         <p:nvSpPr>
-          <p:cNvPr id="5" name="文本框 4"/>
-          <p:cNvSpPr txBox="1"/>
-          <p:nvPr/>
+          <p:cNvPr id="2" name="标题 1"/>
+          <p:cNvSpPr>
+            <a:spLocks noGrp="1"/>
+          </p:cNvSpPr>
+          <p:nvPr>
+            <p:ph type="title"/>
+          </p:nvPr>
+        </p:nvSpPr>
+        <p:spPr/>
+        <p:txBody>
+          <a:bodyPr/>
+          <a:p>
+            <a:pPr algn="ctr"/>
+            <a:r>
+              <a:rPr lang="x-none" altLang="zh-CN"/>
+              <a:t>Go Concurrency</a:t>
+            </a:r>
+            <a:endParaRPr lang="x-none" altLang="zh-CN"/>
+          </a:p>
+        </p:txBody>
+      </p:sp>
+      <p:sp>
+        <p:nvSpPr>
+          <p:cNvPr id="3" name="内容占位符 2"/>
+          <p:cNvSpPr>
+            <a:spLocks noGrp="1"/>
+          </p:cNvSpPr>
+          <p:nvPr>
+            <p:ph idx="1"/>
+          </p:nvPr>
         </p:nvSpPr>
         <p:spPr>
           <a:xfrm>
-            <a:off x="2822575" y="1770380"/>
-            <a:ext cx="5430520" cy="3931920"/>
+            <a:off x="512445" y="1644650"/>
+            <a:ext cx="11487785" cy="5005705"/>
           </a:xfrm>
-          <a:prstGeom prst="rect">
-            <a:avLst/>
-          </a:prstGeom>
-          <a:noFill/>
         </p:spPr>
         <p:txBody>
-          <a:bodyPr wrap="square" rtlCol="0" anchor="t">
-            <a:spAutoFit/>
-          </a:bodyPr>
-          <a:p>
-            <a:r>
-              <a:rPr lang="zh-CN" altLang="en-US"/>
-              <a:t>        struct</a:t>
-            </a:r>
-            <a:endParaRPr lang="zh-CN" altLang="en-US"/>
-          </a:p>
-          <a:p>
-            <a:r>
-              <a:rPr lang="zh-CN" altLang="en-US"/>
-              <a:t>            type Point struct{ X, Y int }</a:t>
-            </a:r>
-            <a:endParaRPr lang="zh-CN" altLang="en-US"/>
-          </a:p>
-          <a:p>
-            <a:r>
-              <a:rPr lang="zh-CN" altLang="en-US"/>
-              <a:t>            p := Point{1, 2}</a:t>
-            </a:r>
-            <a:endParaRPr lang="zh-CN" altLang="en-US"/>
-          </a:p>
-          <a:p>
-            <a:endParaRPr lang="zh-CN" altLang="en-US"/>
-          </a:p>
-          <a:p>
-            <a:r>
-              <a:rPr lang="zh-CN" altLang="en-US"/>
-              <a:t>            embedding and anonymous fields</a:t>
-            </a:r>
-            <a:endParaRPr lang="zh-CN" altLang="en-US"/>
-          </a:p>
-          <a:p>
-            <a:r>
-              <a:rPr lang="zh-CN" altLang="en-US"/>
-              <a:t>                type Circle struct {</a:t>
-            </a:r>
-            <a:endParaRPr lang="zh-CN" altLang="en-US"/>
-          </a:p>
-          <a:p>
-            <a:r>
-              <a:rPr lang="zh-CN" altLang="en-US"/>
-              <a:t>                    Center Point</a:t>
-            </a:r>
-            <a:endParaRPr lang="zh-CN" altLang="en-US"/>
-          </a:p>
-          <a:p>
-            <a:r>
-              <a:rPr lang="zh-CN" altLang="en-US"/>
-              <a:t>                    Radius int</a:t>
-            </a:r>
-            <a:endParaRPr lang="zh-CN" altLang="en-US"/>
-          </a:p>
-          <a:p>
-            <a:r>
-              <a:rPr lang="zh-CN" altLang="en-US"/>
-              <a:t>                }</a:t>
-            </a:r>
-            <a:endParaRPr lang="zh-CN" altLang="en-US"/>
-          </a:p>
-          <a:p>
-            <a:endParaRPr lang="zh-CN" altLang="en-US"/>
-          </a:p>
-          <a:p>
-            <a:r>
-              <a:rPr lang="zh-CN" altLang="en-US"/>
-              <a:t>                type Circle struct {</a:t>
-            </a:r>
-            <a:endParaRPr lang="zh-CN" altLang="en-US"/>
-          </a:p>
-          <a:p>
-            <a:r>
-              <a:rPr lang="zh-CN" altLang="en-US"/>
-              <a:t>                    Point</a:t>
-            </a:r>
-            <a:endParaRPr lang="zh-CN" altLang="en-US"/>
-          </a:p>
-          <a:p>
-            <a:r>
-              <a:rPr lang="zh-CN" altLang="en-US"/>
-              <a:t>                    Radius int</a:t>
-            </a:r>
-            <a:endParaRPr lang="zh-CN" altLang="en-US"/>
-          </a:p>
-          <a:p>
-            <a:r>
-              <a:rPr lang="zh-CN" altLang="en-US"/>
-              <a:t>                }</a:t>
-            </a:r>
+          <a:bodyPr/>
+          <a:p>
+            <a:pPr marL="0" indent="0">
+              <a:buNone/>
+            </a:pPr>
+            <a:r>
+              <a:rPr lang="zh-CN" altLang="en-US">
+                <a:sym typeface="+mn-ea"/>
+              </a:rPr>
+              <a:t>Two stlyes of concurrent programming</a:t>
+            </a:r>
+            <a:endParaRPr lang="zh-CN" altLang="en-US">
+              <a:sym typeface="+mn-ea"/>
+            </a:endParaRPr>
+          </a:p>
+          <a:p>
+            <a:pPr marL="0" indent="0">
+              <a:buNone/>
+            </a:pPr>
+            <a:r>
+              <a:rPr lang="x-none" altLang="zh-CN">
+                <a:sym typeface="+mn-ea"/>
+              </a:rPr>
+              <a:t>	</a:t>
+            </a:r>
+            <a:r>
+              <a:rPr lang="zh-CN" altLang="en-US">
+                <a:sym typeface="+mn-ea"/>
+              </a:rPr>
+              <a:t>CSP(communicating sequential process)</a:t>
+            </a:r>
+            <a:endParaRPr lang="zh-CN" altLang="en-US">
+              <a:sym typeface="+mn-ea"/>
+            </a:endParaRPr>
+          </a:p>
+          <a:p>
+            <a:pPr marL="457200" lvl="1" indent="0">
+              <a:buNone/>
+            </a:pPr>
+            <a:r>
+              <a:rPr lang="x-none" altLang="zh-CN">
+                <a:sym typeface="+mn-ea"/>
+              </a:rPr>
+              <a:t>	Ordinary Methods(such as </a:t>
+            </a:r>
+            <a:r>
+              <a:rPr lang="zh-CN" altLang="en-US">
+                <a:sym typeface="+mn-ea"/>
+              </a:rPr>
+              <a:t>Mutual Exclusion</a:t>
+            </a:r>
+            <a:r>
+              <a:rPr lang="x-none" altLang="zh-CN">
+                <a:sym typeface="+mn-ea"/>
+              </a:rPr>
+              <a:t>)</a:t>
+            </a:r>
+            <a:endParaRPr lang="x-none" altLang="zh-CN">
+              <a:sym typeface="+mn-ea"/>
+            </a:endParaRPr>
+          </a:p>
+          <a:p>
             <a:endParaRPr lang="zh-CN" altLang="en-US"/>
           </a:p>
         </p:txBody>
